--- a/Oral 05-05.pptx
+++ b/Oral 05-05.pptx
@@ -119,7 +119,7 @@
   </p:defaultTextStyle>
   <p:extLst>
     <p:ext uri="{EFAFB233-063F-42B5-8137-9DF3F51BA10A}">
-      <p15:sldGuideLst xmlns:p15="http://schemas.microsoft.com/office/powerpoint/2012/main" xmlns="">
+      <p15:sldGuideLst xmlns:p15="http://schemas.microsoft.com/office/powerpoint/2012/main">
         <p15:guide id="1" orient="horz" pos="2160">
           <p15:clr>
             <a:srgbClr val="A4A3A4"/>
@@ -737,7 +737,7 @@
           </a:lstStyle>
           <a:p>
             <a:r>
-              <a:rPr lang="fr-FR" smtClean="0"/>
+              <a:rPr lang="fr-FR"/>
               <a:t>Modifiez le style du titre</a:t>
             </a:r>
             <a:endParaRPr lang="en-US" dirty="0"/>
@@ -857,7 +857,7 @@
           </a:lstStyle>
           <a:p>
             <a:r>
-              <a:rPr lang="fr-FR" smtClean="0"/>
+              <a:rPr lang="fr-FR"/>
               <a:t>Modifiez le style des sous-titres du masque</a:t>
             </a:r>
             <a:endParaRPr lang="en-US" dirty="0"/>
@@ -881,7 +881,7 @@
           <a:p>
             <a:fld id="{D75EBC00-0BEA-4A2A-ACF4-C7A39BC548C7}" type="datetimeFigureOut">
               <a:rPr lang="fr-FR" smtClean="0"/>
-              <a:t>05/05/18</a:t>
+              <a:t>05/05/2018</a:t>
             </a:fld>
             <a:endParaRPr lang="fr-FR"/>
           </a:p>
@@ -986,7 +986,7 @@
           </a:lstStyle>
           <a:p>
             <a:r>
-              <a:rPr lang="fr-FR" smtClean="0"/>
+              <a:rPr lang="fr-FR"/>
               <a:t>Modifiez le style du titre</a:t>
             </a:r>
             <a:endParaRPr lang="en-US" dirty="0"/>
@@ -1109,7 +1109,7 @@
           <a:p>
             <a:pPr lvl="0"/>
             <a:r>
-              <a:rPr lang="fr-FR" smtClean="0"/>
+              <a:rPr lang="fr-FR"/>
               <a:t>Modifiez les styles du texte du masque</a:t>
             </a:r>
           </a:p>
@@ -1132,7 +1132,7 @@
           <a:p>
             <a:fld id="{D75EBC00-0BEA-4A2A-ACF4-C7A39BC548C7}" type="datetimeFigureOut">
               <a:rPr lang="fr-FR" smtClean="0"/>
-              <a:t>05/05/18</a:t>
+              <a:t>05/05/2018</a:t>
             </a:fld>
             <a:endParaRPr lang="fr-FR"/>
           </a:p>
@@ -1237,7 +1237,7 @@
           </a:lstStyle>
           <a:p>
             <a:r>
-              <a:rPr lang="fr-FR" smtClean="0"/>
+              <a:rPr lang="fr-FR"/>
               <a:t>Modifiez le style du titre</a:t>
             </a:r>
             <a:endParaRPr lang="en-US" dirty="0"/>
@@ -1301,7 +1301,7 @@
           <a:p>
             <a:pPr lvl="0"/>
             <a:r>
-              <a:rPr lang="fr-FR" smtClean="0"/>
+              <a:rPr lang="fr-FR"/>
               <a:t>Modifiez les styles du texte du masque</a:t>
             </a:r>
           </a:p>
@@ -1423,7 +1423,7 @@
           <a:p>
             <a:pPr lvl="0"/>
             <a:r>
-              <a:rPr lang="fr-FR" smtClean="0"/>
+              <a:rPr lang="fr-FR"/>
               <a:t>Modifiez les styles du texte du masque</a:t>
             </a:r>
           </a:p>
@@ -1446,7 +1446,7 @@
           <a:p>
             <a:fld id="{D75EBC00-0BEA-4A2A-ACF4-C7A39BC548C7}" type="datetimeFigureOut">
               <a:rPr lang="fr-FR" smtClean="0"/>
-              <a:t>05/05/18</a:t>
+              <a:t>05/05/2018</a:t>
             </a:fld>
             <a:endParaRPr lang="fr-FR"/>
           </a:p>
@@ -1633,7 +1633,7 @@
           </a:lstStyle>
           <a:p>
             <a:r>
-              <a:rPr lang="fr-FR" smtClean="0"/>
+              <a:rPr lang="fr-FR"/>
               <a:t>Modifiez le style du titre</a:t>
             </a:r>
             <a:endParaRPr lang="en-US" dirty="0"/>
@@ -1756,7 +1756,7 @@
           <a:p>
             <a:pPr lvl="0"/>
             <a:r>
-              <a:rPr lang="fr-FR" smtClean="0"/>
+              <a:rPr lang="fr-FR"/>
               <a:t>Modifiez les styles du texte du masque</a:t>
             </a:r>
           </a:p>
@@ -1779,7 +1779,7 @@
           <a:p>
             <a:fld id="{D75EBC00-0BEA-4A2A-ACF4-C7A39BC548C7}" type="datetimeFigureOut">
               <a:rPr lang="fr-FR" smtClean="0"/>
-              <a:t>05/05/18</a:t>
+              <a:t>05/05/2018</a:t>
             </a:fld>
             <a:endParaRPr lang="fr-FR"/>
           </a:p>
@@ -1884,7 +1884,7 @@
           </a:lstStyle>
           <a:p>
             <a:r>
-              <a:rPr lang="fr-FR" smtClean="0"/>
+              <a:rPr lang="fr-FR"/>
               <a:t>Modifiez le style du titre</a:t>
             </a:r>
             <a:endParaRPr lang="en-US" dirty="0"/>
@@ -1948,7 +1948,7 @@
           <a:p>
             <a:pPr lvl="0"/>
             <a:r>
-              <a:rPr lang="fr-FR" smtClean="0"/>
+              <a:rPr lang="fr-FR"/>
               <a:t>Modifiez les styles du texte du masque</a:t>
             </a:r>
           </a:p>
@@ -2070,7 +2070,7 @@
           <a:p>
             <a:pPr lvl="0"/>
             <a:r>
-              <a:rPr lang="fr-FR" smtClean="0"/>
+              <a:rPr lang="fr-FR"/>
               <a:t>Modifiez les styles du texte du masque</a:t>
             </a:r>
           </a:p>
@@ -2093,7 +2093,7 @@
           <a:p>
             <a:fld id="{D75EBC00-0BEA-4A2A-ACF4-C7A39BC548C7}" type="datetimeFigureOut">
               <a:rPr lang="fr-FR" smtClean="0"/>
-              <a:t>05/05/18</a:t>
+              <a:t>05/05/2018</a:t>
             </a:fld>
             <a:endParaRPr lang="fr-FR"/>
           </a:p>
@@ -2280,7 +2280,7 @@
           </a:lstStyle>
           <a:p>
             <a:r>
-              <a:rPr lang="fr-FR" smtClean="0"/>
+              <a:rPr lang="fr-FR"/>
               <a:t>Modifiez le style du titre</a:t>
             </a:r>
             <a:endParaRPr lang="en-US" dirty="0"/>
@@ -2341,7 +2341,7 @@
           <a:p>
             <a:pPr lvl="0"/>
             <a:r>
-              <a:rPr lang="fr-FR" smtClean="0"/>
+              <a:rPr lang="fr-FR"/>
               <a:t>Modifiez les styles du texte du masque</a:t>
             </a:r>
           </a:p>
@@ -2463,7 +2463,7 @@
           <a:p>
             <a:pPr lvl="0"/>
             <a:r>
-              <a:rPr lang="fr-FR" smtClean="0"/>
+              <a:rPr lang="fr-FR"/>
               <a:t>Modifiez les styles du texte du masque</a:t>
             </a:r>
           </a:p>
@@ -2486,7 +2486,7 @@
           <a:p>
             <a:fld id="{D75EBC00-0BEA-4A2A-ACF4-C7A39BC548C7}" type="datetimeFigureOut">
               <a:rPr lang="fr-FR" smtClean="0"/>
-              <a:t>05/05/18</a:t>
+              <a:t>05/05/2018</a:t>
             </a:fld>
             <a:endParaRPr lang="fr-FR"/>
           </a:p>
@@ -2580,7 +2580,7 @@
           <a:lstStyle/>
           <a:p>
             <a:r>
-              <a:rPr lang="fr-FR" smtClean="0"/>
+              <a:rPr lang="fr-FR"/>
               <a:t>Modifiez le style du titre</a:t>
             </a:r>
             <a:endParaRPr lang="en-US" dirty="0"/>
@@ -2604,35 +2604,35 @@
           <a:p>
             <a:pPr lvl="0"/>
             <a:r>
-              <a:rPr lang="fr-FR" smtClean="0"/>
+              <a:rPr lang="fr-FR"/>
               <a:t>Modifiez les styles du texte du masque</a:t>
             </a:r>
           </a:p>
           <a:p>
             <a:pPr lvl="1"/>
             <a:r>
-              <a:rPr lang="fr-FR" smtClean="0"/>
+              <a:rPr lang="fr-FR"/>
               <a:t>Deuxième niveau</a:t>
             </a:r>
           </a:p>
           <a:p>
             <a:pPr lvl="2"/>
             <a:r>
-              <a:rPr lang="fr-FR" smtClean="0"/>
+              <a:rPr lang="fr-FR"/>
               <a:t>Troisième niveau</a:t>
             </a:r>
           </a:p>
           <a:p>
             <a:pPr lvl="3"/>
             <a:r>
-              <a:rPr lang="fr-FR" smtClean="0"/>
+              <a:rPr lang="fr-FR"/>
               <a:t>Quatrième niveau</a:t>
             </a:r>
           </a:p>
           <a:p>
             <a:pPr lvl="4"/>
             <a:r>
-              <a:rPr lang="fr-FR" smtClean="0"/>
+              <a:rPr lang="fr-FR"/>
               <a:t>Cinquième niveau</a:t>
             </a:r>
             <a:endParaRPr lang="en-US" dirty="0"/>
@@ -2656,7 +2656,7 @@
           <a:p>
             <a:fld id="{D75EBC00-0BEA-4A2A-ACF4-C7A39BC548C7}" type="datetimeFigureOut">
               <a:rPr lang="fr-FR" smtClean="0"/>
-              <a:t>05/05/18</a:t>
+              <a:t>05/05/2018</a:t>
             </a:fld>
             <a:endParaRPr lang="fr-FR"/>
           </a:p>
@@ -2755,7 +2755,7 @@
           <a:lstStyle/>
           <a:p>
             <a:r>
-              <a:rPr lang="fr-FR" smtClean="0"/>
+              <a:rPr lang="fr-FR"/>
               <a:t>Modifiez le style du titre</a:t>
             </a:r>
             <a:endParaRPr lang="en-US" dirty="0"/>
@@ -2784,35 +2784,35 @@
           <a:p>
             <a:pPr lvl="0"/>
             <a:r>
-              <a:rPr lang="fr-FR" smtClean="0"/>
+              <a:rPr lang="fr-FR"/>
               <a:t>Modifiez les styles du texte du masque</a:t>
             </a:r>
           </a:p>
           <a:p>
             <a:pPr lvl="1"/>
             <a:r>
-              <a:rPr lang="fr-FR" smtClean="0"/>
+              <a:rPr lang="fr-FR"/>
               <a:t>Deuxième niveau</a:t>
             </a:r>
           </a:p>
           <a:p>
             <a:pPr lvl="2"/>
             <a:r>
-              <a:rPr lang="fr-FR" smtClean="0"/>
+              <a:rPr lang="fr-FR"/>
               <a:t>Troisième niveau</a:t>
             </a:r>
           </a:p>
           <a:p>
             <a:pPr lvl="3"/>
             <a:r>
-              <a:rPr lang="fr-FR" smtClean="0"/>
+              <a:rPr lang="fr-FR"/>
               <a:t>Quatrième niveau</a:t>
             </a:r>
           </a:p>
           <a:p>
             <a:pPr lvl="4"/>
             <a:r>
-              <a:rPr lang="fr-FR" smtClean="0"/>
+              <a:rPr lang="fr-FR"/>
               <a:t>Cinquième niveau</a:t>
             </a:r>
             <a:endParaRPr lang="en-US" dirty="0"/>
@@ -2836,7 +2836,7 @@
           <a:p>
             <a:fld id="{D75EBC00-0BEA-4A2A-ACF4-C7A39BC548C7}" type="datetimeFigureOut">
               <a:rPr lang="fr-FR" smtClean="0"/>
-              <a:t>05/05/18</a:t>
+              <a:t>05/05/2018</a:t>
             </a:fld>
             <a:endParaRPr lang="fr-FR"/>
           </a:p>
@@ -3498,7 +3498,7 @@
           </a:lstStyle>
           <a:p>
             <a:r>
-              <a:rPr lang="fr-FR" smtClean="0"/>
+              <a:rPr lang="fr-FR"/>
               <a:t>Modifiez le style du titre</a:t>
             </a:r>
             <a:endParaRPr lang="en-US" dirty="0"/>
@@ -3618,7 +3618,7 @@
           </a:lstStyle>
           <a:p>
             <a:r>
-              <a:rPr lang="fr-FR" smtClean="0"/>
+              <a:rPr lang="fr-FR"/>
               <a:t>Modifiez le style des sous-titres du masque</a:t>
             </a:r>
             <a:endParaRPr lang="en-US" dirty="0"/>
@@ -3650,7 +3650,7 @@
                 <a:latin typeface="Trebuchet MS"/>
               </a:rPr>
               <a:pPr/>
-              <a:t>05/05/18</a:t>
+              <a:t>05/05/2018</a:t>
             </a:fld>
             <a:endParaRPr lang="fr-FR">
               <a:solidFill>
@@ -3769,7 +3769,7 @@
           <a:lstStyle/>
           <a:p>
             <a:r>
-              <a:rPr lang="fr-FR" smtClean="0"/>
+              <a:rPr lang="fr-FR"/>
               <a:t>Modifiez le style du titre</a:t>
             </a:r>
             <a:endParaRPr lang="en-US" dirty="0"/>
@@ -3793,35 +3793,35 @@
           <a:p>
             <a:pPr lvl="0"/>
             <a:r>
-              <a:rPr lang="fr-FR" smtClean="0"/>
+              <a:rPr lang="fr-FR"/>
               <a:t>Modifiez les styles du texte du masque</a:t>
             </a:r>
           </a:p>
           <a:p>
             <a:pPr lvl="1"/>
             <a:r>
-              <a:rPr lang="fr-FR" smtClean="0"/>
+              <a:rPr lang="fr-FR"/>
               <a:t>Deuxième niveau</a:t>
             </a:r>
           </a:p>
           <a:p>
             <a:pPr lvl="2"/>
             <a:r>
-              <a:rPr lang="fr-FR" smtClean="0"/>
+              <a:rPr lang="fr-FR"/>
               <a:t>Troisième niveau</a:t>
             </a:r>
           </a:p>
           <a:p>
             <a:pPr lvl="3"/>
             <a:r>
-              <a:rPr lang="fr-FR" smtClean="0"/>
+              <a:rPr lang="fr-FR"/>
               <a:t>Quatrième niveau</a:t>
             </a:r>
           </a:p>
           <a:p>
             <a:pPr lvl="4"/>
             <a:r>
-              <a:rPr lang="fr-FR" smtClean="0"/>
+              <a:rPr lang="fr-FR"/>
               <a:t>Cinquième niveau</a:t>
             </a:r>
             <a:endParaRPr lang="en-US" dirty="0"/>
@@ -3853,7 +3853,7 @@
                 <a:latin typeface="Trebuchet MS"/>
               </a:rPr>
               <a:pPr/>
-              <a:t>05/05/18</a:t>
+              <a:t>05/05/2018</a:t>
             </a:fld>
             <a:endParaRPr lang="fr-FR">
               <a:solidFill>
@@ -3981,7 +3981,7 @@
           </a:lstStyle>
           <a:p>
             <a:r>
-              <a:rPr lang="fr-FR" smtClean="0"/>
+              <a:rPr lang="fr-FR"/>
               <a:t>Modifiez le style du titre</a:t>
             </a:r>
             <a:endParaRPr lang="en-US" dirty="0"/>
@@ -4102,7 +4102,7 @@
           <a:p>
             <a:pPr lvl="0"/>
             <a:r>
-              <a:rPr lang="fr-FR" smtClean="0"/>
+              <a:rPr lang="fr-FR"/>
               <a:t>Modifiez les styles du texte du masque</a:t>
             </a:r>
           </a:p>
@@ -4133,7 +4133,7 @@
                 <a:latin typeface="Trebuchet MS"/>
               </a:rPr>
               <a:pPr/>
-              <a:t>05/05/18</a:t>
+              <a:t>05/05/2018</a:t>
             </a:fld>
             <a:endParaRPr lang="fr-FR">
               <a:solidFill>
@@ -4252,7 +4252,7 @@
           <a:lstStyle/>
           <a:p>
             <a:r>
-              <a:rPr lang="fr-FR" smtClean="0"/>
+              <a:rPr lang="fr-FR"/>
               <a:t>Modifiez le style du titre</a:t>
             </a:r>
             <a:endParaRPr lang="en-US" dirty="0"/>
@@ -4276,35 +4276,35 @@
           <a:p>
             <a:pPr lvl="0"/>
             <a:r>
-              <a:rPr lang="fr-FR" smtClean="0"/>
+              <a:rPr lang="fr-FR"/>
               <a:t>Modifiez les styles du texte du masque</a:t>
             </a:r>
           </a:p>
           <a:p>
             <a:pPr lvl="1"/>
             <a:r>
-              <a:rPr lang="fr-FR" smtClean="0"/>
+              <a:rPr lang="fr-FR"/>
               <a:t>Deuxième niveau</a:t>
             </a:r>
           </a:p>
           <a:p>
             <a:pPr lvl="2"/>
             <a:r>
-              <a:rPr lang="fr-FR" smtClean="0"/>
+              <a:rPr lang="fr-FR"/>
               <a:t>Troisième niveau</a:t>
             </a:r>
           </a:p>
           <a:p>
             <a:pPr lvl="3"/>
             <a:r>
-              <a:rPr lang="fr-FR" smtClean="0"/>
+              <a:rPr lang="fr-FR"/>
               <a:t>Quatrième niveau</a:t>
             </a:r>
           </a:p>
           <a:p>
             <a:pPr lvl="4"/>
             <a:r>
-              <a:rPr lang="fr-FR" smtClean="0"/>
+              <a:rPr lang="fr-FR"/>
               <a:t>Cinquième niveau</a:t>
             </a:r>
             <a:endParaRPr lang="en-US" dirty="0"/>
@@ -4328,7 +4328,7 @@
           <a:p>
             <a:fld id="{D75EBC00-0BEA-4A2A-ACF4-C7A39BC548C7}" type="datetimeFigureOut">
               <a:rPr lang="fr-FR" smtClean="0"/>
-              <a:t>05/05/18</a:t>
+              <a:t>05/05/2018</a:t>
             </a:fld>
             <a:endParaRPr lang="fr-FR"/>
           </a:p>
@@ -4422,7 +4422,7 @@
           <a:lstStyle/>
           <a:p>
             <a:r>
-              <a:rPr lang="fr-FR" smtClean="0"/>
+              <a:rPr lang="fr-FR"/>
               <a:t>Modifiez le style du titre</a:t>
             </a:r>
             <a:endParaRPr lang="en-US" dirty="0"/>
@@ -4451,35 +4451,35 @@
           <a:p>
             <a:pPr lvl="0"/>
             <a:r>
-              <a:rPr lang="fr-FR" smtClean="0"/>
+              <a:rPr lang="fr-FR"/>
               <a:t>Modifiez les styles du texte du masque</a:t>
             </a:r>
           </a:p>
           <a:p>
             <a:pPr lvl="1"/>
             <a:r>
-              <a:rPr lang="fr-FR" smtClean="0"/>
+              <a:rPr lang="fr-FR"/>
               <a:t>Deuxième niveau</a:t>
             </a:r>
           </a:p>
           <a:p>
             <a:pPr lvl="2"/>
             <a:r>
-              <a:rPr lang="fr-FR" smtClean="0"/>
+              <a:rPr lang="fr-FR"/>
               <a:t>Troisième niveau</a:t>
             </a:r>
           </a:p>
           <a:p>
             <a:pPr lvl="3"/>
             <a:r>
-              <a:rPr lang="fr-FR" smtClean="0"/>
+              <a:rPr lang="fr-FR"/>
               <a:t>Quatrième niveau</a:t>
             </a:r>
           </a:p>
           <a:p>
             <a:pPr lvl="4"/>
             <a:r>
-              <a:rPr lang="fr-FR" smtClean="0"/>
+              <a:rPr lang="fr-FR"/>
               <a:t>Cinquième niveau</a:t>
             </a:r>
             <a:endParaRPr lang="en-US" dirty="0"/>
@@ -4508,35 +4508,35 @@
           <a:p>
             <a:pPr lvl="0"/>
             <a:r>
-              <a:rPr lang="fr-FR" smtClean="0"/>
+              <a:rPr lang="fr-FR"/>
               <a:t>Modifiez les styles du texte du masque</a:t>
             </a:r>
           </a:p>
           <a:p>
             <a:pPr lvl="1"/>
             <a:r>
-              <a:rPr lang="fr-FR" smtClean="0"/>
+              <a:rPr lang="fr-FR"/>
               <a:t>Deuxième niveau</a:t>
             </a:r>
           </a:p>
           <a:p>
             <a:pPr lvl="2"/>
             <a:r>
-              <a:rPr lang="fr-FR" smtClean="0"/>
+              <a:rPr lang="fr-FR"/>
               <a:t>Troisième niveau</a:t>
             </a:r>
           </a:p>
           <a:p>
             <a:pPr lvl="3"/>
             <a:r>
-              <a:rPr lang="fr-FR" smtClean="0"/>
+              <a:rPr lang="fr-FR"/>
               <a:t>Quatrième niveau</a:t>
             </a:r>
           </a:p>
           <a:p>
             <a:pPr lvl="4"/>
             <a:r>
-              <a:rPr lang="fr-FR" smtClean="0"/>
+              <a:rPr lang="fr-FR"/>
               <a:t>Cinquième niveau</a:t>
             </a:r>
             <a:endParaRPr lang="en-US" dirty="0"/>
@@ -4568,7 +4568,7 @@
                 <a:latin typeface="Trebuchet MS"/>
               </a:rPr>
               <a:pPr/>
-              <a:t>05/05/18</a:t>
+              <a:t>05/05/2018</a:t>
             </a:fld>
             <a:endParaRPr lang="fr-FR">
               <a:solidFill>
@@ -4691,7 +4691,7 @@
           </a:lstStyle>
           <a:p>
             <a:r>
-              <a:rPr lang="fr-FR" smtClean="0"/>
+              <a:rPr lang="fr-FR"/>
               <a:t>Modifiez le style du titre</a:t>
             </a:r>
             <a:endParaRPr lang="en-US" dirty="0"/>
@@ -4759,7 +4759,7 @@
           <a:p>
             <a:pPr lvl="0"/>
             <a:r>
-              <a:rPr lang="fr-FR" smtClean="0"/>
+              <a:rPr lang="fr-FR"/>
               <a:t>Modifiez les styles du texte du masque</a:t>
             </a:r>
           </a:p>
@@ -4789,35 +4789,35 @@
           <a:p>
             <a:pPr lvl="0"/>
             <a:r>
-              <a:rPr lang="fr-FR" smtClean="0"/>
+              <a:rPr lang="fr-FR"/>
               <a:t>Modifiez les styles du texte du masque</a:t>
             </a:r>
           </a:p>
           <a:p>
             <a:pPr lvl="1"/>
             <a:r>
-              <a:rPr lang="fr-FR" smtClean="0"/>
+              <a:rPr lang="fr-FR"/>
               <a:t>Deuxième niveau</a:t>
             </a:r>
           </a:p>
           <a:p>
             <a:pPr lvl="2"/>
             <a:r>
-              <a:rPr lang="fr-FR" smtClean="0"/>
+              <a:rPr lang="fr-FR"/>
               <a:t>Troisième niveau</a:t>
             </a:r>
           </a:p>
           <a:p>
             <a:pPr lvl="3"/>
             <a:r>
-              <a:rPr lang="fr-FR" smtClean="0"/>
+              <a:rPr lang="fr-FR"/>
               <a:t>Quatrième niveau</a:t>
             </a:r>
           </a:p>
           <a:p>
             <a:pPr lvl="4"/>
             <a:r>
-              <a:rPr lang="fr-FR" smtClean="0"/>
+              <a:rPr lang="fr-FR"/>
               <a:t>Cinquième niveau</a:t>
             </a:r>
             <a:endParaRPr lang="en-US" dirty="0"/>
@@ -4885,7 +4885,7 @@
           <a:p>
             <a:pPr lvl="0"/>
             <a:r>
-              <a:rPr lang="fr-FR" smtClean="0"/>
+              <a:rPr lang="fr-FR"/>
               <a:t>Modifiez les styles du texte du masque</a:t>
             </a:r>
           </a:p>
@@ -4915,35 +4915,35 @@
           <a:p>
             <a:pPr lvl="0"/>
             <a:r>
-              <a:rPr lang="fr-FR" smtClean="0"/>
+              <a:rPr lang="fr-FR"/>
               <a:t>Modifiez les styles du texte du masque</a:t>
             </a:r>
           </a:p>
           <a:p>
             <a:pPr lvl="1"/>
             <a:r>
-              <a:rPr lang="fr-FR" smtClean="0"/>
+              <a:rPr lang="fr-FR"/>
               <a:t>Deuxième niveau</a:t>
             </a:r>
           </a:p>
           <a:p>
             <a:pPr lvl="2"/>
             <a:r>
-              <a:rPr lang="fr-FR" smtClean="0"/>
+              <a:rPr lang="fr-FR"/>
               <a:t>Troisième niveau</a:t>
             </a:r>
           </a:p>
           <a:p>
             <a:pPr lvl="3"/>
             <a:r>
-              <a:rPr lang="fr-FR" smtClean="0"/>
+              <a:rPr lang="fr-FR"/>
               <a:t>Quatrième niveau</a:t>
             </a:r>
           </a:p>
           <a:p>
             <a:pPr lvl="4"/>
             <a:r>
-              <a:rPr lang="fr-FR" smtClean="0"/>
+              <a:rPr lang="fr-FR"/>
               <a:t>Cinquième niveau</a:t>
             </a:r>
             <a:endParaRPr lang="en-US" dirty="0"/>
@@ -4975,7 +4975,7 @@
                 <a:latin typeface="Trebuchet MS"/>
               </a:rPr>
               <a:pPr/>
-              <a:t>05/05/18</a:t>
+              <a:t>05/05/2018</a:t>
             </a:fld>
             <a:endParaRPr lang="fr-FR">
               <a:solidFill>
@@ -5099,7 +5099,7 @@
           <a:lstStyle/>
           <a:p>
             <a:r>
-              <a:rPr lang="fr-FR" smtClean="0"/>
+              <a:rPr lang="fr-FR"/>
               <a:t>Modifiez le style du titre</a:t>
             </a:r>
             <a:endParaRPr lang="en-US" dirty="0"/>
@@ -5131,7 +5131,7 @@
                 <a:latin typeface="Trebuchet MS"/>
               </a:rPr>
               <a:pPr/>
-              <a:t>05/05/18</a:t>
+              <a:t>05/05/2018</a:t>
             </a:fld>
             <a:endParaRPr lang="fr-FR">
               <a:solidFill>
@@ -5259,7 +5259,7 @@
                 <a:latin typeface="Trebuchet MS"/>
               </a:rPr>
               <a:pPr/>
-              <a:t>05/05/18</a:t>
+              <a:t>05/05/2018</a:t>
             </a:fld>
             <a:endParaRPr lang="fr-FR">
               <a:solidFill>
@@ -5389,7 +5389,7 @@
           </a:lstStyle>
           <a:p>
             <a:r>
-              <a:rPr lang="fr-FR" smtClean="0"/>
+              <a:rPr lang="fr-FR"/>
               <a:t>Modifiez le style du titre</a:t>
             </a:r>
             <a:endParaRPr lang="en-US" dirty="0"/>
@@ -5420,35 +5420,35 @@
           <a:p>
             <a:pPr lvl="0"/>
             <a:r>
-              <a:rPr lang="fr-FR" smtClean="0"/>
+              <a:rPr lang="fr-FR"/>
               <a:t>Modifiez les styles du texte du masque</a:t>
             </a:r>
           </a:p>
           <a:p>
             <a:pPr lvl="1"/>
             <a:r>
-              <a:rPr lang="fr-FR" smtClean="0"/>
+              <a:rPr lang="fr-FR"/>
               <a:t>Deuxième niveau</a:t>
             </a:r>
           </a:p>
           <a:p>
             <a:pPr lvl="2"/>
             <a:r>
-              <a:rPr lang="fr-FR" smtClean="0"/>
+              <a:rPr lang="fr-FR"/>
               <a:t>Troisième niveau</a:t>
             </a:r>
           </a:p>
           <a:p>
             <a:pPr lvl="3"/>
             <a:r>
-              <a:rPr lang="fr-FR" smtClean="0"/>
+              <a:rPr lang="fr-FR"/>
               <a:t>Quatrième niveau</a:t>
             </a:r>
           </a:p>
           <a:p>
             <a:pPr lvl="4"/>
             <a:r>
-              <a:rPr lang="fr-FR" smtClean="0"/>
+              <a:rPr lang="fr-FR"/>
               <a:t>Cinquième niveau</a:t>
             </a:r>
             <a:endParaRPr lang="en-US" dirty="0"/>
@@ -5516,7 +5516,7 @@
           <a:p>
             <a:pPr lvl="0"/>
             <a:r>
-              <a:rPr lang="fr-FR" smtClean="0"/>
+              <a:rPr lang="fr-FR"/>
               <a:t>Modifiez les styles du texte du masque</a:t>
             </a:r>
           </a:p>
@@ -5547,7 +5547,7 @@
                 <a:latin typeface="Trebuchet MS"/>
               </a:rPr>
               <a:pPr/>
-              <a:t>05/05/18</a:t>
+              <a:t>05/05/2018</a:t>
             </a:fld>
             <a:endParaRPr lang="fr-FR">
               <a:solidFill>
@@ -5677,7 +5677,7 @@
           </a:lstStyle>
           <a:p>
             <a:r>
-              <a:rPr lang="fr-FR" smtClean="0"/>
+              <a:rPr lang="fr-FR"/>
               <a:t>Modifiez le style du titre</a:t>
             </a:r>
             <a:endParaRPr lang="en-US" dirty="0"/>
@@ -5744,7 +5744,7 @@
           </a:lstStyle>
           <a:p>
             <a:r>
-              <a:rPr lang="fr-FR" smtClean="0"/>
+              <a:rPr lang="fr-FR"/>
               <a:t>Cliquez sur l'icône pour ajouter une image</a:t>
             </a:r>
             <a:endParaRPr lang="en-US" dirty="0"/>
@@ -5812,7 +5812,7 @@
           <a:p>
             <a:pPr lvl="0"/>
             <a:r>
-              <a:rPr lang="fr-FR" smtClean="0"/>
+              <a:rPr lang="fr-FR"/>
               <a:t>Modifiez les styles du texte du masque</a:t>
             </a:r>
           </a:p>
@@ -5903,7 +5903,7 @@
                 <a:latin typeface="Trebuchet MS"/>
               </a:rPr>
               <a:pPr/>
-              <a:t>05/05/18</a:t>
+              <a:t>05/05/2018</a:t>
             </a:fld>
             <a:endParaRPr lang="fr-FR">
               <a:solidFill>
@@ -5973,7 +5973,7 @@
           </a:lstStyle>
           <a:p>
             <a:r>
-              <a:rPr lang="fr-FR" smtClean="0"/>
+              <a:rPr lang="fr-FR"/>
               <a:t>Modifiez le style du titre</a:t>
             </a:r>
             <a:endParaRPr lang="en-US" dirty="0"/>
@@ -6096,7 +6096,7 @@
           <a:p>
             <a:pPr lvl="0"/>
             <a:r>
-              <a:rPr lang="fr-FR" smtClean="0"/>
+              <a:rPr lang="fr-FR"/>
               <a:t>Modifiez les styles du texte du masque</a:t>
             </a:r>
           </a:p>
@@ -6127,7 +6127,7 @@
                 <a:latin typeface="Trebuchet MS"/>
               </a:rPr>
               <a:pPr/>
-              <a:t>05/05/18</a:t>
+              <a:t>05/05/2018</a:t>
             </a:fld>
             <a:endParaRPr lang="fr-FR">
               <a:solidFill>
@@ -6257,7 +6257,7 @@
           </a:lstStyle>
           <a:p>
             <a:r>
-              <a:rPr lang="fr-FR" smtClean="0"/>
+              <a:rPr lang="fr-FR"/>
               <a:t>Modifiez le style du titre</a:t>
             </a:r>
             <a:endParaRPr lang="en-US" dirty="0"/>
@@ -6321,7 +6321,7 @@
           <a:p>
             <a:pPr lvl="0"/>
             <a:r>
-              <a:rPr lang="fr-FR" smtClean="0"/>
+              <a:rPr lang="fr-FR"/>
               <a:t>Modifiez les styles du texte du masque</a:t>
             </a:r>
           </a:p>
@@ -6443,7 +6443,7 @@
           <a:p>
             <a:pPr lvl="0"/>
             <a:r>
-              <a:rPr lang="fr-FR" smtClean="0"/>
+              <a:rPr lang="fr-FR"/>
               <a:t>Modifiez les styles du texte du masque</a:t>
             </a:r>
           </a:p>
@@ -6474,7 +6474,7 @@
                 <a:latin typeface="Trebuchet MS"/>
               </a:rPr>
               <a:pPr/>
-              <a:t>05/05/18</a:t>
+              <a:t>05/05/2018</a:t>
             </a:fld>
             <a:endParaRPr lang="fr-FR">
               <a:solidFill>
@@ -6682,7 +6682,7 @@
           </a:lstStyle>
           <a:p>
             <a:r>
-              <a:rPr lang="fr-FR" smtClean="0"/>
+              <a:rPr lang="fr-FR"/>
               <a:t>Modifiez le style du titre</a:t>
             </a:r>
             <a:endParaRPr lang="en-US" dirty="0"/>
@@ -6805,7 +6805,7 @@
           <a:p>
             <a:pPr lvl="0"/>
             <a:r>
-              <a:rPr lang="fr-FR" smtClean="0"/>
+              <a:rPr lang="fr-FR"/>
               <a:t>Modifiez les styles du texte du masque</a:t>
             </a:r>
           </a:p>
@@ -6836,7 +6836,7 @@
                 <a:latin typeface="Trebuchet MS"/>
               </a:rPr>
               <a:pPr/>
-              <a:t>05/05/18</a:t>
+              <a:t>05/05/2018</a:t>
             </a:fld>
             <a:endParaRPr lang="fr-FR">
               <a:solidFill>
@@ -6966,7 +6966,7 @@
           </a:lstStyle>
           <a:p>
             <a:r>
-              <a:rPr lang="fr-FR" smtClean="0"/>
+              <a:rPr lang="fr-FR"/>
               <a:t>Modifiez le style du titre</a:t>
             </a:r>
             <a:endParaRPr lang="en-US" dirty="0"/>
@@ -7030,7 +7030,7 @@
           <a:p>
             <a:pPr lvl="0"/>
             <a:r>
-              <a:rPr lang="fr-FR" smtClean="0"/>
+              <a:rPr lang="fr-FR"/>
               <a:t>Modifiez les styles du texte du masque</a:t>
             </a:r>
           </a:p>
@@ -7152,7 +7152,7 @@
           <a:p>
             <a:pPr lvl="0"/>
             <a:r>
-              <a:rPr lang="fr-FR" smtClean="0"/>
+              <a:rPr lang="fr-FR"/>
               <a:t>Modifiez les styles du texte du masque</a:t>
             </a:r>
           </a:p>
@@ -7183,7 +7183,7 @@
                 <a:latin typeface="Trebuchet MS"/>
               </a:rPr>
               <a:pPr/>
-              <a:t>05/05/18</a:t>
+              <a:t>05/05/2018</a:t>
             </a:fld>
             <a:endParaRPr lang="fr-FR">
               <a:solidFill>
@@ -7389,7 +7389,7 @@
           </a:lstStyle>
           <a:p>
             <a:r>
-              <a:rPr lang="fr-FR" smtClean="0"/>
+              <a:rPr lang="fr-FR"/>
               <a:t>Modifiez le style du titre</a:t>
             </a:r>
             <a:endParaRPr lang="en-US" dirty="0"/>
@@ -7510,7 +7510,7 @@
           <a:p>
             <a:pPr lvl="0"/>
             <a:r>
-              <a:rPr lang="fr-FR" smtClean="0"/>
+              <a:rPr lang="fr-FR"/>
               <a:t>Modifiez les styles du texte du masque</a:t>
             </a:r>
           </a:p>
@@ -7533,7 +7533,7 @@
           <a:p>
             <a:fld id="{D75EBC00-0BEA-4A2A-ACF4-C7A39BC548C7}" type="datetimeFigureOut">
               <a:rPr lang="fr-FR" smtClean="0"/>
-              <a:t>05/05/18</a:t>
+              <a:t>05/05/2018</a:t>
             </a:fld>
             <a:endParaRPr lang="fr-FR"/>
           </a:p>
@@ -7638,7 +7638,7 @@
           </a:lstStyle>
           <a:p>
             <a:r>
-              <a:rPr lang="fr-FR" smtClean="0"/>
+              <a:rPr lang="fr-FR"/>
               <a:t>Modifiez le style du titre</a:t>
             </a:r>
             <a:endParaRPr lang="en-US" dirty="0"/>
@@ -7699,7 +7699,7 @@
           <a:p>
             <a:pPr lvl="0"/>
             <a:r>
-              <a:rPr lang="fr-FR" smtClean="0"/>
+              <a:rPr lang="fr-FR"/>
               <a:t>Modifiez les styles du texte du masque</a:t>
             </a:r>
           </a:p>
@@ -7821,7 +7821,7 @@
           <a:p>
             <a:pPr lvl="0"/>
             <a:r>
-              <a:rPr lang="fr-FR" smtClean="0"/>
+              <a:rPr lang="fr-FR"/>
               <a:t>Modifiez les styles du texte du masque</a:t>
             </a:r>
           </a:p>
@@ -7852,7 +7852,7 @@
                 <a:latin typeface="Trebuchet MS"/>
               </a:rPr>
               <a:pPr/>
-              <a:t>05/05/18</a:t>
+              <a:t>05/05/2018</a:t>
             </a:fld>
             <a:endParaRPr lang="fr-FR">
               <a:solidFill>
@@ -7971,7 +7971,7 @@
           <a:lstStyle/>
           <a:p>
             <a:r>
-              <a:rPr lang="fr-FR" smtClean="0"/>
+              <a:rPr lang="fr-FR"/>
               <a:t>Modifiez le style du titre</a:t>
             </a:r>
             <a:endParaRPr lang="en-US" dirty="0"/>
@@ -7995,35 +7995,35 @@
           <a:p>
             <a:pPr lvl="0"/>
             <a:r>
-              <a:rPr lang="fr-FR" smtClean="0"/>
+              <a:rPr lang="fr-FR"/>
               <a:t>Modifiez les styles du texte du masque</a:t>
             </a:r>
           </a:p>
           <a:p>
             <a:pPr lvl="1"/>
             <a:r>
-              <a:rPr lang="fr-FR" smtClean="0"/>
+              <a:rPr lang="fr-FR"/>
               <a:t>Deuxième niveau</a:t>
             </a:r>
           </a:p>
           <a:p>
             <a:pPr lvl="2"/>
             <a:r>
-              <a:rPr lang="fr-FR" smtClean="0"/>
+              <a:rPr lang="fr-FR"/>
               <a:t>Troisième niveau</a:t>
             </a:r>
           </a:p>
           <a:p>
             <a:pPr lvl="3"/>
             <a:r>
-              <a:rPr lang="fr-FR" smtClean="0"/>
+              <a:rPr lang="fr-FR"/>
               <a:t>Quatrième niveau</a:t>
             </a:r>
           </a:p>
           <a:p>
             <a:pPr lvl="4"/>
             <a:r>
-              <a:rPr lang="fr-FR" smtClean="0"/>
+              <a:rPr lang="fr-FR"/>
               <a:t>Cinquième niveau</a:t>
             </a:r>
             <a:endParaRPr lang="en-US" dirty="0"/>
@@ -8055,7 +8055,7 @@
                 <a:latin typeface="Trebuchet MS"/>
               </a:rPr>
               <a:pPr/>
-              <a:t>05/05/18</a:t>
+              <a:t>05/05/2018</a:t>
             </a:fld>
             <a:endParaRPr lang="fr-FR">
               <a:solidFill>
@@ -8179,7 +8179,7 @@
           <a:lstStyle/>
           <a:p>
             <a:r>
-              <a:rPr lang="fr-FR" smtClean="0"/>
+              <a:rPr lang="fr-FR"/>
               <a:t>Modifiez le style du titre</a:t>
             </a:r>
             <a:endParaRPr lang="en-US" dirty="0"/>
@@ -8208,35 +8208,35 @@
           <a:p>
             <a:pPr lvl="0"/>
             <a:r>
-              <a:rPr lang="fr-FR" smtClean="0"/>
+              <a:rPr lang="fr-FR"/>
               <a:t>Modifiez les styles du texte du masque</a:t>
             </a:r>
           </a:p>
           <a:p>
             <a:pPr lvl="1"/>
             <a:r>
-              <a:rPr lang="fr-FR" smtClean="0"/>
+              <a:rPr lang="fr-FR"/>
               <a:t>Deuxième niveau</a:t>
             </a:r>
           </a:p>
           <a:p>
             <a:pPr lvl="2"/>
             <a:r>
-              <a:rPr lang="fr-FR" smtClean="0"/>
+              <a:rPr lang="fr-FR"/>
               <a:t>Troisième niveau</a:t>
             </a:r>
           </a:p>
           <a:p>
             <a:pPr lvl="3"/>
             <a:r>
-              <a:rPr lang="fr-FR" smtClean="0"/>
+              <a:rPr lang="fr-FR"/>
               <a:t>Quatrième niveau</a:t>
             </a:r>
           </a:p>
           <a:p>
             <a:pPr lvl="4"/>
             <a:r>
-              <a:rPr lang="fr-FR" smtClean="0"/>
+              <a:rPr lang="fr-FR"/>
               <a:t>Cinquième niveau</a:t>
             </a:r>
             <a:endParaRPr lang="en-US" dirty="0"/>
@@ -8268,7 +8268,7 @@
                 <a:latin typeface="Trebuchet MS"/>
               </a:rPr>
               <a:pPr/>
-              <a:t>05/05/18</a:t>
+              <a:t>05/05/2018</a:t>
             </a:fld>
             <a:endParaRPr lang="fr-FR">
               <a:solidFill>
@@ -8955,7 +8955,7 @@
           </a:lstStyle>
           <a:p>
             <a:r>
-              <a:rPr lang="fr-FR" smtClean="0"/>
+              <a:rPr lang="fr-FR"/>
               <a:t>Modifiez le style du titre</a:t>
             </a:r>
             <a:endParaRPr lang="en-US" dirty="0"/>
@@ -9075,7 +9075,7 @@
           </a:lstStyle>
           <a:p>
             <a:r>
-              <a:rPr lang="fr-FR" smtClean="0"/>
+              <a:rPr lang="fr-FR"/>
               <a:t>Modifiez le style des sous-titres du masque</a:t>
             </a:r>
             <a:endParaRPr lang="en-US" dirty="0"/>
@@ -9107,7 +9107,7 @@
                 <a:latin typeface="Trebuchet MS"/>
               </a:rPr>
               <a:pPr/>
-              <a:t>05/05/18</a:t>
+              <a:t>05/05/2018</a:t>
             </a:fld>
             <a:endParaRPr lang="fr-FR">
               <a:solidFill>
@@ -9226,7 +9226,7 @@
           <a:lstStyle/>
           <a:p>
             <a:r>
-              <a:rPr lang="fr-FR" smtClean="0"/>
+              <a:rPr lang="fr-FR"/>
               <a:t>Modifiez le style du titre</a:t>
             </a:r>
             <a:endParaRPr lang="en-US" dirty="0"/>
@@ -9250,35 +9250,35 @@
           <a:p>
             <a:pPr lvl="0"/>
             <a:r>
-              <a:rPr lang="fr-FR" smtClean="0"/>
+              <a:rPr lang="fr-FR"/>
               <a:t>Modifiez les styles du texte du masque</a:t>
             </a:r>
           </a:p>
           <a:p>
             <a:pPr lvl="1"/>
             <a:r>
-              <a:rPr lang="fr-FR" smtClean="0"/>
+              <a:rPr lang="fr-FR"/>
               <a:t>Deuxième niveau</a:t>
             </a:r>
           </a:p>
           <a:p>
             <a:pPr lvl="2"/>
             <a:r>
-              <a:rPr lang="fr-FR" smtClean="0"/>
+              <a:rPr lang="fr-FR"/>
               <a:t>Troisième niveau</a:t>
             </a:r>
           </a:p>
           <a:p>
             <a:pPr lvl="3"/>
             <a:r>
-              <a:rPr lang="fr-FR" smtClean="0"/>
+              <a:rPr lang="fr-FR"/>
               <a:t>Quatrième niveau</a:t>
             </a:r>
           </a:p>
           <a:p>
             <a:pPr lvl="4"/>
             <a:r>
-              <a:rPr lang="fr-FR" smtClean="0"/>
+              <a:rPr lang="fr-FR"/>
               <a:t>Cinquième niveau</a:t>
             </a:r>
             <a:endParaRPr lang="en-US" dirty="0"/>
@@ -9310,7 +9310,7 @@
                 <a:latin typeface="Trebuchet MS"/>
               </a:rPr>
               <a:pPr/>
-              <a:t>05/05/18</a:t>
+              <a:t>05/05/2018</a:t>
             </a:fld>
             <a:endParaRPr lang="fr-FR">
               <a:solidFill>
@@ -9438,7 +9438,7 @@
           </a:lstStyle>
           <a:p>
             <a:r>
-              <a:rPr lang="fr-FR" smtClean="0"/>
+              <a:rPr lang="fr-FR"/>
               <a:t>Modifiez le style du titre</a:t>
             </a:r>
             <a:endParaRPr lang="en-US" dirty="0"/>
@@ -9559,7 +9559,7 @@
           <a:p>
             <a:pPr lvl="0"/>
             <a:r>
-              <a:rPr lang="fr-FR" smtClean="0"/>
+              <a:rPr lang="fr-FR"/>
               <a:t>Modifiez les styles du texte du masque</a:t>
             </a:r>
           </a:p>
@@ -9590,7 +9590,7 @@
                 <a:latin typeface="Trebuchet MS"/>
               </a:rPr>
               <a:pPr/>
-              <a:t>05/05/18</a:t>
+              <a:t>05/05/2018</a:t>
             </a:fld>
             <a:endParaRPr lang="fr-FR">
               <a:solidFill>
@@ -9709,7 +9709,7 @@
           <a:lstStyle/>
           <a:p>
             <a:r>
-              <a:rPr lang="fr-FR" smtClean="0"/>
+              <a:rPr lang="fr-FR"/>
               <a:t>Modifiez le style du titre</a:t>
             </a:r>
             <a:endParaRPr lang="en-US" dirty="0"/>
@@ -9738,35 +9738,35 @@
           <a:p>
             <a:pPr lvl="0"/>
             <a:r>
-              <a:rPr lang="fr-FR" smtClean="0"/>
+              <a:rPr lang="fr-FR"/>
               <a:t>Modifiez les styles du texte du masque</a:t>
             </a:r>
           </a:p>
           <a:p>
             <a:pPr lvl="1"/>
             <a:r>
-              <a:rPr lang="fr-FR" smtClean="0"/>
+              <a:rPr lang="fr-FR"/>
               <a:t>Deuxième niveau</a:t>
             </a:r>
           </a:p>
           <a:p>
             <a:pPr lvl="2"/>
             <a:r>
-              <a:rPr lang="fr-FR" smtClean="0"/>
+              <a:rPr lang="fr-FR"/>
               <a:t>Troisième niveau</a:t>
             </a:r>
           </a:p>
           <a:p>
             <a:pPr lvl="3"/>
             <a:r>
-              <a:rPr lang="fr-FR" smtClean="0"/>
+              <a:rPr lang="fr-FR"/>
               <a:t>Quatrième niveau</a:t>
             </a:r>
           </a:p>
           <a:p>
             <a:pPr lvl="4"/>
             <a:r>
-              <a:rPr lang="fr-FR" smtClean="0"/>
+              <a:rPr lang="fr-FR"/>
               <a:t>Cinquième niveau</a:t>
             </a:r>
             <a:endParaRPr lang="en-US" dirty="0"/>
@@ -9795,35 +9795,35 @@
           <a:p>
             <a:pPr lvl="0"/>
             <a:r>
-              <a:rPr lang="fr-FR" smtClean="0"/>
+              <a:rPr lang="fr-FR"/>
               <a:t>Modifiez les styles du texte du masque</a:t>
             </a:r>
           </a:p>
           <a:p>
             <a:pPr lvl="1"/>
             <a:r>
-              <a:rPr lang="fr-FR" smtClean="0"/>
+              <a:rPr lang="fr-FR"/>
               <a:t>Deuxième niveau</a:t>
             </a:r>
           </a:p>
           <a:p>
             <a:pPr lvl="2"/>
             <a:r>
-              <a:rPr lang="fr-FR" smtClean="0"/>
+              <a:rPr lang="fr-FR"/>
               <a:t>Troisième niveau</a:t>
             </a:r>
           </a:p>
           <a:p>
             <a:pPr lvl="3"/>
             <a:r>
-              <a:rPr lang="fr-FR" smtClean="0"/>
+              <a:rPr lang="fr-FR"/>
               <a:t>Quatrième niveau</a:t>
             </a:r>
           </a:p>
           <a:p>
             <a:pPr lvl="4"/>
             <a:r>
-              <a:rPr lang="fr-FR" smtClean="0"/>
+              <a:rPr lang="fr-FR"/>
               <a:t>Cinquième niveau</a:t>
             </a:r>
             <a:endParaRPr lang="en-US" dirty="0"/>
@@ -9855,7 +9855,7 @@
                 <a:latin typeface="Trebuchet MS"/>
               </a:rPr>
               <a:pPr/>
-              <a:t>05/05/18</a:t>
+              <a:t>05/05/2018</a:t>
             </a:fld>
             <a:endParaRPr lang="fr-FR">
               <a:solidFill>
@@ -9978,7 +9978,7 @@
           </a:lstStyle>
           <a:p>
             <a:r>
-              <a:rPr lang="fr-FR" smtClean="0"/>
+              <a:rPr lang="fr-FR"/>
               <a:t>Modifiez le style du titre</a:t>
             </a:r>
             <a:endParaRPr lang="en-US" dirty="0"/>
@@ -10046,7 +10046,7 @@
           <a:p>
             <a:pPr lvl="0"/>
             <a:r>
-              <a:rPr lang="fr-FR" smtClean="0"/>
+              <a:rPr lang="fr-FR"/>
               <a:t>Modifiez les styles du texte du masque</a:t>
             </a:r>
           </a:p>
@@ -10076,35 +10076,35 @@
           <a:p>
             <a:pPr lvl="0"/>
             <a:r>
-              <a:rPr lang="fr-FR" smtClean="0"/>
+              <a:rPr lang="fr-FR"/>
               <a:t>Modifiez les styles du texte du masque</a:t>
             </a:r>
           </a:p>
           <a:p>
             <a:pPr lvl="1"/>
             <a:r>
-              <a:rPr lang="fr-FR" smtClean="0"/>
+              <a:rPr lang="fr-FR"/>
               <a:t>Deuxième niveau</a:t>
             </a:r>
           </a:p>
           <a:p>
             <a:pPr lvl="2"/>
             <a:r>
-              <a:rPr lang="fr-FR" smtClean="0"/>
+              <a:rPr lang="fr-FR"/>
               <a:t>Troisième niveau</a:t>
             </a:r>
           </a:p>
           <a:p>
             <a:pPr lvl="3"/>
             <a:r>
-              <a:rPr lang="fr-FR" smtClean="0"/>
+              <a:rPr lang="fr-FR"/>
               <a:t>Quatrième niveau</a:t>
             </a:r>
           </a:p>
           <a:p>
             <a:pPr lvl="4"/>
             <a:r>
-              <a:rPr lang="fr-FR" smtClean="0"/>
+              <a:rPr lang="fr-FR"/>
               <a:t>Cinquième niveau</a:t>
             </a:r>
             <a:endParaRPr lang="en-US" dirty="0"/>
@@ -10172,7 +10172,7 @@
           <a:p>
             <a:pPr lvl="0"/>
             <a:r>
-              <a:rPr lang="fr-FR" smtClean="0"/>
+              <a:rPr lang="fr-FR"/>
               <a:t>Modifiez les styles du texte du masque</a:t>
             </a:r>
           </a:p>
@@ -10202,35 +10202,35 @@
           <a:p>
             <a:pPr lvl="0"/>
             <a:r>
-              <a:rPr lang="fr-FR" smtClean="0"/>
+              <a:rPr lang="fr-FR"/>
               <a:t>Modifiez les styles du texte du masque</a:t>
             </a:r>
           </a:p>
           <a:p>
             <a:pPr lvl="1"/>
             <a:r>
-              <a:rPr lang="fr-FR" smtClean="0"/>
+              <a:rPr lang="fr-FR"/>
               <a:t>Deuxième niveau</a:t>
             </a:r>
           </a:p>
           <a:p>
             <a:pPr lvl="2"/>
             <a:r>
-              <a:rPr lang="fr-FR" smtClean="0"/>
+              <a:rPr lang="fr-FR"/>
               <a:t>Troisième niveau</a:t>
             </a:r>
           </a:p>
           <a:p>
             <a:pPr lvl="3"/>
             <a:r>
-              <a:rPr lang="fr-FR" smtClean="0"/>
+              <a:rPr lang="fr-FR"/>
               <a:t>Quatrième niveau</a:t>
             </a:r>
           </a:p>
           <a:p>
             <a:pPr lvl="4"/>
             <a:r>
-              <a:rPr lang="fr-FR" smtClean="0"/>
+              <a:rPr lang="fr-FR"/>
               <a:t>Cinquième niveau</a:t>
             </a:r>
             <a:endParaRPr lang="en-US" dirty="0"/>
@@ -10262,7 +10262,7 @@
                 <a:latin typeface="Trebuchet MS"/>
               </a:rPr>
               <a:pPr/>
-              <a:t>05/05/18</a:t>
+              <a:t>05/05/2018</a:t>
             </a:fld>
             <a:endParaRPr lang="fr-FR">
               <a:solidFill>
@@ -10386,7 +10386,7 @@
           <a:lstStyle/>
           <a:p>
             <a:r>
-              <a:rPr lang="fr-FR" smtClean="0"/>
+              <a:rPr lang="fr-FR"/>
               <a:t>Modifiez le style du titre</a:t>
             </a:r>
             <a:endParaRPr lang="en-US" dirty="0"/>
@@ -10418,7 +10418,7 @@
                 <a:latin typeface="Trebuchet MS"/>
               </a:rPr>
               <a:pPr/>
-              <a:t>05/05/18</a:t>
+              <a:t>05/05/2018</a:t>
             </a:fld>
             <a:endParaRPr lang="fr-FR">
               <a:solidFill>
@@ -10546,7 +10546,7 @@
                 <a:latin typeface="Trebuchet MS"/>
               </a:rPr>
               <a:pPr/>
-              <a:t>05/05/18</a:t>
+              <a:t>05/05/2018</a:t>
             </a:fld>
             <a:endParaRPr lang="fr-FR">
               <a:solidFill>
@@ -10665,7 +10665,7 @@
           <a:lstStyle/>
           <a:p>
             <a:r>
-              <a:rPr lang="fr-FR" smtClean="0"/>
+              <a:rPr lang="fr-FR"/>
               <a:t>Modifiez le style du titre</a:t>
             </a:r>
             <a:endParaRPr lang="en-US" dirty="0"/>
@@ -10694,35 +10694,35 @@
           <a:p>
             <a:pPr lvl="0"/>
             <a:r>
-              <a:rPr lang="fr-FR" smtClean="0"/>
+              <a:rPr lang="fr-FR"/>
               <a:t>Modifiez les styles du texte du masque</a:t>
             </a:r>
           </a:p>
           <a:p>
             <a:pPr lvl="1"/>
             <a:r>
-              <a:rPr lang="fr-FR" smtClean="0"/>
+              <a:rPr lang="fr-FR"/>
               <a:t>Deuxième niveau</a:t>
             </a:r>
           </a:p>
           <a:p>
             <a:pPr lvl="2"/>
             <a:r>
-              <a:rPr lang="fr-FR" smtClean="0"/>
+              <a:rPr lang="fr-FR"/>
               <a:t>Troisième niveau</a:t>
             </a:r>
           </a:p>
           <a:p>
             <a:pPr lvl="3"/>
             <a:r>
-              <a:rPr lang="fr-FR" smtClean="0"/>
+              <a:rPr lang="fr-FR"/>
               <a:t>Quatrième niveau</a:t>
             </a:r>
           </a:p>
           <a:p>
             <a:pPr lvl="4"/>
             <a:r>
-              <a:rPr lang="fr-FR" smtClean="0"/>
+              <a:rPr lang="fr-FR"/>
               <a:t>Cinquième niveau</a:t>
             </a:r>
             <a:endParaRPr lang="en-US" dirty="0"/>
@@ -10751,35 +10751,35 @@
           <a:p>
             <a:pPr lvl="0"/>
             <a:r>
-              <a:rPr lang="fr-FR" smtClean="0"/>
+              <a:rPr lang="fr-FR"/>
               <a:t>Modifiez les styles du texte du masque</a:t>
             </a:r>
           </a:p>
           <a:p>
             <a:pPr lvl="1"/>
             <a:r>
-              <a:rPr lang="fr-FR" smtClean="0"/>
+              <a:rPr lang="fr-FR"/>
               <a:t>Deuxième niveau</a:t>
             </a:r>
           </a:p>
           <a:p>
             <a:pPr lvl="2"/>
             <a:r>
-              <a:rPr lang="fr-FR" smtClean="0"/>
+              <a:rPr lang="fr-FR"/>
               <a:t>Troisième niveau</a:t>
             </a:r>
           </a:p>
           <a:p>
             <a:pPr lvl="3"/>
             <a:r>
-              <a:rPr lang="fr-FR" smtClean="0"/>
+              <a:rPr lang="fr-FR"/>
               <a:t>Quatrième niveau</a:t>
             </a:r>
           </a:p>
           <a:p>
             <a:pPr lvl="4"/>
             <a:r>
-              <a:rPr lang="fr-FR" smtClean="0"/>
+              <a:rPr lang="fr-FR"/>
               <a:t>Cinquième niveau</a:t>
             </a:r>
             <a:endParaRPr lang="en-US" dirty="0"/>
@@ -10803,7 +10803,7 @@
           <a:p>
             <a:fld id="{D75EBC00-0BEA-4A2A-ACF4-C7A39BC548C7}" type="datetimeFigureOut">
               <a:rPr lang="fr-FR" smtClean="0"/>
-              <a:t>05/05/18</a:t>
+              <a:t>05/05/2018</a:t>
             </a:fld>
             <a:endParaRPr lang="fr-FR"/>
           </a:p>
@@ -10908,7 +10908,7 @@
           </a:lstStyle>
           <a:p>
             <a:r>
-              <a:rPr lang="fr-FR" smtClean="0"/>
+              <a:rPr lang="fr-FR"/>
               <a:t>Modifiez le style du titre</a:t>
             </a:r>
             <a:endParaRPr lang="en-US" dirty="0"/>
@@ -10939,35 +10939,35 @@
           <a:p>
             <a:pPr lvl="0"/>
             <a:r>
-              <a:rPr lang="fr-FR" smtClean="0"/>
+              <a:rPr lang="fr-FR"/>
               <a:t>Modifiez les styles du texte du masque</a:t>
             </a:r>
           </a:p>
           <a:p>
             <a:pPr lvl="1"/>
             <a:r>
-              <a:rPr lang="fr-FR" smtClean="0"/>
+              <a:rPr lang="fr-FR"/>
               <a:t>Deuxième niveau</a:t>
             </a:r>
           </a:p>
           <a:p>
             <a:pPr lvl="2"/>
             <a:r>
-              <a:rPr lang="fr-FR" smtClean="0"/>
+              <a:rPr lang="fr-FR"/>
               <a:t>Troisième niveau</a:t>
             </a:r>
           </a:p>
           <a:p>
             <a:pPr lvl="3"/>
             <a:r>
-              <a:rPr lang="fr-FR" smtClean="0"/>
+              <a:rPr lang="fr-FR"/>
               <a:t>Quatrième niveau</a:t>
             </a:r>
           </a:p>
           <a:p>
             <a:pPr lvl="4"/>
             <a:r>
-              <a:rPr lang="fr-FR" smtClean="0"/>
+              <a:rPr lang="fr-FR"/>
               <a:t>Cinquième niveau</a:t>
             </a:r>
             <a:endParaRPr lang="en-US" dirty="0"/>
@@ -11035,7 +11035,7 @@
           <a:p>
             <a:pPr lvl="0"/>
             <a:r>
-              <a:rPr lang="fr-FR" smtClean="0"/>
+              <a:rPr lang="fr-FR"/>
               <a:t>Modifiez les styles du texte du masque</a:t>
             </a:r>
           </a:p>
@@ -11066,7 +11066,7 @@
                 <a:latin typeface="Trebuchet MS"/>
               </a:rPr>
               <a:pPr/>
-              <a:t>05/05/18</a:t>
+              <a:t>05/05/2018</a:t>
             </a:fld>
             <a:endParaRPr lang="fr-FR">
               <a:solidFill>
@@ -11196,7 +11196,7 @@
           </a:lstStyle>
           <a:p>
             <a:r>
-              <a:rPr lang="fr-FR" smtClean="0"/>
+              <a:rPr lang="fr-FR"/>
               <a:t>Modifiez le style du titre</a:t>
             </a:r>
             <a:endParaRPr lang="en-US" dirty="0"/>
@@ -11263,7 +11263,7 @@
           </a:lstStyle>
           <a:p>
             <a:r>
-              <a:rPr lang="fr-FR" smtClean="0"/>
+              <a:rPr lang="fr-FR"/>
               <a:t>Cliquez sur l'icône pour ajouter une image</a:t>
             </a:r>
             <a:endParaRPr lang="en-US" dirty="0"/>
@@ -11331,7 +11331,7 @@
           <a:p>
             <a:pPr lvl="0"/>
             <a:r>
-              <a:rPr lang="fr-FR" smtClean="0"/>
+              <a:rPr lang="fr-FR"/>
               <a:t>Modifiez les styles du texte du masque</a:t>
             </a:r>
           </a:p>
@@ -11422,7 +11422,7 @@
                 <a:latin typeface="Trebuchet MS"/>
               </a:rPr>
               <a:pPr/>
-              <a:t>05/05/18</a:t>
+              <a:t>05/05/2018</a:t>
             </a:fld>
             <a:endParaRPr lang="fr-FR">
               <a:solidFill>
@@ -11492,7 +11492,7 @@
           </a:lstStyle>
           <a:p>
             <a:r>
-              <a:rPr lang="fr-FR" smtClean="0"/>
+              <a:rPr lang="fr-FR"/>
               <a:t>Modifiez le style du titre</a:t>
             </a:r>
             <a:endParaRPr lang="en-US" dirty="0"/>
@@ -11615,7 +11615,7 @@
           <a:p>
             <a:pPr lvl="0"/>
             <a:r>
-              <a:rPr lang="fr-FR" smtClean="0"/>
+              <a:rPr lang="fr-FR"/>
               <a:t>Modifiez les styles du texte du masque</a:t>
             </a:r>
           </a:p>
@@ -11646,7 +11646,7 @@
                 <a:latin typeface="Trebuchet MS"/>
               </a:rPr>
               <a:pPr/>
-              <a:t>05/05/18</a:t>
+              <a:t>05/05/2018</a:t>
             </a:fld>
             <a:endParaRPr lang="fr-FR">
               <a:solidFill>
@@ -11776,7 +11776,7 @@
           </a:lstStyle>
           <a:p>
             <a:r>
-              <a:rPr lang="fr-FR" smtClean="0"/>
+              <a:rPr lang="fr-FR"/>
               <a:t>Modifiez le style du titre</a:t>
             </a:r>
             <a:endParaRPr lang="en-US" dirty="0"/>
@@ -11840,7 +11840,7 @@
           <a:p>
             <a:pPr lvl="0"/>
             <a:r>
-              <a:rPr lang="fr-FR" smtClean="0"/>
+              <a:rPr lang="fr-FR"/>
               <a:t>Modifiez les styles du texte du masque</a:t>
             </a:r>
           </a:p>
@@ -11962,7 +11962,7 @@
           <a:p>
             <a:pPr lvl="0"/>
             <a:r>
-              <a:rPr lang="fr-FR" smtClean="0"/>
+              <a:rPr lang="fr-FR"/>
               <a:t>Modifiez les styles du texte du masque</a:t>
             </a:r>
           </a:p>
@@ -11993,7 +11993,7 @@
                 <a:latin typeface="Trebuchet MS"/>
               </a:rPr>
               <a:pPr/>
-              <a:t>05/05/18</a:t>
+              <a:t>05/05/2018</a:t>
             </a:fld>
             <a:endParaRPr lang="fr-FR">
               <a:solidFill>
@@ -12201,7 +12201,7 @@
           </a:lstStyle>
           <a:p>
             <a:r>
-              <a:rPr lang="fr-FR" smtClean="0"/>
+              <a:rPr lang="fr-FR"/>
               <a:t>Modifiez le style du titre</a:t>
             </a:r>
             <a:endParaRPr lang="en-US" dirty="0"/>
@@ -12324,7 +12324,7 @@
           <a:p>
             <a:pPr lvl="0"/>
             <a:r>
-              <a:rPr lang="fr-FR" smtClean="0"/>
+              <a:rPr lang="fr-FR"/>
               <a:t>Modifiez les styles du texte du masque</a:t>
             </a:r>
           </a:p>
@@ -12355,7 +12355,7 @@
                 <a:latin typeface="Trebuchet MS"/>
               </a:rPr>
               <a:pPr/>
-              <a:t>05/05/18</a:t>
+              <a:t>05/05/2018</a:t>
             </a:fld>
             <a:endParaRPr lang="fr-FR">
               <a:solidFill>
@@ -12485,7 +12485,7 @@
           </a:lstStyle>
           <a:p>
             <a:r>
-              <a:rPr lang="fr-FR" smtClean="0"/>
+              <a:rPr lang="fr-FR"/>
               <a:t>Modifiez le style du titre</a:t>
             </a:r>
             <a:endParaRPr lang="en-US" dirty="0"/>
@@ -12549,7 +12549,7 @@
           <a:p>
             <a:pPr lvl="0"/>
             <a:r>
-              <a:rPr lang="fr-FR" smtClean="0"/>
+              <a:rPr lang="fr-FR"/>
               <a:t>Modifiez les styles du texte du masque</a:t>
             </a:r>
           </a:p>
@@ -12671,7 +12671,7 @@
           <a:p>
             <a:pPr lvl="0"/>
             <a:r>
-              <a:rPr lang="fr-FR" smtClean="0"/>
+              <a:rPr lang="fr-FR"/>
               <a:t>Modifiez les styles du texte du masque</a:t>
             </a:r>
           </a:p>
@@ -12702,7 +12702,7 @@
                 <a:latin typeface="Trebuchet MS"/>
               </a:rPr>
               <a:pPr/>
-              <a:t>05/05/18</a:t>
+              <a:t>05/05/2018</a:t>
             </a:fld>
             <a:endParaRPr lang="fr-FR">
               <a:solidFill>
@@ -12910,7 +12910,7 @@
           </a:lstStyle>
           <a:p>
             <a:r>
-              <a:rPr lang="fr-FR" smtClean="0"/>
+              <a:rPr lang="fr-FR"/>
               <a:t>Modifiez le style du titre</a:t>
             </a:r>
             <a:endParaRPr lang="en-US" dirty="0"/>
@@ -12971,7 +12971,7 @@
           <a:p>
             <a:pPr lvl="0"/>
             <a:r>
-              <a:rPr lang="fr-FR" smtClean="0"/>
+              <a:rPr lang="fr-FR"/>
               <a:t>Modifiez les styles du texte du masque</a:t>
             </a:r>
           </a:p>
@@ -13093,7 +13093,7 @@
           <a:p>
             <a:pPr lvl="0"/>
             <a:r>
-              <a:rPr lang="fr-FR" smtClean="0"/>
+              <a:rPr lang="fr-FR"/>
               <a:t>Modifiez les styles du texte du masque</a:t>
             </a:r>
           </a:p>
@@ -13124,7 +13124,7 @@
                 <a:latin typeface="Trebuchet MS"/>
               </a:rPr>
               <a:pPr/>
-              <a:t>05/05/18</a:t>
+              <a:t>05/05/2018</a:t>
             </a:fld>
             <a:endParaRPr lang="fr-FR">
               <a:solidFill>
@@ -13243,7 +13243,7 @@
           <a:lstStyle/>
           <a:p>
             <a:r>
-              <a:rPr lang="fr-FR" smtClean="0"/>
+              <a:rPr lang="fr-FR"/>
               <a:t>Modifiez le style du titre</a:t>
             </a:r>
             <a:endParaRPr lang="en-US" dirty="0"/>
@@ -13267,35 +13267,35 @@
           <a:p>
             <a:pPr lvl="0"/>
             <a:r>
-              <a:rPr lang="fr-FR" smtClean="0"/>
+              <a:rPr lang="fr-FR"/>
               <a:t>Modifiez les styles du texte du masque</a:t>
             </a:r>
           </a:p>
           <a:p>
             <a:pPr lvl="1"/>
             <a:r>
-              <a:rPr lang="fr-FR" smtClean="0"/>
+              <a:rPr lang="fr-FR"/>
               <a:t>Deuxième niveau</a:t>
             </a:r>
           </a:p>
           <a:p>
             <a:pPr lvl="2"/>
             <a:r>
-              <a:rPr lang="fr-FR" smtClean="0"/>
+              <a:rPr lang="fr-FR"/>
               <a:t>Troisième niveau</a:t>
             </a:r>
           </a:p>
           <a:p>
             <a:pPr lvl="3"/>
             <a:r>
-              <a:rPr lang="fr-FR" smtClean="0"/>
+              <a:rPr lang="fr-FR"/>
               <a:t>Quatrième niveau</a:t>
             </a:r>
           </a:p>
           <a:p>
             <a:pPr lvl="4"/>
             <a:r>
-              <a:rPr lang="fr-FR" smtClean="0"/>
+              <a:rPr lang="fr-FR"/>
               <a:t>Cinquième niveau</a:t>
             </a:r>
             <a:endParaRPr lang="en-US" dirty="0"/>
@@ -13327,7 +13327,7 @@
                 <a:latin typeface="Trebuchet MS"/>
               </a:rPr>
               <a:pPr/>
-              <a:t>05/05/18</a:t>
+              <a:t>05/05/2018</a:t>
             </a:fld>
             <a:endParaRPr lang="fr-FR">
               <a:solidFill>
@@ -13451,7 +13451,7 @@
           <a:lstStyle/>
           <a:p>
             <a:r>
-              <a:rPr lang="fr-FR" smtClean="0"/>
+              <a:rPr lang="fr-FR"/>
               <a:t>Modifiez le style du titre</a:t>
             </a:r>
             <a:endParaRPr lang="en-US" dirty="0"/>
@@ -13480,35 +13480,35 @@
           <a:p>
             <a:pPr lvl="0"/>
             <a:r>
-              <a:rPr lang="fr-FR" smtClean="0"/>
+              <a:rPr lang="fr-FR"/>
               <a:t>Modifiez les styles du texte du masque</a:t>
             </a:r>
           </a:p>
           <a:p>
             <a:pPr lvl="1"/>
             <a:r>
-              <a:rPr lang="fr-FR" smtClean="0"/>
+              <a:rPr lang="fr-FR"/>
               <a:t>Deuxième niveau</a:t>
             </a:r>
           </a:p>
           <a:p>
             <a:pPr lvl="2"/>
             <a:r>
-              <a:rPr lang="fr-FR" smtClean="0"/>
+              <a:rPr lang="fr-FR"/>
               <a:t>Troisième niveau</a:t>
             </a:r>
           </a:p>
           <a:p>
             <a:pPr lvl="3"/>
             <a:r>
-              <a:rPr lang="fr-FR" smtClean="0"/>
+              <a:rPr lang="fr-FR"/>
               <a:t>Quatrième niveau</a:t>
             </a:r>
           </a:p>
           <a:p>
             <a:pPr lvl="4"/>
             <a:r>
-              <a:rPr lang="fr-FR" smtClean="0"/>
+              <a:rPr lang="fr-FR"/>
               <a:t>Cinquième niveau</a:t>
             </a:r>
             <a:endParaRPr lang="en-US" dirty="0"/>
@@ -13540,7 +13540,7 @@
                 <a:latin typeface="Trebuchet MS"/>
               </a:rPr>
               <a:pPr/>
-              <a:t>05/05/18</a:t>
+              <a:t>05/05/2018</a:t>
             </a:fld>
             <a:endParaRPr lang="fr-FR">
               <a:solidFill>
@@ -13663,7 +13663,7 @@
           </a:lstStyle>
           <a:p>
             <a:r>
-              <a:rPr lang="fr-FR" smtClean="0"/>
+              <a:rPr lang="fr-FR"/>
               <a:t>Modifiez le style du titre</a:t>
             </a:r>
             <a:endParaRPr lang="en-US" dirty="0"/>
@@ -13731,7 +13731,7 @@
           <a:p>
             <a:pPr lvl="0"/>
             <a:r>
-              <a:rPr lang="fr-FR" smtClean="0"/>
+              <a:rPr lang="fr-FR"/>
               <a:t>Modifiez les styles du texte du masque</a:t>
             </a:r>
           </a:p>
@@ -13761,35 +13761,35 @@
           <a:p>
             <a:pPr lvl="0"/>
             <a:r>
-              <a:rPr lang="fr-FR" smtClean="0"/>
+              <a:rPr lang="fr-FR"/>
               <a:t>Modifiez les styles du texte du masque</a:t>
             </a:r>
           </a:p>
           <a:p>
             <a:pPr lvl="1"/>
             <a:r>
-              <a:rPr lang="fr-FR" smtClean="0"/>
+              <a:rPr lang="fr-FR"/>
               <a:t>Deuxième niveau</a:t>
             </a:r>
           </a:p>
           <a:p>
             <a:pPr lvl="2"/>
             <a:r>
-              <a:rPr lang="fr-FR" smtClean="0"/>
+              <a:rPr lang="fr-FR"/>
               <a:t>Troisième niveau</a:t>
             </a:r>
           </a:p>
           <a:p>
             <a:pPr lvl="3"/>
             <a:r>
-              <a:rPr lang="fr-FR" smtClean="0"/>
+              <a:rPr lang="fr-FR"/>
               <a:t>Quatrième niveau</a:t>
             </a:r>
           </a:p>
           <a:p>
             <a:pPr lvl="4"/>
             <a:r>
-              <a:rPr lang="fr-FR" smtClean="0"/>
+              <a:rPr lang="fr-FR"/>
               <a:t>Cinquième niveau</a:t>
             </a:r>
             <a:endParaRPr lang="en-US" dirty="0"/>
@@ -13857,7 +13857,7 @@
           <a:p>
             <a:pPr lvl="0"/>
             <a:r>
-              <a:rPr lang="fr-FR" smtClean="0"/>
+              <a:rPr lang="fr-FR"/>
               <a:t>Modifiez les styles du texte du masque</a:t>
             </a:r>
           </a:p>
@@ -13887,35 +13887,35 @@
           <a:p>
             <a:pPr lvl="0"/>
             <a:r>
-              <a:rPr lang="fr-FR" smtClean="0"/>
+              <a:rPr lang="fr-FR"/>
               <a:t>Modifiez les styles du texte du masque</a:t>
             </a:r>
           </a:p>
           <a:p>
             <a:pPr lvl="1"/>
             <a:r>
-              <a:rPr lang="fr-FR" smtClean="0"/>
+              <a:rPr lang="fr-FR"/>
               <a:t>Deuxième niveau</a:t>
             </a:r>
           </a:p>
           <a:p>
             <a:pPr lvl="2"/>
             <a:r>
-              <a:rPr lang="fr-FR" smtClean="0"/>
+              <a:rPr lang="fr-FR"/>
               <a:t>Troisième niveau</a:t>
             </a:r>
           </a:p>
           <a:p>
             <a:pPr lvl="3"/>
             <a:r>
-              <a:rPr lang="fr-FR" smtClean="0"/>
+              <a:rPr lang="fr-FR"/>
               <a:t>Quatrième niveau</a:t>
             </a:r>
           </a:p>
           <a:p>
             <a:pPr lvl="4"/>
             <a:r>
-              <a:rPr lang="fr-FR" smtClean="0"/>
+              <a:rPr lang="fr-FR"/>
               <a:t>Cinquième niveau</a:t>
             </a:r>
             <a:endParaRPr lang="en-US" dirty="0"/>
@@ -13939,7 +13939,7 @@
           <a:p>
             <a:fld id="{D75EBC00-0BEA-4A2A-ACF4-C7A39BC548C7}" type="datetimeFigureOut">
               <a:rPr lang="fr-FR" smtClean="0"/>
-              <a:t>05/05/18</a:t>
+              <a:t>05/05/2018</a:t>
             </a:fld>
             <a:endParaRPr lang="fr-FR"/>
           </a:p>
@@ -14038,7 +14038,7 @@
           <a:lstStyle/>
           <a:p>
             <a:r>
-              <a:rPr lang="fr-FR" smtClean="0"/>
+              <a:rPr lang="fr-FR"/>
               <a:t>Modifiez le style du titre</a:t>
             </a:r>
             <a:endParaRPr lang="en-US" dirty="0"/>
@@ -14062,7 +14062,7 @@
           <a:p>
             <a:fld id="{D75EBC00-0BEA-4A2A-ACF4-C7A39BC548C7}" type="datetimeFigureOut">
               <a:rPr lang="fr-FR" smtClean="0"/>
-              <a:t>05/05/18</a:t>
+              <a:t>05/05/2018</a:t>
             </a:fld>
             <a:endParaRPr lang="fr-FR"/>
           </a:p>
@@ -14157,7 +14157,7 @@
           <a:p>
             <a:fld id="{D75EBC00-0BEA-4A2A-ACF4-C7A39BC548C7}" type="datetimeFigureOut">
               <a:rPr lang="fr-FR" smtClean="0"/>
-              <a:t>05/05/18</a:t>
+              <a:t>05/05/2018</a:t>
             </a:fld>
             <a:endParaRPr lang="fr-FR"/>
           </a:p>
@@ -14262,7 +14262,7 @@
           </a:lstStyle>
           <a:p>
             <a:r>
-              <a:rPr lang="fr-FR" smtClean="0"/>
+              <a:rPr lang="fr-FR"/>
               <a:t>Modifiez le style du titre</a:t>
             </a:r>
             <a:endParaRPr lang="en-US" dirty="0"/>
@@ -14293,35 +14293,35 @@
           <a:p>
             <a:pPr lvl="0"/>
             <a:r>
-              <a:rPr lang="fr-FR" smtClean="0"/>
+              <a:rPr lang="fr-FR"/>
               <a:t>Modifiez les styles du texte du masque</a:t>
             </a:r>
           </a:p>
           <a:p>
             <a:pPr lvl="1"/>
             <a:r>
-              <a:rPr lang="fr-FR" smtClean="0"/>
+              <a:rPr lang="fr-FR"/>
               <a:t>Deuxième niveau</a:t>
             </a:r>
           </a:p>
           <a:p>
             <a:pPr lvl="2"/>
             <a:r>
-              <a:rPr lang="fr-FR" smtClean="0"/>
+              <a:rPr lang="fr-FR"/>
               <a:t>Troisième niveau</a:t>
             </a:r>
           </a:p>
           <a:p>
             <a:pPr lvl="3"/>
             <a:r>
-              <a:rPr lang="fr-FR" smtClean="0"/>
+              <a:rPr lang="fr-FR"/>
               <a:t>Quatrième niveau</a:t>
             </a:r>
           </a:p>
           <a:p>
             <a:pPr lvl="4"/>
             <a:r>
-              <a:rPr lang="fr-FR" smtClean="0"/>
+              <a:rPr lang="fr-FR"/>
               <a:t>Cinquième niveau</a:t>
             </a:r>
             <a:endParaRPr lang="en-US" dirty="0"/>
@@ -14389,7 +14389,7 @@
           <a:p>
             <a:pPr lvl="0"/>
             <a:r>
-              <a:rPr lang="fr-FR" smtClean="0"/>
+              <a:rPr lang="fr-FR"/>
               <a:t>Modifiez les styles du texte du masque</a:t>
             </a:r>
           </a:p>
@@ -14412,7 +14412,7 @@
           <a:p>
             <a:fld id="{D75EBC00-0BEA-4A2A-ACF4-C7A39BC548C7}" type="datetimeFigureOut">
               <a:rPr lang="fr-FR" smtClean="0"/>
-              <a:t>05/05/18</a:t>
+              <a:t>05/05/2018</a:t>
             </a:fld>
             <a:endParaRPr lang="fr-FR"/>
           </a:p>
@@ -14517,7 +14517,7 @@
           </a:lstStyle>
           <a:p>
             <a:r>
-              <a:rPr lang="fr-FR" smtClean="0"/>
+              <a:rPr lang="fr-FR"/>
               <a:t>Modifiez le style du titre</a:t>
             </a:r>
             <a:endParaRPr lang="en-US" dirty="0"/>
@@ -14584,7 +14584,7 @@
           </a:lstStyle>
           <a:p>
             <a:r>
-              <a:rPr lang="fr-FR" smtClean="0"/>
+              <a:rPr lang="fr-FR"/>
               <a:t>Cliquez sur l'icône pour ajouter une image</a:t>
             </a:r>
             <a:endParaRPr lang="en-US" dirty="0"/>
@@ -14652,7 +14652,7 @@
           <a:p>
             <a:pPr lvl="0"/>
             <a:r>
-              <a:rPr lang="fr-FR" smtClean="0"/>
+              <a:rPr lang="fr-FR"/>
               <a:t>Modifiez les styles du texte du masque</a:t>
             </a:r>
           </a:p>
@@ -14717,7 +14717,7 @@
           <a:p>
             <a:fld id="{D75EBC00-0BEA-4A2A-ACF4-C7A39BC548C7}" type="datetimeFigureOut">
               <a:rPr lang="fr-FR" smtClean="0"/>
-              <a:t>05/05/18</a:t>
+              <a:t>05/05/2018</a:t>
             </a:fld>
             <a:endParaRPr lang="fr-FR"/>
           </a:p>
@@ -15315,7 +15315,7 @@
           <a:lstStyle/>
           <a:p>
             <a:r>
-              <a:rPr lang="fr-FR" smtClean="0"/>
+              <a:rPr lang="fr-FR"/>
               <a:t>Modifiez le style du titre</a:t>
             </a:r>
             <a:endParaRPr lang="en-US" dirty="0"/>
@@ -15349,35 +15349,35 @@
           <a:p>
             <a:pPr lvl="0"/>
             <a:r>
-              <a:rPr lang="fr-FR" smtClean="0"/>
+              <a:rPr lang="fr-FR"/>
               <a:t>Modifiez les styles du texte du masque</a:t>
             </a:r>
           </a:p>
           <a:p>
             <a:pPr lvl="1"/>
             <a:r>
-              <a:rPr lang="fr-FR" smtClean="0"/>
+              <a:rPr lang="fr-FR"/>
               <a:t>Deuxième niveau</a:t>
             </a:r>
           </a:p>
           <a:p>
             <a:pPr lvl="2"/>
             <a:r>
-              <a:rPr lang="fr-FR" smtClean="0"/>
+              <a:rPr lang="fr-FR"/>
               <a:t>Troisième niveau</a:t>
             </a:r>
           </a:p>
           <a:p>
             <a:pPr lvl="3"/>
             <a:r>
-              <a:rPr lang="fr-FR" smtClean="0"/>
+              <a:rPr lang="fr-FR"/>
               <a:t>Quatrième niveau</a:t>
             </a:r>
           </a:p>
           <a:p>
             <a:pPr lvl="4"/>
             <a:r>
-              <a:rPr lang="fr-FR" smtClean="0"/>
+              <a:rPr lang="fr-FR"/>
               <a:t>Cinquième niveau</a:t>
             </a:r>
             <a:endParaRPr lang="en-US" dirty="0"/>
@@ -15419,7 +15419,7 @@
           <a:p>
             <a:fld id="{D75EBC00-0BEA-4A2A-ACF4-C7A39BC548C7}" type="datetimeFigureOut">
               <a:rPr lang="fr-FR" smtClean="0"/>
-              <a:t>05/05/18</a:t>
+              <a:t>05/05/2018</a:t>
             </a:fld>
             <a:endParaRPr lang="fr-FR"/>
           </a:p>
@@ -16505,7 +16505,7 @@
           <a:lstStyle/>
           <a:p>
             <a:r>
-              <a:rPr lang="fr-FR" smtClean="0"/>
+              <a:rPr lang="fr-FR"/>
               <a:t>Modifiez le style du titre</a:t>
             </a:r>
             <a:endParaRPr lang="en-US" dirty="0"/>
@@ -16539,35 +16539,35 @@
           <a:p>
             <a:pPr lvl="0"/>
             <a:r>
-              <a:rPr lang="fr-FR" smtClean="0"/>
+              <a:rPr lang="fr-FR"/>
               <a:t>Modifiez les styles du texte du masque</a:t>
             </a:r>
           </a:p>
           <a:p>
             <a:pPr lvl="1"/>
             <a:r>
-              <a:rPr lang="fr-FR" smtClean="0"/>
+              <a:rPr lang="fr-FR"/>
               <a:t>Deuxième niveau</a:t>
             </a:r>
           </a:p>
           <a:p>
             <a:pPr lvl="2"/>
             <a:r>
-              <a:rPr lang="fr-FR" smtClean="0"/>
+              <a:rPr lang="fr-FR"/>
               <a:t>Troisième niveau</a:t>
             </a:r>
           </a:p>
           <a:p>
             <a:pPr lvl="3"/>
             <a:r>
-              <a:rPr lang="fr-FR" smtClean="0"/>
+              <a:rPr lang="fr-FR"/>
               <a:t>Quatrième niveau</a:t>
             </a:r>
           </a:p>
           <a:p>
             <a:pPr lvl="4"/>
             <a:r>
-              <a:rPr lang="fr-FR" smtClean="0"/>
+              <a:rPr lang="fr-FR"/>
               <a:t>Cinquième niveau</a:t>
             </a:r>
             <a:endParaRPr lang="en-US" dirty="0"/>
@@ -16617,7 +16617,7 @@
                 <a:latin typeface="Trebuchet MS"/>
               </a:rPr>
               <a:pPr/>
-              <a:t>05/05/18</a:t>
+              <a:t>05/05/2018</a:t>
             </a:fld>
             <a:endParaRPr lang="fr-FR">
               <a:solidFill>
@@ -17728,7 +17728,7 @@
           <a:lstStyle/>
           <a:p>
             <a:r>
-              <a:rPr lang="fr-FR" smtClean="0"/>
+              <a:rPr lang="fr-FR"/>
               <a:t>Modifiez le style du titre</a:t>
             </a:r>
             <a:endParaRPr lang="en-US" dirty="0"/>
@@ -17762,35 +17762,35 @@
           <a:p>
             <a:pPr lvl="0"/>
             <a:r>
-              <a:rPr lang="fr-FR" smtClean="0"/>
+              <a:rPr lang="fr-FR"/>
               <a:t>Modifiez les styles du texte du masque</a:t>
             </a:r>
           </a:p>
           <a:p>
             <a:pPr lvl="1"/>
             <a:r>
-              <a:rPr lang="fr-FR" smtClean="0"/>
+              <a:rPr lang="fr-FR"/>
               <a:t>Deuxième niveau</a:t>
             </a:r>
           </a:p>
           <a:p>
             <a:pPr lvl="2"/>
             <a:r>
-              <a:rPr lang="fr-FR" smtClean="0"/>
+              <a:rPr lang="fr-FR"/>
               <a:t>Troisième niveau</a:t>
             </a:r>
           </a:p>
           <a:p>
             <a:pPr lvl="3"/>
             <a:r>
-              <a:rPr lang="fr-FR" smtClean="0"/>
+              <a:rPr lang="fr-FR"/>
               <a:t>Quatrième niveau</a:t>
             </a:r>
           </a:p>
           <a:p>
             <a:pPr lvl="4"/>
             <a:r>
-              <a:rPr lang="fr-FR" smtClean="0"/>
+              <a:rPr lang="fr-FR"/>
               <a:t>Cinquième niveau</a:t>
             </a:r>
             <a:endParaRPr lang="en-US" dirty="0"/>
@@ -17840,7 +17840,7 @@
                 <a:latin typeface="Trebuchet MS"/>
               </a:rPr>
               <a:pPr/>
-              <a:t>05/05/18</a:t>
+              <a:t>05/05/2018</a:t>
             </a:fld>
             <a:endParaRPr lang="fr-FR">
               <a:solidFill>
@@ -18411,7 +18411,7 @@
           <a:p>
             <a:pPr algn="ctr"/>
             <a:r>
-              <a:rPr lang="fr-FR" b="1" dirty="0" smtClean="0">
+              <a:rPr lang="fr-FR" b="1" dirty="0">
                 <a:solidFill>
                   <a:schemeClr val="accent1">
                     <a:lumMod val="75000"/>
@@ -18420,13 +18420,6 @@
               </a:rPr>
               <a:t>Projet Web dynamique</a:t>
             </a:r>
-            <a:endParaRPr lang="fr-FR" b="1" dirty="0">
-              <a:solidFill>
-                <a:schemeClr val="accent1">
-                  <a:lumMod val="75000"/>
-                </a:schemeClr>
-              </a:solidFill>
-            </a:endParaRPr>
           </a:p>
         </p:txBody>
       </p:sp>
@@ -18454,10 +18447,9 @@
           <a:p>
             <a:pPr algn="ctr"/>
             <a:r>
-              <a:rPr lang="fr-FR" sz="3600" dirty="0" smtClean="0"/>
+              <a:rPr lang="fr-FR" sz="3600" dirty="0"/>
               <a:t>Social Media Professionnel pour la communauté ECE Paris</a:t>
             </a:r>
-            <a:endParaRPr lang="fr-FR" sz="3600" dirty="0"/>
           </a:p>
         </p:txBody>
       </p:sp>
@@ -18703,36 +18695,32 @@
           </a:lstStyle>
           <a:p>
             <a:pPr algn="l"/>
-            <a:r>
-              <a:rPr lang="fr-FR" sz="2400" dirty="0" smtClean="0"/>
-              <a:t/>
-            </a:r>
             <a:br>
-              <a:rPr lang="fr-FR" sz="2400" dirty="0" smtClean="0"/>
+              <a:rPr lang="fr-FR" sz="2400" dirty="0"/>
             </a:br>
             <a:r>
-              <a:rPr lang="fr-FR" sz="2400" dirty="0" smtClean="0"/>
+              <a:rPr lang="fr-FR" sz="2400" dirty="0"/>
               <a:t>CLISSON Dorian</a:t>
             </a:r>
             <a:br>
-              <a:rPr lang="fr-FR" sz="2400" dirty="0" smtClean="0"/>
+              <a:rPr lang="fr-FR" sz="2400" dirty="0"/>
             </a:br>
             <a:r>
-              <a:rPr lang="fr-FR" sz="2400" dirty="0" smtClean="0"/>
+              <a:rPr lang="fr-FR" sz="2400" dirty="0"/>
               <a:t>FERREIRA DOS SANTOS Hugo</a:t>
             </a:r>
             <a:br>
-              <a:rPr lang="fr-FR" sz="2400" dirty="0" smtClean="0"/>
+              <a:rPr lang="fr-FR" sz="2400" dirty="0"/>
             </a:br>
             <a:r>
-              <a:rPr lang="fr-FR" sz="2400" dirty="0" smtClean="0"/>
+              <a:rPr lang="fr-FR" sz="2400" dirty="0"/>
               <a:t>LE BRETON Aude</a:t>
             </a:r>
             <a:br>
-              <a:rPr lang="fr-FR" sz="2400" dirty="0" smtClean="0"/>
+              <a:rPr lang="fr-FR" sz="2400" dirty="0"/>
             </a:br>
             <a:r>
-              <a:rPr lang="fr-FR" sz="2400" dirty="0" smtClean="0"/>
+              <a:rPr lang="fr-FR" sz="2400" dirty="0"/>
               <a:t>ING3</a:t>
             </a:r>
           </a:p>
@@ -18748,13 +18736,6 @@
   <p:clrMapOvr>
     <a:masterClrMapping/>
   </p:clrMapOvr>
-  <p:timing>
-    <p:tnLst>
-      <p:par>
-        <p:cTn xmlns:p14="http://schemas.microsoft.com/office/powerpoint/2010/main" id="1" dur="indefinite" restart="never" nodeType="tmRoot"/>
-      </p:par>
-    </p:tnLst>
-  </p:timing>
 </p:sld>
 </file>
 
@@ -18799,7 +18780,7 @@
           <a:p>
             <a:pPr algn="ctr"/>
             <a:r>
-              <a:rPr lang="fr-FR" dirty="0" smtClean="0">
+              <a:rPr lang="fr-FR" dirty="0">
                 <a:solidFill>
                   <a:srgbClr val="7F7F7F"/>
                 </a:solidFill>
@@ -18913,7 +18894,7 @@
               <a:buChar char="Ø"/>
             </a:pPr>
             <a:r>
-              <a:rPr lang="fr-FR" sz="2000" dirty="0" smtClean="0">
+              <a:rPr lang="fr-FR" sz="2000" dirty="0">
                 <a:solidFill>
                   <a:schemeClr val="tx1"/>
                 </a:solidFill>
@@ -18937,7 +18918,7 @@
               <a:buFont typeface="Wingdings" charset="2"/>
               <a:buChar char="Ø"/>
             </a:pPr>
-            <a:endParaRPr lang="fr-FR" sz="2000" dirty="0" smtClean="0">
+            <a:endParaRPr lang="fr-FR" sz="2000" dirty="0">
               <a:solidFill>
                 <a:schemeClr val="tx1"/>
               </a:solidFill>
@@ -18959,7 +18940,7 @@
               <a:buFont typeface="Wingdings" charset="2"/>
               <a:buChar char="Ø"/>
             </a:pPr>
-            <a:endParaRPr lang="fr-FR" sz="2000" dirty="0" smtClean="0">
+            <a:endParaRPr lang="fr-FR" sz="2000" dirty="0">
               <a:solidFill>
                 <a:schemeClr val="tx1"/>
               </a:solidFill>
@@ -18981,7 +18962,7 @@
               <a:buFont typeface="Wingdings" charset="2"/>
               <a:buChar char="Ø"/>
             </a:pPr>
-            <a:endParaRPr lang="fr-FR" sz="2000" dirty="0" smtClean="0">
+            <a:endParaRPr lang="fr-FR" sz="2000" dirty="0">
               <a:solidFill>
                 <a:schemeClr val="tx1"/>
               </a:solidFill>
@@ -19003,7 +18984,7 @@
               <a:buFont typeface="Wingdings" charset="2"/>
               <a:buChar char="Ø"/>
             </a:pPr>
-            <a:endParaRPr lang="fr-FR" sz="2000" dirty="0" smtClean="0">
+            <a:endParaRPr lang="fr-FR" sz="2000" dirty="0">
               <a:solidFill>
                 <a:schemeClr val="tx1"/>
               </a:solidFill>
@@ -19015,13 +18996,71 @@
               <a:buChar char="Ø"/>
             </a:pPr>
             <a:r>
-              <a:rPr lang="fr-FR" sz="2000" dirty="0" smtClean="0">
+              <a:rPr lang="fr-FR" sz="2000" dirty="0">
                 <a:solidFill>
                   <a:schemeClr val="tx1"/>
                 </a:solidFill>
               </a:rPr>
               <a:t>Bilan de Hugo :</a:t>
             </a:r>
+          </a:p>
+          <a:p>
+            <a:pPr marL="457200" indent="-457200">
+              <a:buFont typeface="Wingdings" charset="2"/>
+              <a:buChar char="Ø"/>
+            </a:pPr>
+            <a:endParaRPr lang="fr-FR" sz="2000" dirty="0">
+              <a:solidFill>
+                <a:schemeClr val="tx1">
+                  <a:lumMod val="50000"/>
+                  <a:lumOff val="50000"/>
+                </a:schemeClr>
+              </a:solidFill>
+            </a:endParaRPr>
+          </a:p>
+          <a:p>
+            <a:pPr lvl="1">
+              <a:buFont typeface="Arial"/>
+              <a:buChar char="•"/>
+            </a:pPr>
+            <a:r>
+              <a:rPr lang="fr-FR" sz="1600" dirty="0">
+                <a:solidFill>
+                  <a:srgbClr val="000000"/>
+                </a:solidFill>
+              </a:rPr>
+              <a:t> Développement efficace de mes connaissances dans les langages web dans des conditions réelles.</a:t>
+            </a:r>
+          </a:p>
+          <a:p>
+            <a:pPr lvl="1">
+              <a:buFont typeface="Arial"/>
+              <a:buChar char="•"/>
+            </a:pPr>
+            <a:endParaRPr lang="fr-FR" sz="1600" dirty="0">
+              <a:solidFill>
+                <a:srgbClr val="000000"/>
+              </a:solidFill>
+            </a:endParaRPr>
+          </a:p>
+          <a:p>
+            <a:pPr lvl="1">
+              <a:buFont typeface="Arial"/>
+              <a:buChar char="•"/>
+            </a:pPr>
+            <a:r>
+              <a:rPr lang="fr-FR" sz="1600" dirty="0">
+                <a:solidFill>
+                  <a:srgbClr val="000000"/>
+                </a:solidFill>
+              </a:rPr>
+              <a:t> Semaine très enrichissante car intensive avec une bonne cohésion d’équipe.</a:t>
+            </a:r>
+            <a:endParaRPr lang="fr-FR" sz="2000" dirty="0">
+              <a:solidFill>
+                <a:srgbClr val="000000"/>
+              </a:solidFill>
+            </a:endParaRPr>
           </a:p>
           <a:p>
             <a:pPr marL="457200" indent="-457200">
@@ -19042,7 +19081,7 @@
               <a:buFont typeface="Wingdings" charset="2"/>
               <a:buChar char="Ø"/>
             </a:pPr>
-            <a:endParaRPr lang="fr-FR" sz="2800" dirty="0" smtClean="0">
+            <a:endParaRPr lang="fr-FR" sz="2800" dirty="0">
               <a:solidFill>
                 <a:schemeClr val="tx1">
                   <a:lumMod val="50000"/>
@@ -19065,20 +19104,6 @@
               </a:solidFill>
             </a:endParaRPr>
           </a:p>
-          <a:p>
-            <a:pPr marL="457200" indent="-457200">
-              <a:buFont typeface="Wingdings" charset="2"/>
-              <a:buChar char="Ø"/>
-            </a:pPr>
-            <a:endParaRPr lang="fr-FR" sz="2800" dirty="0">
-              <a:solidFill>
-                <a:schemeClr val="tx1">
-                  <a:lumMod val="50000"/>
-                  <a:lumOff val="50000"/>
-                </a:schemeClr>
-              </a:solidFill>
-            </a:endParaRPr>
-          </a:p>
         </p:txBody>
       </p:sp>
     </p:spTree>
@@ -19091,13 +19116,6 @@
   <p:clrMapOvr>
     <a:masterClrMapping/>
   </p:clrMapOvr>
-  <p:timing>
-    <p:tnLst>
-      <p:par>
-        <p:cTn xmlns:p14="http://schemas.microsoft.com/office/powerpoint/2010/main" id="1" dur="indefinite" restart="never" nodeType="tmRoot"/>
-      </p:par>
-    </p:tnLst>
-  </p:timing>
 </p:sld>
 </file>
 
@@ -19142,7 +19160,7 @@
           <a:p>
             <a:pPr algn="ctr"/>
             <a:r>
-              <a:rPr lang="fr-FR" dirty="0" smtClean="0">
+              <a:rPr lang="fr-FR" dirty="0">
                 <a:solidFill>
                   <a:srgbClr val="7F7F7F"/>
                 </a:solidFill>
@@ -19256,20 +19274,12 @@
               <a:buChar char="Ø"/>
             </a:pPr>
             <a:r>
-              <a:rPr lang="fr-FR" sz="2000" dirty="0" smtClean="0">
+              <a:rPr lang="fr-FR" sz="2000" dirty="0">
                 <a:solidFill>
                   <a:srgbClr val="000000"/>
                 </a:solidFill>
               </a:rPr>
-              <a:t>Bilan de Aude </a:t>
-            </a:r>
-            <a:r>
-              <a:rPr lang="fr-FR" sz="2000" dirty="0" smtClean="0">
-                <a:solidFill>
-                  <a:srgbClr val="000000"/>
-                </a:solidFill>
-              </a:rPr>
-              <a:t>:</a:t>
+              <a:t>Bilan de Aude :</a:t>
             </a:r>
           </a:p>
           <a:p>
@@ -19294,15 +19304,7 @@
                   <a:srgbClr val="000000"/>
                 </a:solidFill>
               </a:rPr>
-              <a:t> </a:t>
-            </a:r>
-            <a:r>
-              <a:rPr lang="fr-FR" sz="1600" dirty="0" smtClean="0">
-                <a:solidFill>
-                  <a:srgbClr val="000000"/>
-                </a:solidFill>
-              </a:rPr>
-              <a:t>Amélioration accélérée de mes connaissances en langage de programmation Web</a:t>
+              <a:t> Amélioration accélérée de mes connaissances en langage de programmation Web</a:t>
             </a:r>
           </a:p>
           <a:p>
@@ -19322,14 +19324,14 @@
               <a:buChar char="•"/>
             </a:pPr>
             <a:r>
-              <a:rPr lang="fr-FR" sz="1600" dirty="0" smtClean="0">
+              <a:rPr lang="fr-FR" sz="1600" dirty="0">
                 <a:solidFill>
                   <a:srgbClr val="000000"/>
                 </a:solidFill>
               </a:rPr>
               <a:t> Fin de semaine de projet piscine difficile compte tenu de la fatigue mais très bonne expérience avec un bon esprit de groupe</a:t>
             </a:r>
-            <a:endParaRPr lang="fr-FR" sz="2000" dirty="0" smtClean="0">
+            <a:endParaRPr lang="fr-FR" sz="2000" dirty="0">
               <a:solidFill>
                 <a:srgbClr val="000000"/>
               </a:solidFill>
@@ -19351,7 +19353,7 @@
               <a:buFont typeface="Wingdings" charset="2"/>
               <a:buChar char="Ø"/>
             </a:pPr>
-            <a:endParaRPr lang="fr-FR" sz="2000" dirty="0" smtClean="0">
+            <a:endParaRPr lang="fr-FR" sz="2000" dirty="0">
               <a:solidFill>
                 <a:srgbClr val="000000"/>
               </a:solidFill>
@@ -19363,28 +19365,12 @@
               <a:buChar char="Ø"/>
             </a:pPr>
             <a:r>
-              <a:rPr lang="fr-FR" sz="2000" dirty="0" smtClean="0">
+              <a:rPr lang="fr-FR" sz="2000" dirty="0">
                 <a:solidFill>
                   <a:srgbClr val="000000"/>
                 </a:solidFill>
               </a:rPr>
-              <a:t>Bilan collectif </a:t>
-            </a:r>
-            <a:r>
-              <a:rPr lang="fr-FR" sz="2000" dirty="0" smtClean="0">
-                <a:solidFill>
-                  <a:srgbClr val="000000"/>
-                </a:solidFill>
-              </a:rPr>
-              <a:t>:</a:t>
-            </a:r>
-            <a:r>
-              <a:rPr lang="fr-FR" sz="1600" dirty="0">
-                <a:solidFill>
-                  <a:srgbClr val="000000"/>
-                </a:solidFill>
-              </a:rPr>
-              <a:t/>
+              <a:t>Bilan collectif :</a:t>
             </a:r>
             <a:br>
               <a:rPr lang="fr-FR" sz="1600" dirty="0">
@@ -19393,7 +19379,7 @@
                 </a:solidFill>
               </a:rPr>
             </a:br>
-            <a:endParaRPr lang="fr-FR" sz="2000" dirty="0" smtClean="0">
+            <a:endParaRPr lang="fr-FR" sz="2000" dirty="0">
               <a:solidFill>
                 <a:srgbClr val="000000"/>
               </a:solidFill>
@@ -19410,24 +19396,16 @@
                   <a:srgbClr val="000000"/>
                 </a:solidFill>
               </a:rPr>
-              <a:t> Mise en pratique des cours théoriques à travers ce </a:t>
-            </a:r>
-            <a:r>
-              <a:rPr lang="fr-FR" sz="1600" dirty="0" smtClean="0">
-                <a:solidFill>
-                  <a:srgbClr val="000000"/>
-                </a:solidFill>
-              </a:rPr>
-              <a:t>projet</a:t>
+              <a:t> Mise en pratique des cours théoriques à travers ce projet</a:t>
             </a:r>
             <a:br>
-              <a:rPr lang="fr-FR" sz="1600" dirty="0" smtClean="0">
+              <a:rPr lang="fr-FR" sz="1600" dirty="0">
                 <a:solidFill>
                   <a:srgbClr val="000000"/>
                 </a:solidFill>
               </a:rPr>
             </a:br>
-            <a:endParaRPr lang="fr-FR" sz="1600" dirty="0" smtClean="0">
+            <a:endParaRPr lang="fr-FR" sz="1600" dirty="0">
               <a:solidFill>
                 <a:srgbClr val="000000"/>
               </a:solidFill>
@@ -19444,48 +19422,16 @@
                   <a:srgbClr val="000000"/>
                 </a:solidFill>
               </a:rPr>
-              <a:t> </a:t>
-            </a:r>
-            <a:r>
-              <a:rPr lang="fr-FR" sz="1600" dirty="0" smtClean="0">
-                <a:solidFill>
-                  <a:srgbClr val="000000"/>
-                </a:solidFill>
-              </a:rPr>
-              <a:t>Bonne répartitio</a:t>
-            </a:r>
-            <a:r>
-              <a:rPr lang="fr-FR" sz="1600" dirty="0" smtClean="0">
-                <a:solidFill>
-                  <a:srgbClr val="000000"/>
-                </a:solidFill>
-              </a:rPr>
-              <a:t>n des t</a:t>
-            </a:r>
-            <a:r>
-              <a:rPr lang="fr-FR" sz="1600" dirty="0" smtClean="0">
-                <a:solidFill>
-                  <a:srgbClr val="000000"/>
-                </a:solidFill>
-              </a:rPr>
-              <a:t>âches qui nous a permis de répondre au maximum au cahier des charges</a:t>
-            </a:r>
-            <a:r>
-              <a:rPr lang="fr-FR" sz="1600" dirty="0" smtClean="0">
-                <a:solidFill>
-                  <a:srgbClr val="000000"/>
-                </a:solidFill>
-              </a:rPr>
-              <a:t/>
+              <a:t> Bonne répartition des tâches qui nous a permis de répondre au maximum au cahier des charges</a:t>
             </a:r>
             <a:br>
-              <a:rPr lang="fr-FR" sz="1600" dirty="0" smtClean="0">
+              <a:rPr lang="fr-FR" sz="1600" dirty="0">
                 <a:solidFill>
                   <a:srgbClr val="000000"/>
                 </a:solidFill>
               </a:rPr>
             </a:br>
-            <a:endParaRPr lang="fr-FR" sz="1600" dirty="0" smtClean="0">
+            <a:endParaRPr lang="fr-FR" sz="1600" dirty="0">
               <a:solidFill>
                 <a:srgbClr val="000000"/>
               </a:solidFill>
@@ -19497,22 +19443,17 @@
               <a:buChar char="•"/>
             </a:pPr>
             <a:r>
-              <a:rPr lang="fr-FR" sz="1600" dirty="0" smtClean="0">
+              <a:rPr lang="fr-FR" sz="1600" dirty="0">
                 <a:solidFill>
                   <a:srgbClr val="000000"/>
                 </a:solidFill>
               </a:rPr>
               <a:t> Contrainte de temps qui nous a conduit à faire des choix dans les fonctionnalités de notre site</a:t>
             </a:r>
-            <a:endParaRPr lang="fr-FR" sz="1600" dirty="0" smtClean="0">
-              <a:solidFill>
-                <a:srgbClr val="000000"/>
-              </a:solidFill>
-            </a:endParaRPr>
           </a:p>
           <a:p>
             <a:pPr lvl="1"/>
-            <a:endParaRPr lang="fr-FR" sz="1600" dirty="0" smtClean="0">
+            <a:endParaRPr lang="fr-FR" sz="1600" dirty="0">
               <a:solidFill>
                 <a:schemeClr val="tx1">
                   <a:lumMod val="50000"/>
@@ -19540,7 +19481,7 @@
               <a:buFont typeface="Wingdings" charset="2"/>
               <a:buChar char="Ø"/>
             </a:pPr>
-            <a:endParaRPr lang="fr-FR" sz="2800" dirty="0" smtClean="0">
+            <a:endParaRPr lang="fr-FR" sz="2800" dirty="0">
               <a:solidFill>
                 <a:schemeClr val="tx1">
                   <a:lumMod val="50000"/>
@@ -19589,13 +19530,6 @@
   <p:clrMapOvr>
     <a:masterClrMapping/>
   </p:clrMapOvr>
-  <p:timing>
-    <p:tnLst>
-      <p:par>
-        <p:cTn xmlns:p14="http://schemas.microsoft.com/office/powerpoint/2010/main" id="1" dur="indefinite" restart="never" nodeType="tmRoot"/>
-      </p:par>
-    </p:tnLst>
-  </p:timing>
 </p:sld>
 </file>
 
@@ -19645,15 +19579,7 @@
                   <a:srgbClr val="7F7F7F"/>
                 </a:solidFill>
               </a:rPr>
-              <a:t>6</a:t>
-            </a:r>
-            <a:r>
-              <a:rPr lang="fr-FR" dirty="0" smtClean="0">
-                <a:solidFill>
-                  <a:srgbClr val="7F7F7F"/>
-                </a:solidFill>
-              </a:rPr>
-              <a:t>) Sources</a:t>
+              <a:t>6) Sources</a:t>
             </a:r>
             <a:endParaRPr lang="fr-FR" sz="4800" b="1" dirty="0">
               <a:solidFill>
@@ -19762,7 +19688,7 @@
               <a:buChar char="Ø"/>
             </a:pPr>
             <a:r>
-              <a:rPr lang="fr-FR" sz="2000" dirty="0" smtClean="0">
+              <a:rPr lang="fr-FR" sz="2000" dirty="0">
                 <a:solidFill>
                   <a:srgbClr val="000000"/>
                 </a:solidFill>
@@ -19770,7 +19696,7 @@
               <a:t>Template </a:t>
             </a:r>
             <a:r>
-              <a:rPr lang="fr-FR" sz="2000" dirty="0" err="1" smtClean="0">
+              <a:rPr lang="fr-FR" sz="2000" dirty="0" err="1">
                 <a:solidFill>
                   <a:srgbClr val="000000"/>
                 </a:solidFill>
@@ -19778,7 +19704,7 @@
               <a:t>Bootstrap</a:t>
             </a:r>
             <a:r>
-              <a:rPr lang="fr-FR" sz="2000" dirty="0" smtClean="0">
+              <a:rPr lang="fr-FR" sz="2000" dirty="0">
                 <a:solidFill>
                   <a:srgbClr val="000000"/>
                 </a:solidFill>
@@ -19786,7 +19712,7 @@
               <a:t> « </a:t>
             </a:r>
             <a:r>
-              <a:rPr lang="fr-FR" sz="2000" dirty="0" err="1" smtClean="0">
+              <a:rPr lang="fr-FR" sz="2000" dirty="0" err="1">
                 <a:solidFill>
                   <a:srgbClr val="000000"/>
                 </a:solidFill>
@@ -19794,21 +19720,12 @@
               <a:t>Minimaxing</a:t>
             </a:r>
             <a:r>
-              <a:rPr lang="fr-FR" sz="2000" dirty="0" smtClean="0">
+              <a:rPr lang="fr-FR" sz="2000" dirty="0">
                 <a:solidFill>
                   <a:srgbClr val="000000"/>
                 </a:solidFill>
               </a:rPr>
               <a:t> by HTML 5 UP » </a:t>
-            </a:r>
-            <a:r>
-              <a:rPr lang="fr-FR" sz="2000" dirty="0">
-                <a:solidFill>
-                  <a:srgbClr val="000000"/>
-                </a:solidFill>
-                <a:sym typeface="Wingdings"/>
-              </a:rPr>
-              <a:t/>
             </a:r>
             <a:br>
               <a:rPr lang="fr-FR" sz="2000" dirty="0">
@@ -19819,7 +19736,7 @@
               </a:rPr>
             </a:br>
             <a:r>
-              <a:rPr lang="fr-FR" sz="2000" dirty="0" smtClean="0">
+              <a:rPr lang="fr-FR" sz="2000" dirty="0">
                 <a:solidFill>
                   <a:srgbClr val="000000"/>
                 </a:solidFill>
@@ -19828,33 +19745,20 @@
               <a:t>Lien : </a:t>
             </a:r>
             <a:r>
-              <a:rPr lang="fr-FR" sz="2000" dirty="0" smtClean="0">
+              <a:rPr lang="fr-FR" sz="2000" dirty="0">
                 <a:solidFill>
                   <a:srgbClr val="000000"/>
                 </a:solidFill>
               </a:rPr>
-              <a:t>h</a:t>
-            </a:r>
-            <a:r>
-              <a:rPr lang="fr-FR" sz="2000" dirty="0" smtClean="0">
-                <a:solidFill>
-                  <a:srgbClr val="000000"/>
-                </a:solidFill>
-              </a:rPr>
-              <a:t>tml5up.net</a:t>
-            </a:r>
-            <a:endParaRPr lang="fr-FR" sz="2000" dirty="0">
-              <a:solidFill>
-                <a:srgbClr val="000000"/>
-              </a:solidFill>
-            </a:endParaRPr>
+              <a:t>html5up.net</a:t>
+            </a:r>
           </a:p>
           <a:p>
             <a:pPr marL="457200" indent="-457200">
               <a:buFont typeface="Wingdings" charset="2"/>
               <a:buChar char="Ø"/>
             </a:pPr>
-            <a:endParaRPr lang="fr-FR" sz="2000" dirty="0" smtClean="0">
+            <a:endParaRPr lang="fr-FR" sz="2000" dirty="0">
               <a:solidFill>
                 <a:srgbClr val="000000"/>
               </a:solidFill>
@@ -19900,13 +19804,6 @@
   <p:clrMapOvr>
     <a:masterClrMapping/>
   </p:clrMapOvr>
-  <p:timing>
-    <p:tnLst>
-      <p:par>
-        <p:cTn xmlns:p14="http://schemas.microsoft.com/office/powerpoint/2010/main" id="1" dur="indefinite" restart="never" nodeType="tmRoot"/>
-      </p:par>
-    </p:tnLst>
-  </p:timing>
 </p:sld>
 </file>
 
@@ -19951,18 +19848,13 @@
           <a:p>
             <a:pPr algn="ctr"/>
             <a:r>
-              <a:rPr lang="fr-FR" sz="4800" b="1" dirty="0" smtClean="0">
+              <a:rPr lang="fr-FR" sz="4800" b="1" dirty="0">
                 <a:solidFill>
                   <a:srgbClr val="3477B2"/>
                 </a:solidFill>
               </a:rPr>
               <a:t>Sommaire</a:t>
             </a:r>
-            <a:endParaRPr lang="fr-FR" sz="4800" b="1" dirty="0">
-              <a:solidFill>
-                <a:srgbClr val="3477B2"/>
-              </a:solidFill>
-            </a:endParaRPr>
           </a:p>
         </p:txBody>
       </p:sp>
@@ -20064,7 +19956,7 @@
               <a:buAutoNum type="arabicParenR"/>
             </a:pPr>
             <a:r>
-              <a:rPr lang="fr-FR" sz="2800" dirty="0" smtClean="0">
+              <a:rPr lang="fr-FR" sz="2800" dirty="0">
                 <a:solidFill>
                   <a:schemeClr val="tx1">
                     <a:lumMod val="50000"/>
@@ -20079,31 +19971,6 @@
             <a:pPr marL="514350" indent="-514350">
               <a:buAutoNum type="arabicParenR"/>
             </a:pPr>
-            <a:endParaRPr lang="fr-FR" sz="2800" dirty="0" smtClean="0">
-              <a:solidFill>
-                <a:schemeClr val="tx1">
-                  <a:lumMod val="50000"/>
-                  <a:lumOff val="50000"/>
-                </a:schemeClr>
-              </a:solidFill>
-            </a:endParaRPr>
-          </a:p>
-          <a:p>
-            <a:pPr marL="514350" indent="-514350">
-              <a:buFontTx/>
-              <a:buAutoNum type="arabicParenR"/>
-            </a:pPr>
-            <a:r>
-              <a:rPr lang="fr-FR" sz="2800" dirty="0" smtClean="0">
-                <a:solidFill>
-                  <a:schemeClr val="tx1">
-                    <a:lumMod val="50000"/>
-                    <a:lumOff val="50000"/>
-                  </a:schemeClr>
-                </a:solidFill>
-              </a:rPr>
-              <a:t>Design du front</a:t>
-            </a:r>
             <a:endParaRPr lang="fr-FR" sz="2800" dirty="0">
               <a:solidFill>
                 <a:schemeClr val="tx1">
@@ -20114,21 +19981,12 @@
             </a:endParaRPr>
           </a:p>
           <a:p>
-            <a:endParaRPr lang="fr-FR" sz="2800" dirty="0" smtClean="0">
-              <a:solidFill>
-                <a:schemeClr val="tx1">
-                  <a:lumMod val="50000"/>
-                  <a:lumOff val="50000"/>
-                </a:schemeClr>
-              </a:solidFill>
-            </a:endParaRPr>
-          </a:p>
-          <a:p>
             <a:pPr marL="514350" indent="-514350">
+              <a:buFontTx/>
               <a:buAutoNum type="arabicParenR"/>
             </a:pPr>
             <a:r>
-              <a:rPr lang="fr-FR" sz="2800" dirty="0" smtClean="0">
+              <a:rPr lang="fr-FR" sz="2800" dirty="0">
                 <a:solidFill>
                   <a:schemeClr val="tx1">
                     <a:lumMod val="50000"/>
@@ -20136,95 +19994,10 @@
                   </a:schemeClr>
                 </a:solidFill>
               </a:rPr>
-              <a:t>Spécifications fonctionnelles des pages web</a:t>
-            </a:r>
-          </a:p>
-          <a:p>
-            <a:pPr marL="514350" indent="-514350">
-              <a:buAutoNum type="arabicParenR"/>
-            </a:pPr>
-            <a:endParaRPr lang="fr-FR" sz="2800" dirty="0" smtClean="0">
-              <a:solidFill>
-                <a:schemeClr val="tx1">
-                  <a:lumMod val="50000"/>
-                  <a:lumOff val="50000"/>
-                </a:schemeClr>
-              </a:solidFill>
-            </a:endParaRPr>
-          </a:p>
-          <a:p>
-            <a:pPr marL="514350" indent="-514350">
-              <a:buAutoNum type="arabicParenR"/>
-            </a:pPr>
-            <a:r>
-              <a:rPr lang="fr-FR" sz="2800" dirty="0" smtClean="0">
-                <a:solidFill>
-                  <a:schemeClr val="tx1">
-                    <a:lumMod val="50000"/>
-                    <a:lumOff val="50000"/>
-                  </a:schemeClr>
-                </a:solidFill>
-              </a:rPr>
-              <a:t>Versioning GIT</a:t>
-            </a:r>
-          </a:p>
-          <a:p>
-            <a:pPr marL="514350" indent="-514350">
-              <a:buAutoNum type="arabicParenR"/>
-            </a:pPr>
-            <a:endParaRPr lang="fr-FR" sz="2800" dirty="0" smtClean="0">
-              <a:solidFill>
-                <a:schemeClr val="tx1">
-                  <a:lumMod val="50000"/>
-                  <a:lumOff val="50000"/>
-                </a:schemeClr>
-              </a:solidFill>
-            </a:endParaRPr>
-          </a:p>
-          <a:p>
-            <a:pPr marL="514350" indent="-514350">
-              <a:buAutoNum type="arabicParenR"/>
-            </a:pPr>
-            <a:r>
-              <a:rPr lang="fr-FR" sz="2800" dirty="0" smtClean="0">
-                <a:solidFill>
-                  <a:schemeClr val="tx1">
-                    <a:lumMod val="50000"/>
-                    <a:lumOff val="50000"/>
-                  </a:schemeClr>
-                </a:solidFill>
-              </a:rPr>
-              <a:t>Bilan individuel et collectif</a:t>
-            </a:r>
-          </a:p>
-          <a:p>
-            <a:pPr marL="514350" indent="-514350">
-              <a:buAutoNum type="arabicParenR"/>
-            </a:pPr>
-            <a:endParaRPr lang="fr-FR" sz="2800" dirty="0" smtClean="0">
-              <a:solidFill>
-                <a:schemeClr val="tx1">
-                  <a:lumMod val="50000"/>
-                  <a:lumOff val="50000"/>
-                </a:schemeClr>
-              </a:solidFill>
-            </a:endParaRPr>
-          </a:p>
-          <a:p>
-            <a:pPr marL="514350" indent="-514350">
-              <a:buAutoNum type="arabicParenR"/>
-            </a:pPr>
-            <a:r>
-              <a:rPr lang="fr-FR" sz="2800" dirty="0" smtClean="0">
-                <a:solidFill>
-                  <a:schemeClr val="tx1">
-                    <a:lumMod val="50000"/>
-                    <a:lumOff val="50000"/>
-                  </a:schemeClr>
-                </a:solidFill>
-              </a:rPr>
-              <a:t>Sources</a:t>
-            </a:r>
+              <a:t>Design du front</a:t>
+            </a:r>
+          </a:p>
+          <a:p>
             <a:endParaRPr lang="fr-FR" sz="2800" dirty="0">
               <a:solidFill>
                 <a:schemeClr val="tx1">
@@ -20233,6 +20006,109 @@
                 </a:schemeClr>
               </a:solidFill>
             </a:endParaRPr>
+          </a:p>
+          <a:p>
+            <a:pPr marL="514350" indent="-514350">
+              <a:buAutoNum type="arabicParenR"/>
+            </a:pPr>
+            <a:r>
+              <a:rPr lang="fr-FR" sz="2800" dirty="0">
+                <a:solidFill>
+                  <a:schemeClr val="tx1">
+                    <a:lumMod val="50000"/>
+                    <a:lumOff val="50000"/>
+                  </a:schemeClr>
+                </a:solidFill>
+              </a:rPr>
+              <a:t>Spécifications fonctionnelles des pages web</a:t>
+            </a:r>
+          </a:p>
+          <a:p>
+            <a:pPr marL="514350" indent="-514350">
+              <a:buAutoNum type="arabicParenR"/>
+            </a:pPr>
+            <a:endParaRPr lang="fr-FR" sz="2800" dirty="0">
+              <a:solidFill>
+                <a:schemeClr val="tx1">
+                  <a:lumMod val="50000"/>
+                  <a:lumOff val="50000"/>
+                </a:schemeClr>
+              </a:solidFill>
+            </a:endParaRPr>
+          </a:p>
+          <a:p>
+            <a:pPr marL="514350" indent="-514350">
+              <a:buAutoNum type="arabicParenR"/>
+            </a:pPr>
+            <a:r>
+              <a:rPr lang="fr-FR" sz="2800" dirty="0">
+                <a:solidFill>
+                  <a:schemeClr val="tx1">
+                    <a:lumMod val="50000"/>
+                    <a:lumOff val="50000"/>
+                  </a:schemeClr>
+                </a:solidFill>
+              </a:rPr>
+              <a:t>Versioning GIT</a:t>
+            </a:r>
+          </a:p>
+          <a:p>
+            <a:pPr marL="514350" indent="-514350">
+              <a:buAutoNum type="arabicParenR"/>
+            </a:pPr>
+            <a:endParaRPr lang="fr-FR" sz="2800" dirty="0">
+              <a:solidFill>
+                <a:schemeClr val="tx1">
+                  <a:lumMod val="50000"/>
+                  <a:lumOff val="50000"/>
+                </a:schemeClr>
+              </a:solidFill>
+            </a:endParaRPr>
+          </a:p>
+          <a:p>
+            <a:pPr marL="514350" indent="-514350">
+              <a:buAutoNum type="arabicParenR"/>
+            </a:pPr>
+            <a:r>
+              <a:rPr lang="fr-FR" sz="2800" dirty="0">
+                <a:solidFill>
+                  <a:schemeClr val="tx1">
+                    <a:lumMod val="50000"/>
+                    <a:lumOff val="50000"/>
+                  </a:schemeClr>
+                </a:solidFill>
+              </a:rPr>
+              <a:t>Bilan individuel et collectif</a:t>
+            </a:r>
+          </a:p>
+          <a:p>
+            <a:pPr marL="514350" indent="-514350">
+              <a:buAutoNum type="arabicParenR"/>
+            </a:pPr>
+            <a:endParaRPr lang="fr-FR" sz="2800" dirty="0">
+              <a:solidFill>
+                <a:schemeClr val="tx1">
+                  <a:lumMod val="50000"/>
+                  <a:lumOff val="50000"/>
+                </a:schemeClr>
+              </a:solidFill>
+            </a:endParaRPr>
+          </a:p>
+          <a:p>
+            <a:pPr marL="514350" indent="-514350">
+              <a:buAutoNum type="arabicParenR"/>
+            </a:pPr>
+            <a:r>
+              <a:rPr lang="fr-FR" sz="2800" dirty="0">
+                <a:solidFill>
+                  <a:schemeClr val="tx1">
+                    <a:lumMod val="50000"/>
+                    <a:lumOff val="50000"/>
+                  </a:schemeClr>
+                </a:solidFill>
+              </a:rPr>
+              <a:t>Sources</a:t>
+            </a:r>
           </a:p>
         </p:txBody>
       </p:sp>
@@ -20246,13 +20122,6 @@
   <p:clrMapOvr>
     <a:masterClrMapping/>
   </p:clrMapOvr>
-  <p:timing>
-    <p:tnLst>
-      <p:par>
-        <p:cTn xmlns:p14="http://schemas.microsoft.com/office/powerpoint/2010/main" id="1" dur="indefinite" restart="never" nodeType="tmRoot"/>
-      </p:par>
-    </p:tnLst>
-  </p:timing>
 </p:sld>
 </file>
 
@@ -20329,7 +20198,7 @@
           <a:p>
             <a:pPr marL="514350" indent="-514350" algn="ctr"/>
             <a:r>
-              <a:rPr lang="fr-FR" dirty="0" smtClean="0">
+              <a:rPr lang="fr-FR" dirty="0">
                 <a:solidFill>
                   <a:schemeClr val="bg1">
                     <a:lumMod val="50000"/>
@@ -20632,18 +20501,13 @@
           <a:lstStyle/>
           <a:p>
             <a:r>
-              <a:rPr lang="fr-FR" sz="2400" dirty="0" smtClean="0">
+              <a:rPr lang="fr-FR" sz="2400" dirty="0">
                 <a:solidFill>
                   <a:srgbClr val="7F7F7F"/>
                 </a:solidFill>
               </a:rPr>
               <a:t>Modèle entité-association</a:t>
             </a:r>
-            <a:endParaRPr lang="fr-FR" sz="2400" dirty="0">
-              <a:solidFill>
-                <a:srgbClr val="7F7F7F"/>
-              </a:solidFill>
-            </a:endParaRPr>
           </a:p>
         </p:txBody>
       </p:sp>
@@ -20687,13 +20551,6 @@
   <p:clrMapOvr>
     <a:masterClrMapping/>
   </p:clrMapOvr>
-  <p:timing>
-    <p:tnLst>
-      <p:par>
-        <p:cTn xmlns:p14="http://schemas.microsoft.com/office/powerpoint/2010/main" id="1" dur="indefinite" restart="never" nodeType="tmRoot"/>
-      </p:par>
-    </p:tnLst>
-  </p:timing>
 </p:sld>
 </file>
 
@@ -20770,7 +20627,7 @@
           <a:p>
             <a:pPr marL="514350" indent="-514350" algn="ctr"/>
             <a:r>
-              <a:rPr lang="fr-FR" dirty="0" smtClean="0">
+              <a:rPr lang="fr-FR" dirty="0">
                 <a:solidFill>
                   <a:schemeClr val="bg1">
                     <a:lumMod val="50000"/>
@@ -21084,7 +20941,7 @@
           <a:lstStyle/>
           <a:p>
             <a:r>
-              <a:rPr lang="fr-FR" sz="2400" dirty="0" smtClean="0">
+              <a:rPr lang="fr-FR" sz="2400" dirty="0">
                 <a:solidFill>
                   <a:srgbClr val="7F7F7F"/>
                 </a:solidFill>
@@ -21092,12 +20949,6 @@
               </a:rPr>
               <a:t>Modèle relationnel</a:t>
             </a:r>
-            <a:endParaRPr lang="fr-FR" sz="2400" dirty="0">
-              <a:solidFill>
-                <a:srgbClr val="7F7F7F"/>
-              </a:solidFill>
-              <a:latin typeface="Trebuchet MS"/>
-            </a:endParaRPr>
           </a:p>
         </p:txBody>
       </p:sp>
@@ -21594,15 +21445,15 @@
               <a:t>id_publication</a:t>
             </a:r>
             <a:r>
-              <a:rPr lang="fr-FR" sz="1600" dirty="0" smtClean="0"/>
+              <a:rPr lang="fr-FR" sz="1600" dirty="0"/>
               <a:t>, </a:t>
             </a:r>
             <a:r>
-              <a:rPr lang="fr-FR" sz="1600" u="sng" dirty="0" err="1" smtClean="0"/>
+              <a:rPr lang="fr-FR" sz="1600" u="sng" dirty="0" err="1"/>
               <a:t>id_friend</a:t>
             </a:r>
             <a:r>
-              <a:rPr lang="fr-FR" sz="1600" dirty="0" smtClean="0"/>
+              <a:rPr lang="fr-FR" sz="1600" dirty="0"/>
               <a:t>,</a:t>
             </a:r>
             <a:r>
@@ -21619,13 +21470,8 @@
             </a:r>
             <a:r>
               <a:rPr lang="fr-FR" sz="1600" dirty="0"/>
-              <a:t> </a:t>
-            </a:r>
-            <a:r>
-              <a:rPr lang="fr-FR" sz="1600" dirty="0" smtClean="0"/>
-              <a:t>)</a:t>
-            </a:r>
-            <a:endParaRPr lang="fr-FR" sz="1600" dirty="0"/>
+              <a:t> )</a:t>
+            </a:r>
           </a:p>
           <a:p>
             <a:r>
@@ -21645,11 +21491,11 @@
               <a:t>, </a:t>
             </a:r>
             <a:r>
-              <a:rPr lang="fr-FR" sz="1600" u="sng" dirty="0" err="1" smtClean="0"/>
+              <a:rPr lang="fr-FR" sz="1600" u="sng" dirty="0" err="1"/>
               <a:t>id_media</a:t>
             </a:r>
             <a:r>
-              <a:rPr lang="fr-FR" sz="1600" dirty="0" smtClean="0"/>
+              <a:rPr lang="fr-FR" sz="1600" dirty="0"/>
               <a:t>, </a:t>
             </a:r>
             <a:r>
@@ -21665,14 +21511,13 @@
               <a:t> </a:t>
             </a:r>
             <a:r>
-              <a:rPr lang="fr-FR" sz="1600" i="1" dirty="0" err="1" smtClean="0"/>
+              <a:rPr lang="fr-FR" sz="1600" i="1" dirty="0" err="1"/>
               <a:t>id_media</a:t>
             </a:r>
             <a:r>
-              <a:rPr lang="fr-FR" sz="1600" dirty="0" smtClean="0"/>
+              <a:rPr lang="fr-FR" sz="1600" dirty="0"/>
               <a:t>) </a:t>
             </a:r>
-            <a:endParaRPr lang="fr-FR" sz="1600" dirty="0"/>
           </a:p>
           <a:p>
             <a:r>
@@ -21806,10 +21651,9 @@
               <a:t>id_user</a:t>
             </a:r>
             <a:r>
-              <a:rPr lang="fr-FR" sz="1600" dirty="0" smtClean="0"/>
+              <a:rPr lang="fr-FR" sz="1600" dirty="0"/>
               <a:t>)</a:t>
             </a:r>
-            <a:endParaRPr lang="fr-FR" sz="1600" dirty="0"/>
           </a:p>
         </p:txBody>
       </p:sp>
@@ -21823,13 +21667,6 @@
   <p:clrMapOvr>
     <a:masterClrMapping/>
   </p:clrMapOvr>
-  <p:timing>
-    <p:tnLst>
-      <p:par>
-        <p:cTn xmlns:p14="http://schemas.microsoft.com/office/powerpoint/2010/main" id="1" dur="indefinite" restart="never" nodeType="tmRoot"/>
-      </p:par>
-    </p:tnLst>
-  </p:timing>
 </p:sld>
 </file>
 
@@ -21877,21 +21714,8 @@
                   <a:srgbClr val="7F7F7F"/>
                 </a:solidFill>
               </a:rPr>
-              <a:t>2</a:t>
-            </a:r>
-            <a:r>
-              <a:rPr lang="fr-FR" dirty="0" smtClean="0">
-                <a:solidFill>
-                  <a:srgbClr val="7F7F7F"/>
-                </a:solidFill>
-              </a:rPr>
-              <a:t>) Design du front</a:t>
-            </a:r>
-            <a:endParaRPr lang="fr-FR" dirty="0">
-              <a:solidFill>
-                <a:srgbClr val="7F7F7F"/>
-              </a:solidFill>
-            </a:endParaRPr>
+              <a:t>2) Design du front</a:t>
+            </a:r>
           </a:p>
         </p:txBody>
       </p:sp>
@@ -21925,7 +21749,7 @@
           </a:ln>
           <a:extLst>
             <a:ext uri="{53640926-AAD7-44d8-BBD7-CCE9431645EC}">
-              <a14:shadowObscured xmlns:a14="http://schemas.microsoft.com/office/drawing/2010/main"/>
+              <a14:shadowObscured xmlns:a14="http://schemas.microsoft.com/office/drawing/2010/main" xmlns=""/>
             </a:ext>
           </a:extLst>
         </p:spPr>
@@ -21960,10 +21784,10 @@
           </a:ln>
           <a:extLst>
             <a:ext uri="{53640926-AAD7-44d8-BBD7-CCE9431645EC}">
-              <a14:shadowObscured xmlns:a14="http://schemas.microsoft.com/office/drawing/2010/main"/>
+              <a14:shadowObscured xmlns:a14="http://schemas.microsoft.com/office/drawing/2010/main" xmlns=""/>
             </a:ext>
             <a:ext uri="{FAA26D3D-D897-4be2-8F04-BA451C77F1D7}">
-              <ma14:placeholderFlag xmlns:ma14="http://schemas.microsoft.com/office/mac/drawingml/2011/main"/>
+              <ma14:placeholderFlag xmlns:ma14="http://schemas.microsoft.com/office/mac/drawingml/2011/main" xmlns=""/>
             </a:ext>
           </a:extLst>
         </p:spPr>
@@ -21991,18 +21815,13 @@
           <a:lstStyle/>
           <a:p>
             <a:r>
-              <a:rPr lang="fr-FR" sz="2400" dirty="0" smtClean="0">
+              <a:rPr lang="fr-FR" sz="2400" dirty="0">
                 <a:solidFill>
                   <a:srgbClr val="7F7F7F"/>
                 </a:solidFill>
               </a:rPr>
               <a:t>Page de connexion</a:t>
             </a:r>
-            <a:endParaRPr lang="fr-FR" sz="2400" dirty="0">
-              <a:solidFill>
-                <a:srgbClr val="7F7F7F"/>
-              </a:solidFill>
-            </a:endParaRPr>
           </a:p>
         </p:txBody>
       </p:sp>
@@ -22029,18 +21848,13 @@
           <a:lstStyle/>
           <a:p>
             <a:r>
-              <a:rPr lang="fr-FR" sz="2400" dirty="0" smtClean="0">
+              <a:rPr lang="fr-FR" sz="2400" dirty="0">
                 <a:solidFill>
                   <a:srgbClr val="7F7F7F"/>
                 </a:solidFill>
               </a:rPr>
               <a:t>Page d’inscription</a:t>
             </a:r>
-            <a:endParaRPr lang="fr-FR" sz="2400" dirty="0">
-              <a:solidFill>
-                <a:srgbClr val="7F7F7F"/>
-              </a:solidFill>
-            </a:endParaRPr>
           </a:p>
         </p:txBody>
       </p:sp>
@@ -22054,13 +21868,6 @@
   <p:clrMapOvr>
     <a:masterClrMapping/>
   </p:clrMapOvr>
-  <p:timing>
-    <p:tnLst>
-      <p:par>
-        <p:cTn xmlns:p14="http://schemas.microsoft.com/office/powerpoint/2010/main" id="1" dur="indefinite" restart="never" nodeType="tmRoot"/>
-      </p:par>
-    </p:tnLst>
-  </p:timing>
 </p:sld>
 </file>
 
@@ -22109,7 +21916,7 @@
           </a:prstGeom>
           <a:extLst>
             <a:ext uri="{FAA26D3D-D897-4be2-8F04-BA451C77F1D7}">
-              <ma14:placeholderFlag xmlns:ma14="http://schemas.microsoft.com/office/mac/drawingml/2011/main"/>
+              <ma14:placeholderFlag xmlns:ma14="http://schemas.microsoft.com/office/mac/drawingml/2011/main" xmlns=""/>
             </a:ext>
           </a:extLst>
         </p:spPr>
@@ -22142,7 +21949,7 @@
           </a:prstGeom>
           <a:extLst>
             <a:ext uri="{FAA26D3D-D897-4be2-8F04-BA451C77F1D7}">
-              <ma14:placeholderFlag xmlns:ma14="http://schemas.microsoft.com/office/mac/drawingml/2011/main"/>
+              <ma14:placeholderFlag xmlns:ma14="http://schemas.microsoft.com/office/mac/drawingml/2011/main" xmlns=""/>
             </a:ext>
           </a:extLst>
         </p:spPr>
@@ -22174,21 +21981,8 @@
                   <a:srgbClr val="7F7F7F"/>
                 </a:solidFill>
               </a:rPr>
-              <a:t>2</a:t>
-            </a:r>
-            <a:r>
-              <a:rPr lang="fr-FR" dirty="0" smtClean="0">
-                <a:solidFill>
-                  <a:srgbClr val="7F7F7F"/>
-                </a:solidFill>
-              </a:rPr>
-              <a:t>) Design du front</a:t>
-            </a:r>
-            <a:endParaRPr lang="fr-FR" dirty="0">
-              <a:solidFill>
-                <a:srgbClr val="7F7F7F"/>
-              </a:solidFill>
-            </a:endParaRPr>
+              <a:t>2) Design du front</a:t>
+            </a:r>
           </a:p>
         </p:txBody>
       </p:sp>
@@ -22215,18 +22009,13 @@
           <a:lstStyle/>
           <a:p>
             <a:r>
-              <a:rPr lang="fr-FR" sz="2400" dirty="0" smtClean="0">
+              <a:rPr lang="fr-FR" sz="2400" dirty="0">
                 <a:solidFill>
                   <a:srgbClr val="7F7F7F"/>
                 </a:solidFill>
               </a:rPr>
               <a:t>Page d’accueil</a:t>
             </a:r>
-            <a:endParaRPr lang="fr-FR" sz="2400" dirty="0">
-              <a:solidFill>
-                <a:srgbClr val="7F7F7F"/>
-              </a:solidFill>
-            </a:endParaRPr>
           </a:p>
         </p:txBody>
       </p:sp>
@@ -22253,18 +22042,13 @@
           <a:lstStyle/>
           <a:p>
             <a:r>
-              <a:rPr lang="fr-FR" sz="2400" dirty="0" smtClean="0">
+              <a:rPr lang="fr-FR" sz="2400" dirty="0">
                 <a:solidFill>
                   <a:srgbClr val="7F7F7F"/>
                 </a:solidFill>
               </a:rPr>
               <a:t>Page de réseau</a:t>
             </a:r>
-            <a:endParaRPr lang="fr-FR" sz="2400" dirty="0">
-              <a:solidFill>
-                <a:srgbClr val="7F7F7F"/>
-              </a:solidFill>
-            </a:endParaRPr>
           </a:p>
         </p:txBody>
       </p:sp>
@@ -22278,13 +22062,6 @@
   <p:clrMapOvr>
     <a:masterClrMapping/>
   </p:clrMapOvr>
-  <p:timing>
-    <p:tnLst>
-      <p:par>
-        <p:cTn xmlns:p14="http://schemas.microsoft.com/office/powerpoint/2010/main" id="1" dur="indefinite" restart="never" nodeType="tmRoot"/>
-      </p:par>
-    </p:tnLst>
-  </p:timing>
 </p:sld>
 </file>
 
@@ -22332,21 +22109,8 @@
                   <a:srgbClr val="7F7F7F"/>
                 </a:solidFill>
               </a:rPr>
-              <a:t>2</a:t>
-            </a:r>
-            <a:r>
-              <a:rPr lang="fr-FR" dirty="0" smtClean="0">
-                <a:solidFill>
-                  <a:srgbClr val="7F7F7F"/>
-                </a:solidFill>
-              </a:rPr>
-              <a:t>) Design du front</a:t>
-            </a:r>
-            <a:endParaRPr lang="fr-FR" dirty="0">
-              <a:solidFill>
-                <a:srgbClr val="7F7F7F"/>
-              </a:solidFill>
-            </a:endParaRPr>
+              <a:t>2) Design du front</a:t>
+            </a:r>
           </a:p>
         </p:txBody>
       </p:sp>
@@ -22378,7 +22142,7 @@
           </a:prstGeom>
           <a:extLst>
             <a:ext uri="{FAA26D3D-D897-4be2-8F04-BA451C77F1D7}">
-              <ma14:placeholderFlag xmlns:ma14="http://schemas.microsoft.com/office/mac/drawingml/2011/main"/>
+              <ma14:placeholderFlag xmlns:ma14="http://schemas.microsoft.com/office/mac/drawingml/2011/main" xmlns=""/>
             </a:ext>
           </a:extLst>
         </p:spPr>
@@ -22411,7 +22175,7 @@
           </a:prstGeom>
           <a:extLst>
             <a:ext uri="{FAA26D3D-D897-4be2-8F04-BA451C77F1D7}">
-              <ma14:placeholderFlag xmlns:ma14="http://schemas.microsoft.com/office/mac/drawingml/2011/main"/>
+              <ma14:placeholderFlag xmlns:ma14="http://schemas.microsoft.com/office/mac/drawingml/2011/main" xmlns=""/>
             </a:ext>
           </a:extLst>
         </p:spPr>
@@ -22439,18 +22203,13 @@
           <a:lstStyle/>
           <a:p>
             <a:r>
-              <a:rPr lang="fr-FR" sz="2400" dirty="0" smtClean="0">
+              <a:rPr lang="fr-FR" sz="2400" dirty="0">
                 <a:solidFill>
                   <a:srgbClr val="7F7F7F"/>
                 </a:solidFill>
               </a:rPr>
               <a:t>Page des albums photos</a:t>
             </a:r>
-            <a:endParaRPr lang="fr-FR" sz="2400" dirty="0">
-              <a:solidFill>
-                <a:srgbClr val="7F7F7F"/>
-              </a:solidFill>
-            </a:endParaRPr>
           </a:p>
         </p:txBody>
       </p:sp>
@@ -22477,18 +22236,13 @@
           <a:lstStyle/>
           <a:p>
             <a:r>
-              <a:rPr lang="fr-FR" sz="2400" dirty="0" smtClean="0">
+              <a:rPr lang="fr-FR" sz="2400" dirty="0">
                 <a:solidFill>
                   <a:srgbClr val="7F7F7F"/>
                 </a:solidFill>
               </a:rPr>
               <a:t>Page de profil</a:t>
             </a:r>
-            <a:endParaRPr lang="fr-FR" sz="2400" dirty="0">
-              <a:solidFill>
-                <a:srgbClr val="7F7F7F"/>
-              </a:solidFill>
-            </a:endParaRPr>
           </a:p>
         </p:txBody>
       </p:sp>
@@ -22502,13 +22256,6 @@
   <p:clrMapOvr>
     <a:masterClrMapping/>
   </p:clrMapOvr>
-  <p:timing>
-    <p:tnLst>
-      <p:par>
-        <p:cTn xmlns:p14="http://schemas.microsoft.com/office/powerpoint/2010/main" id="1" dur="indefinite" restart="never" nodeType="tmRoot"/>
-      </p:par>
-    </p:tnLst>
-  </p:timing>
 </p:sld>
 </file>
 
@@ -22558,25 +22305,17 @@
                   <a:srgbClr val="7F7F7F"/>
                 </a:solidFill>
               </a:rPr>
-              <a:t>3) Spécifications </a:t>
-            </a:r>
-            <a:r>
-              <a:rPr lang="fr-FR" dirty="0" smtClean="0">
-                <a:solidFill>
-                  <a:srgbClr val="7F7F7F"/>
-                </a:solidFill>
-              </a:rPr>
-              <a:t>fonctionnelles des</a:t>
+              <a:t>3) Spécifications fonctionnelles des</a:t>
             </a:r>
             <a:br>
-              <a:rPr lang="fr-FR" dirty="0" smtClean="0">
+              <a:rPr lang="fr-FR" dirty="0">
                 <a:solidFill>
                   <a:srgbClr val="7F7F7F"/>
                 </a:solidFill>
               </a:rPr>
             </a:br>
             <a:r>
-              <a:rPr lang="fr-FR" dirty="0" smtClean="0">
+              <a:rPr lang="fr-FR" dirty="0">
                 <a:solidFill>
                   <a:srgbClr val="7F7F7F"/>
                 </a:solidFill>
@@ -22706,13 +22445,6 @@
   <p:clrMapOvr>
     <a:masterClrMapping/>
   </p:clrMapOvr>
-  <p:timing>
-    <p:tnLst>
-      <p:par>
-        <p:cTn xmlns:p14="http://schemas.microsoft.com/office/powerpoint/2010/main" id="1" dur="indefinite" restart="never" nodeType="tmRoot"/>
-      </p:par>
-    </p:tnLst>
-  </p:timing>
 </p:sld>
 </file>
 
@@ -22794,21 +22526,8 @@
                   <a:srgbClr val="7F7F7F"/>
                 </a:solidFill>
               </a:rPr>
-              <a:t>4</a:t>
-            </a:r>
-            <a:r>
-              <a:rPr lang="fr-FR" dirty="0" smtClean="0">
-                <a:solidFill>
-                  <a:srgbClr val="7F7F7F"/>
-                </a:solidFill>
-              </a:rPr>
-              <a:t>) Versioning Git</a:t>
-            </a:r>
-            <a:endParaRPr lang="fr-FR" dirty="0">
-              <a:solidFill>
-                <a:srgbClr val="7F7F7F"/>
-              </a:solidFill>
-            </a:endParaRPr>
+              <a:t>4) Versioning Git</a:t>
+            </a:r>
           </a:p>
         </p:txBody>
       </p:sp>
@@ -22838,7 +22557,7 @@
               <a:buNone/>
             </a:pPr>
             <a:r>
-              <a:rPr lang="fr-FR" sz="1600" dirty="0" smtClean="0">
+              <a:rPr lang="fr-FR" sz="1600" dirty="0">
                 <a:solidFill>
                   <a:schemeClr val="tx1">
                     <a:lumMod val="50000"/>
@@ -22849,7 +22568,7 @@
               <a:t>Lien du versioning GIT : </a:t>
             </a:r>
             <a:r>
-              <a:rPr lang="fr-FR" sz="1600" dirty="0" err="1" smtClean="0">
+              <a:rPr lang="fr-FR" sz="1600" dirty="0" err="1">
                 <a:solidFill>
                   <a:schemeClr val="tx1">
                     <a:lumMod val="50000"/>
@@ -22860,7 +22579,7 @@
               <a:t>https</a:t>
             </a:r>
             <a:r>
-              <a:rPr lang="fr-FR" sz="1600" dirty="0" smtClean="0">
+              <a:rPr lang="fr-FR" sz="1600" dirty="0">
                 <a:solidFill>
                   <a:schemeClr val="tx1">
                     <a:lumMod val="50000"/>
@@ -22871,7 +22590,7 @@
               <a:t>://</a:t>
             </a:r>
             <a:r>
-              <a:rPr lang="fr-FR" sz="1600" dirty="0" err="1" smtClean="0">
+              <a:rPr lang="fr-FR" sz="1600" dirty="0" err="1">
                 <a:solidFill>
                   <a:schemeClr val="tx1">
                     <a:lumMod val="50000"/>
@@ -22882,7 +22601,7 @@
               <a:t>github.com</a:t>
             </a:r>
             <a:r>
-              <a:rPr lang="fr-FR" sz="1600" dirty="0" smtClean="0">
+              <a:rPr lang="fr-FR" sz="1600" dirty="0">
                 <a:solidFill>
                   <a:schemeClr val="tx1">
                     <a:lumMod val="50000"/>
@@ -22893,7 +22612,7 @@
               <a:t>/</a:t>
             </a:r>
             <a:r>
-              <a:rPr lang="fr-FR" sz="1600" dirty="0" err="1" smtClean="0">
+              <a:rPr lang="fr-FR" sz="1600" dirty="0" err="1">
                 <a:solidFill>
                   <a:schemeClr val="tx1">
                     <a:lumMod val="50000"/>
@@ -22904,7 +22623,7 @@
               <a:t>HugoFerreiraDosSantos</a:t>
             </a:r>
             <a:r>
-              <a:rPr lang="fr-FR" sz="1600" dirty="0" smtClean="0">
+              <a:rPr lang="fr-FR" sz="1600" dirty="0">
                 <a:solidFill>
                   <a:schemeClr val="tx1">
                     <a:lumMod val="50000"/>
@@ -22914,8 +22633,8 @@
               </a:rPr>
               <a:t>/Projet-Piscine</a:t>
             </a:r>
-            <a:r>
-              <a:rPr lang="fr-FR" sz="1600" dirty="0" smtClean="0">
+            <a:br>
+              <a:rPr lang="fr-FR" sz="1600" dirty="0">
                 <a:solidFill>
                   <a:schemeClr val="tx1">
                     <a:lumMod val="50000"/>
@@ -22923,124 +22642,66 @@
                   </a:schemeClr>
                 </a:solidFill>
               </a:rPr>
-              <a:t/>
+            </a:br>
+            <a:r>
+              <a:rPr lang="fr-FR" sz="1600" dirty="0">
+                <a:solidFill>
+                  <a:schemeClr val="bg1">
+                    <a:lumMod val="50000"/>
+                  </a:schemeClr>
+                </a:solidFill>
+              </a:rPr>
+              <a:t>Login : </a:t>
+            </a:r>
+            <a:r>
+              <a:rPr lang="fr-FR" sz="1600" dirty="0" err="1">
+                <a:solidFill>
+                  <a:schemeClr val="bg1">
+                    <a:lumMod val="50000"/>
+                  </a:schemeClr>
+                </a:solidFill>
+              </a:rPr>
+              <a:t>hugo.ferreira-dos-santos@edu.ece.fr</a:t>
+            </a:r>
+            <a:r>
+              <a:rPr lang="fr-FR" sz="1600" dirty="0">
+                <a:solidFill>
+                  <a:schemeClr val="bg1">
+                    <a:lumMod val="50000"/>
+                  </a:schemeClr>
+                </a:solidFill>
+              </a:rPr>
+              <a:t> </a:t>
             </a:r>
             <a:br>
-              <a:rPr lang="fr-FR" sz="1600" dirty="0" smtClean="0">
-                <a:solidFill>
-                  <a:schemeClr val="tx1">
+              <a:rPr lang="fr-FR" sz="1600" dirty="0">
+                <a:solidFill>
+                  <a:schemeClr val="bg1">
                     <a:lumMod val="50000"/>
-                    <a:lumOff val="50000"/>
                   </a:schemeClr>
                 </a:solidFill>
               </a:rPr>
             </a:br>
             <a:r>
-              <a:rPr lang="fr-FR" sz="1600" dirty="0" smtClean="0">
+              <a:rPr lang="fr-FR" sz="1600" dirty="0" err="1">
                 <a:solidFill>
                   <a:schemeClr val="bg1">
                     <a:lumMod val="50000"/>
                   </a:schemeClr>
                 </a:solidFill>
               </a:rPr>
-              <a:t>Login </a:t>
-            </a:r>
-            <a:r>
-              <a:rPr lang="fr-FR" sz="1600" dirty="0" smtClean="0">
+              <a:t>Password</a:t>
+            </a:r>
+            <a:r>
+              <a:rPr lang="fr-FR" sz="1600" dirty="0">
                 <a:solidFill>
                   <a:schemeClr val="bg1">
                     <a:lumMod val="50000"/>
                   </a:schemeClr>
                 </a:solidFill>
               </a:rPr>
-              <a:t>: </a:t>
-            </a:r>
-            <a:r>
-              <a:rPr lang="fr-FR" sz="1600" dirty="0" err="1" smtClean="0">
-                <a:solidFill>
-                  <a:schemeClr val="bg1">
-                    <a:lumMod val="50000"/>
-                  </a:schemeClr>
-                </a:solidFill>
-              </a:rPr>
-              <a:t>hugo.ferreira-dos-santos@edu</a:t>
-            </a:r>
-            <a:r>
-              <a:rPr lang="fr-FR" sz="1600" dirty="0" err="1" smtClean="0">
-                <a:solidFill>
-                  <a:schemeClr val="bg1">
-                    <a:lumMod val="50000"/>
-                  </a:schemeClr>
-                </a:solidFill>
-              </a:rPr>
-              <a:t>.ece.fr</a:t>
-            </a:r>
-            <a:r>
-              <a:rPr lang="fr-FR" sz="1600" dirty="0" smtClean="0">
-                <a:solidFill>
-                  <a:schemeClr val="bg1">
-                    <a:lumMod val="50000"/>
-                  </a:schemeClr>
-                </a:solidFill>
-              </a:rPr>
-              <a:t> </a:t>
-            </a:r>
-            <a:r>
-              <a:rPr lang="fr-FR" sz="1600" dirty="0" smtClean="0">
-                <a:solidFill>
-                  <a:schemeClr val="bg1">
-                    <a:lumMod val="50000"/>
-                  </a:schemeClr>
-                </a:solidFill>
-              </a:rPr>
-              <a:t/>
-            </a:r>
-            <a:br>
-              <a:rPr lang="fr-FR" sz="1600" dirty="0" smtClean="0">
-                <a:solidFill>
-                  <a:schemeClr val="bg1">
-                    <a:lumMod val="50000"/>
-                  </a:schemeClr>
-                </a:solidFill>
-              </a:rPr>
-            </a:br>
-            <a:r>
-              <a:rPr lang="fr-FR" sz="1600" dirty="0" err="1" smtClean="0">
-                <a:solidFill>
-                  <a:schemeClr val="bg1">
-                    <a:lumMod val="50000"/>
-                  </a:schemeClr>
-                </a:solidFill>
-              </a:rPr>
-              <a:t>Password</a:t>
-            </a:r>
-            <a:r>
-              <a:rPr lang="fr-FR" sz="1600" dirty="0" smtClean="0">
-                <a:solidFill>
-                  <a:schemeClr val="bg1">
-                    <a:lumMod val="50000"/>
-                  </a:schemeClr>
-                </a:solidFill>
-              </a:rPr>
-              <a:t> : </a:t>
-            </a:r>
-            <a:r>
-              <a:rPr lang="fr-FR" sz="1600" dirty="0" smtClean="0">
-                <a:solidFill>
-                  <a:schemeClr val="bg1">
-                    <a:lumMod val="50000"/>
-                  </a:schemeClr>
-                </a:solidFill>
-              </a:rPr>
-              <a:t>ecehopital1</a:t>
-            </a:r>
-            <a:endParaRPr lang="fr-FR" sz="1600" dirty="0">
-              <a:solidFill>
-                <a:schemeClr val="bg1">
-                  <a:lumMod val="50000"/>
-                </a:schemeClr>
-              </a:solidFill>
-            </a:endParaRPr>
+              <a:t> : ecehopital1</a:t>
+            </a:r>
           </a:p>
           <a:p>
             <a:pPr marL="0" indent="0">
@@ -23080,7 +22741,7 @@
           <a:lstStyle/>
           <a:p>
             <a:r>
-              <a:rPr lang="fr-FR" sz="2400" dirty="0" smtClean="0">
+              <a:rPr lang="fr-FR" sz="2400" dirty="0">
                 <a:solidFill>
                   <a:srgbClr val="7F7F7F"/>
                 </a:solidFill>
@@ -23088,7 +22749,7 @@
               <a:t>Capture d’écran du versioning sous </a:t>
             </a:r>
             <a:r>
-              <a:rPr lang="fr-FR" sz="2400" dirty="0" err="1" smtClean="0">
+              <a:rPr lang="fr-FR" sz="2400" dirty="0" err="1">
                 <a:solidFill>
                   <a:srgbClr val="7F7F7F"/>
                 </a:solidFill>
@@ -23113,13 +22774,6 @@
   <p:clrMapOvr>
     <a:masterClrMapping/>
   </p:clrMapOvr>
-  <p:timing>
-    <p:tnLst>
-      <p:par>
-        <p:cTn xmlns:p14="http://schemas.microsoft.com/office/powerpoint/2010/main" id="1" dur="indefinite" restart="never" nodeType="tmRoot"/>
-      </p:par>
-    </p:tnLst>
-  </p:timing>
 </p:sld>
 </file>
 
@@ -23374,7 +23028,7 @@
   <a:extraClrSchemeLst/>
   <a:extLst>
     <a:ext uri="{05A4C25C-085E-4340-85A3-A5531E510DB2}">
-      <thm15:themeFamily xmlns:thm15="http://schemas.microsoft.com/office/thememl/2012/main" xmlns="" name="Facet" id="{C0C680CD-088A-49FC-A102-D699147F32B2}" vid="{0B5AB586-D108-4FC1-8368-649FE654B894}"/>
+      <thm15:themeFamily xmlns:thm15="http://schemas.microsoft.com/office/thememl/2012/main" name="Facet" id="{C0C680CD-088A-49FC-A102-D699147F32B2}" vid="{0B5AB586-D108-4FC1-8368-649FE654B894}"/>
     </a:ext>
   </a:extLst>
 </a:theme>
@@ -23631,7 +23285,7 @@
   <a:extraClrSchemeLst/>
   <a:extLst>
     <a:ext uri="{05A4C25C-085E-4340-85A3-A5531E510DB2}">
-      <thm15:themeFamily xmlns:thm15="http://schemas.microsoft.com/office/thememl/2012/main" xmlns="" name="Facet" id="{C0C680CD-088A-49FC-A102-D699147F32B2}" vid="{0B5AB586-D108-4FC1-8368-649FE654B894}"/>
+      <thm15:themeFamily xmlns:thm15="http://schemas.microsoft.com/office/thememl/2012/main" name="Facet" id="{C0C680CD-088A-49FC-A102-D699147F32B2}" vid="{0B5AB586-D108-4FC1-8368-649FE654B894}"/>
     </a:ext>
   </a:extLst>
 </a:theme>
@@ -23888,7 +23542,7 @@
   <a:extraClrSchemeLst/>
   <a:extLst>
     <a:ext uri="{05A4C25C-085E-4340-85A3-A5531E510DB2}">
-      <thm15:themeFamily xmlns:thm15="http://schemas.microsoft.com/office/thememl/2012/main" xmlns="" name="Facet" id="{C0C680CD-088A-49FC-A102-D699147F32B2}" vid="{0B5AB586-D108-4FC1-8368-649FE654B894}"/>
+      <thm15:themeFamily xmlns:thm15="http://schemas.microsoft.com/office/thememl/2012/main" name="Facet" id="{C0C680CD-088A-49FC-A102-D699147F32B2}" vid="{0B5AB586-D108-4FC1-8368-649FE654B894}"/>
     </a:ext>
   </a:extLst>
 </a:theme>

--- a/Oral 05-05.pptx
+++ b/Oral 05-05.pptx
@@ -923,7 +923,7 @@
           <a:p>
             <a:fld id="{4FEE191A-8D90-4505-B0FF-FDEF0A3BF262}" type="slidenum">
               <a:rPr lang="fr-FR" smtClean="0"/>
-              <a:t>‹#›</a:t>
+              <a:t>‹N°›</a:t>
             </a:fld>
             <a:endParaRPr lang="fr-FR"/>
           </a:p>
@@ -1174,7 +1174,7 @@
           <a:p>
             <a:fld id="{4FEE191A-8D90-4505-B0FF-FDEF0A3BF262}" type="slidenum">
               <a:rPr lang="fr-FR" smtClean="0"/>
-              <a:t>‹#›</a:t>
+              <a:t>‹N°›</a:t>
             </a:fld>
             <a:endParaRPr lang="fr-FR"/>
           </a:p>
@@ -1488,7 +1488,7 @@
           <a:p>
             <a:fld id="{4FEE191A-8D90-4505-B0FF-FDEF0A3BF262}" type="slidenum">
               <a:rPr lang="fr-FR" smtClean="0"/>
-              <a:t>‹#›</a:t>
+              <a:t>‹N°›</a:t>
             </a:fld>
             <a:endParaRPr lang="fr-FR"/>
           </a:p>
@@ -1821,7 +1821,7 @@
           <a:p>
             <a:fld id="{4FEE191A-8D90-4505-B0FF-FDEF0A3BF262}" type="slidenum">
               <a:rPr lang="fr-FR" smtClean="0"/>
-              <a:t>‹#›</a:t>
+              <a:t>‹N°›</a:t>
             </a:fld>
             <a:endParaRPr lang="fr-FR"/>
           </a:p>
@@ -2135,7 +2135,7 @@
           <a:p>
             <a:fld id="{4FEE191A-8D90-4505-B0FF-FDEF0A3BF262}" type="slidenum">
               <a:rPr lang="fr-FR" smtClean="0"/>
-              <a:t>‹#›</a:t>
+              <a:t>‹N°›</a:t>
             </a:fld>
             <a:endParaRPr lang="fr-FR"/>
           </a:p>
@@ -2528,7 +2528,7 @@
           <a:p>
             <a:fld id="{4FEE191A-8D90-4505-B0FF-FDEF0A3BF262}" type="slidenum">
               <a:rPr lang="fr-FR" smtClean="0"/>
-              <a:t>‹#›</a:t>
+              <a:t>‹N°›</a:t>
             </a:fld>
             <a:endParaRPr lang="fr-FR"/>
           </a:p>
@@ -2698,7 +2698,7 @@
           <a:p>
             <a:fld id="{4FEE191A-8D90-4505-B0FF-FDEF0A3BF262}" type="slidenum">
               <a:rPr lang="fr-FR" smtClean="0"/>
-              <a:t>‹#›</a:t>
+              <a:t>‹N°›</a:t>
             </a:fld>
             <a:endParaRPr lang="fr-FR"/>
           </a:p>
@@ -2878,7 +2878,7 @@
           <a:p>
             <a:fld id="{4FEE191A-8D90-4505-B0FF-FDEF0A3BF262}" type="slidenum">
               <a:rPr lang="fr-FR" smtClean="0"/>
-              <a:t>‹#›</a:t>
+              <a:t>‹N°›</a:t>
             </a:fld>
             <a:endParaRPr lang="fr-FR"/>
           </a:p>
@@ -3712,7 +3712,7 @@
                 <a:latin typeface="Trebuchet MS"/>
               </a:rPr>
               <a:pPr/>
-              <a:t>‹#›</a:t>
+              <a:t>‹N°›</a:t>
             </a:fld>
             <a:endParaRPr lang="fr-FR">
               <a:solidFill>
@@ -3915,7 +3915,7 @@
                 <a:latin typeface="Trebuchet MS"/>
               </a:rPr>
               <a:pPr/>
-              <a:t>‹#›</a:t>
+              <a:t>‹N°›</a:t>
             </a:fld>
             <a:endParaRPr lang="fr-FR">
               <a:solidFill>
@@ -4195,7 +4195,7 @@
                 <a:latin typeface="Trebuchet MS"/>
               </a:rPr>
               <a:pPr/>
-              <a:t>‹#›</a:t>
+              <a:t>‹N°›</a:t>
             </a:fld>
             <a:endParaRPr lang="fr-FR">
               <a:solidFill>
@@ -4370,7 +4370,7 @@
           <a:p>
             <a:fld id="{4FEE191A-8D90-4505-B0FF-FDEF0A3BF262}" type="slidenum">
               <a:rPr lang="fr-FR" smtClean="0"/>
-              <a:t>‹#›</a:t>
+              <a:t>‹N°›</a:t>
             </a:fld>
             <a:endParaRPr lang="fr-FR"/>
           </a:p>
@@ -4630,7 +4630,7 @@
                 <a:latin typeface="Trebuchet MS"/>
               </a:rPr>
               <a:pPr/>
-              <a:t>‹#›</a:t>
+              <a:t>‹N°›</a:t>
             </a:fld>
             <a:endParaRPr lang="fr-FR">
               <a:solidFill>
@@ -5037,7 +5037,7 @@
                 <a:latin typeface="Trebuchet MS"/>
               </a:rPr>
               <a:pPr/>
-              <a:t>‹#›</a:t>
+              <a:t>‹N°›</a:t>
             </a:fld>
             <a:endParaRPr lang="fr-FR">
               <a:solidFill>
@@ -5193,7 +5193,7 @@
                 <a:latin typeface="Trebuchet MS"/>
               </a:rPr>
               <a:pPr/>
-              <a:t>‹#›</a:t>
+              <a:t>‹N°›</a:t>
             </a:fld>
             <a:endParaRPr lang="fr-FR">
               <a:solidFill>
@@ -5321,7 +5321,7 @@
                 <a:latin typeface="Trebuchet MS"/>
               </a:rPr>
               <a:pPr/>
-              <a:t>‹#›</a:t>
+              <a:t>‹N°›</a:t>
             </a:fld>
             <a:endParaRPr lang="fr-FR">
               <a:solidFill>
@@ -5609,7 +5609,7 @@
                 <a:latin typeface="Trebuchet MS"/>
               </a:rPr>
               <a:pPr/>
-              <a:t>‹#›</a:t>
+              <a:t>‹N°›</a:t>
             </a:fld>
             <a:endParaRPr lang="fr-FR">
               <a:solidFill>
@@ -5867,7 +5867,7 @@
                 <a:latin typeface="Trebuchet MS"/>
               </a:rPr>
               <a:pPr/>
-              <a:t>‹#›</a:t>
+              <a:t>‹N°›</a:t>
             </a:fld>
             <a:endParaRPr lang="fr-FR">
               <a:solidFill>
@@ -6189,7 +6189,7 @@
                 <a:latin typeface="Trebuchet MS"/>
               </a:rPr>
               <a:pPr/>
-              <a:t>‹#›</a:t>
+              <a:t>‹N°›</a:t>
             </a:fld>
             <a:endParaRPr lang="fr-FR">
               <a:solidFill>
@@ -6536,7 +6536,7 @@
                 <a:latin typeface="Trebuchet MS"/>
               </a:rPr>
               <a:pPr/>
-              <a:t>‹#›</a:t>
+              <a:t>‹N°›</a:t>
             </a:fld>
             <a:endParaRPr lang="fr-FR">
               <a:solidFill>
@@ -6898,7 +6898,7 @@
                 <a:latin typeface="Trebuchet MS"/>
               </a:rPr>
               <a:pPr/>
-              <a:t>‹#›</a:t>
+              <a:t>‹N°›</a:t>
             </a:fld>
             <a:endParaRPr lang="fr-FR">
               <a:solidFill>
@@ -7245,7 +7245,7 @@
                 <a:latin typeface="Trebuchet MS"/>
               </a:rPr>
               <a:pPr/>
-              <a:t>‹#›</a:t>
+              <a:t>‹N°›</a:t>
             </a:fld>
             <a:endParaRPr lang="fr-FR">
               <a:solidFill>
@@ -7575,7 +7575,7 @@
           <a:p>
             <a:fld id="{4FEE191A-8D90-4505-B0FF-FDEF0A3BF262}" type="slidenum">
               <a:rPr lang="fr-FR" smtClean="0"/>
-              <a:t>‹#›</a:t>
+              <a:t>‹N°›</a:t>
             </a:fld>
             <a:endParaRPr lang="fr-FR"/>
           </a:p>
@@ -7914,7 +7914,7 @@
                 <a:latin typeface="Trebuchet MS"/>
               </a:rPr>
               <a:pPr/>
-              <a:t>‹#›</a:t>
+              <a:t>‹N°›</a:t>
             </a:fld>
             <a:endParaRPr lang="fr-FR">
               <a:solidFill>
@@ -8117,7 +8117,7 @@
                 <a:latin typeface="Trebuchet MS"/>
               </a:rPr>
               <a:pPr/>
-              <a:t>‹#›</a:t>
+              <a:t>‹N°›</a:t>
             </a:fld>
             <a:endParaRPr lang="fr-FR">
               <a:solidFill>
@@ -8330,7 +8330,7 @@
                 <a:latin typeface="Trebuchet MS"/>
               </a:rPr>
               <a:pPr/>
-              <a:t>‹#›</a:t>
+              <a:t>‹N°›</a:t>
             </a:fld>
             <a:endParaRPr lang="fr-FR">
               <a:solidFill>
@@ -9169,7 +9169,7 @@
                 <a:latin typeface="Trebuchet MS"/>
               </a:rPr>
               <a:pPr/>
-              <a:t>‹#›</a:t>
+              <a:t>‹N°›</a:t>
             </a:fld>
             <a:endParaRPr lang="fr-FR">
               <a:solidFill>
@@ -9372,7 +9372,7 @@
                 <a:latin typeface="Trebuchet MS"/>
               </a:rPr>
               <a:pPr/>
-              <a:t>‹#›</a:t>
+              <a:t>‹N°›</a:t>
             </a:fld>
             <a:endParaRPr lang="fr-FR">
               <a:solidFill>
@@ -9652,7 +9652,7 @@
                 <a:latin typeface="Trebuchet MS"/>
               </a:rPr>
               <a:pPr/>
-              <a:t>‹#›</a:t>
+              <a:t>‹N°›</a:t>
             </a:fld>
             <a:endParaRPr lang="fr-FR">
               <a:solidFill>
@@ -9917,7 +9917,7 @@
                 <a:latin typeface="Trebuchet MS"/>
               </a:rPr>
               <a:pPr/>
-              <a:t>‹#›</a:t>
+              <a:t>‹N°›</a:t>
             </a:fld>
             <a:endParaRPr lang="fr-FR">
               <a:solidFill>
@@ -10324,7 +10324,7 @@
                 <a:latin typeface="Trebuchet MS"/>
               </a:rPr>
               <a:pPr/>
-              <a:t>‹#›</a:t>
+              <a:t>‹N°›</a:t>
             </a:fld>
             <a:endParaRPr lang="fr-FR">
               <a:solidFill>
@@ -10480,7 +10480,7 @@
                 <a:latin typeface="Trebuchet MS"/>
               </a:rPr>
               <a:pPr/>
-              <a:t>‹#›</a:t>
+              <a:t>‹N°›</a:t>
             </a:fld>
             <a:endParaRPr lang="fr-FR">
               <a:solidFill>
@@ -10608,7 +10608,7 @@
                 <a:latin typeface="Trebuchet MS"/>
               </a:rPr>
               <a:pPr/>
-              <a:t>‹#›</a:t>
+              <a:t>‹N°›</a:t>
             </a:fld>
             <a:endParaRPr lang="fr-FR">
               <a:solidFill>
@@ -10845,7 +10845,7 @@
           <a:p>
             <a:fld id="{4FEE191A-8D90-4505-B0FF-FDEF0A3BF262}" type="slidenum">
               <a:rPr lang="fr-FR" smtClean="0"/>
-              <a:t>‹#›</a:t>
+              <a:t>‹N°›</a:t>
             </a:fld>
             <a:endParaRPr lang="fr-FR"/>
           </a:p>
@@ -11128,7 +11128,7 @@
                 <a:latin typeface="Trebuchet MS"/>
               </a:rPr>
               <a:pPr/>
-              <a:t>‹#›</a:t>
+              <a:t>‹N°›</a:t>
             </a:fld>
             <a:endParaRPr lang="fr-FR">
               <a:solidFill>
@@ -11386,7 +11386,7 @@
                 <a:latin typeface="Trebuchet MS"/>
               </a:rPr>
               <a:pPr/>
-              <a:t>‹#›</a:t>
+              <a:t>‹N°›</a:t>
             </a:fld>
             <a:endParaRPr lang="fr-FR">
               <a:solidFill>
@@ -11708,7 +11708,7 @@
                 <a:latin typeface="Trebuchet MS"/>
               </a:rPr>
               <a:pPr/>
-              <a:t>‹#›</a:t>
+              <a:t>‹N°›</a:t>
             </a:fld>
             <a:endParaRPr lang="fr-FR">
               <a:solidFill>
@@ -12055,7 +12055,7 @@
                 <a:latin typeface="Trebuchet MS"/>
               </a:rPr>
               <a:pPr/>
-              <a:t>‹#›</a:t>
+              <a:t>‹N°›</a:t>
             </a:fld>
             <a:endParaRPr lang="fr-FR">
               <a:solidFill>
@@ -12417,7 +12417,7 @@
                 <a:latin typeface="Trebuchet MS"/>
               </a:rPr>
               <a:pPr/>
-              <a:t>‹#›</a:t>
+              <a:t>‹N°›</a:t>
             </a:fld>
             <a:endParaRPr lang="fr-FR">
               <a:solidFill>
@@ -12764,7 +12764,7 @@
                 <a:latin typeface="Trebuchet MS"/>
               </a:rPr>
               <a:pPr/>
-              <a:t>‹#›</a:t>
+              <a:t>‹N°›</a:t>
             </a:fld>
             <a:endParaRPr lang="fr-FR">
               <a:solidFill>
@@ -13186,7 +13186,7 @@
                 <a:latin typeface="Trebuchet MS"/>
               </a:rPr>
               <a:pPr/>
-              <a:t>‹#›</a:t>
+              <a:t>‹N°›</a:t>
             </a:fld>
             <a:endParaRPr lang="fr-FR">
               <a:solidFill>
@@ -13389,7 +13389,7 @@
                 <a:latin typeface="Trebuchet MS"/>
               </a:rPr>
               <a:pPr/>
-              <a:t>‹#›</a:t>
+              <a:t>‹N°›</a:t>
             </a:fld>
             <a:endParaRPr lang="fr-FR">
               <a:solidFill>
@@ -13602,7 +13602,7 @@
                 <a:latin typeface="Trebuchet MS"/>
               </a:rPr>
               <a:pPr/>
-              <a:t>‹#›</a:t>
+              <a:t>‹N°›</a:t>
             </a:fld>
             <a:endParaRPr lang="fr-FR">
               <a:solidFill>
@@ -13981,7 +13981,7 @@
           <a:p>
             <a:fld id="{4FEE191A-8D90-4505-B0FF-FDEF0A3BF262}" type="slidenum">
               <a:rPr lang="fr-FR" smtClean="0"/>
-              <a:t>‹#›</a:t>
+              <a:t>‹N°›</a:t>
             </a:fld>
             <a:endParaRPr lang="fr-FR"/>
           </a:p>
@@ -14104,7 +14104,7 @@
           <a:p>
             <a:fld id="{4FEE191A-8D90-4505-B0FF-FDEF0A3BF262}" type="slidenum">
               <a:rPr lang="fr-FR" smtClean="0"/>
-              <a:t>‹#›</a:t>
+              <a:t>‹N°›</a:t>
             </a:fld>
             <a:endParaRPr lang="fr-FR"/>
           </a:p>
@@ -14199,7 +14199,7 @@
           <a:p>
             <a:fld id="{4FEE191A-8D90-4505-B0FF-FDEF0A3BF262}" type="slidenum">
               <a:rPr lang="fr-FR" smtClean="0"/>
-              <a:t>‹#›</a:t>
+              <a:t>‹N°›</a:t>
             </a:fld>
             <a:endParaRPr lang="fr-FR"/>
           </a:p>
@@ -14454,7 +14454,7 @@
           <a:p>
             <a:fld id="{4FEE191A-8D90-4505-B0FF-FDEF0A3BF262}" type="slidenum">
               <a:rPr lang="fr-FR" smtClean="0"/>
-              <a:t>‹#›</a:t>
+              <a:t>‹N°›</a:t>
             </a:fld>
             <a:endParaRPr lang="fr-FR"/>
           </a:p>
@@ -14694,7 +14694,7 @@
           <a:p>
             <a:fld id="{4FEE191A-8D90-4505-B0FF-FDEF0A3BF262}" type="slidenum">
               <a:rPr lang="fr-FR" smtClean="0"/>
-              <a:t>‹#›</a:t>
+              <a:t>‹N°›</a:t>
             </a:fld>
             <a:endParaRPr lang="fr-FR"/>
           </a:p>
@@ -15495,7 +15495,7 @@
           <a:p>
             <a:fld id="{4FEE191A-8D90-4505-B0FF-FDEF0A3BF262}" type="slidenum">
               <a:rPr lang="fr-FR" smtClean="0"/>
-              <a:t>‹#›</a:t>
+              <a:t>‹N°›</a:t>
             </a:fld>
             <a:endParaRPr lang="fr-FR"/>
           </a:p>
@@ -16713,7 +16713,7 @@
                 <a:latin typeface="Trebuchet MS"/>
               </a:rPr>
               <a:pPr/>
-              <a:t>‹#›</a:t>
+              <a:t>‹N°›</a:t>
             </a:fld>
             <a:endParaRPr lang="fr-FR">
               <a:solidFill>
@@ -17936,7 +17936,7 @@
                 <a:latin typeface="Trebuchet MS"/>
               </a:rPr>
               <a:pPr/>
-              <a:t>‹#›</a:t>
+              <a:t>‹N°›</a:t>
             </a:fld>
             <a:endParaRPr lang="fr-FR">
               <a:solidFill>
@@ -18814,7 +18814,7 @@
         </p:spPr>
         <p:txBody>
           <a:bodyPr vert="horz" lIns="91440" tIns="45720" rIns="91440" bIns="45720" rtlCol="0" anchor="t">
-            <a:normAutofit/>
+            <a:normAutofit lnSpcReduction="10000"/>
           </a:bodyPr>
           <a:lstStyle>
             <a:lvl1pPr algn="l" defTabSz="457200" rtl="0" eaLnBrk="1" latinLnBrk="0" hangingPunct="1">
@@ -18914,6 +18914,94 @@
             </a:endParaRPr>
           </a:p>
           <a:p>
+            <a:pPr lvl="1">
+              <a:buFont typeface="Arial"/>
+              <a:buChar char="•"/>
+            </a:pPr>
+            <a:r>
+              <a:rPr lang="fr-FR" sz="1600" dirty="0">
+                <a:solidFill>
+                  <a:srgbClr val="000000"/>
+                </a:solidFill>
+              </a:rPr>
+              <a:t> 1</a:t>
+            </a:r>
+            <a:r>
+              <a:rPr lang="fr-FR" sz="1600" baseline="30000" dirty="0">
+                <a:solidFill>
+                  <a:srgbClr val="000000"/>
+                </a:solidFill>
+              </a:rPr>
+              <a:t>e</a:t>
+            </a:r>
+            <a:r>
+              <a:rPr lang="fr-FR" sz="1600" dirty="0">
+                <a:solidFill>
+                  <a:srgbClr val="000000"/>
+                </a:solidFill>
+              </a:rPr>
+              <a:t> semaine intégralement sur un unique projet =&gt; très intéressant !</a:t>
+            </a:r>
+          </a:p>
+          <a:p>
+            <a:pPr lvl="1">
+              <a:buFont typeface="Arial"/>
+              <a:buChar char="•"/>
+            </a:pPr>
+            <a:endParaRPr lang="fr-FR" sz="1600" dirty="0">
+              <a:solidFill>
+                <a:srgbClr val="000000"/>
+              </a:solidFill>
+            </a:endParaRPr>
+          </a:p>
+          <a:p>
+            <a:pPr lvl="1">
+              <a:buFont typeface="Arial"/>
+              <a:buChar char="•"/>
+            </a:pPr>
+            <a:r>
+              <a:rPr lang="fr-FR" sz="1600" dirty="0">
+                <a:solidFill>
+                  <a:srgbClr val="000000"/>
+                </a:solidFill>
+              </a:rPr>
+              <a:t>  Cohésion parfaite entre les membres de l’équipe (niveau humain et professionnel)</a:t>
+            </a:r>
+          </a:p>
+          <a:p>
+            <a:pPr lvl="1">
+              <a:buFont typeface="Arial"/>
+              <a:buChar char="•"/>
+            </a:pPr>
+            <a:endParaRPr lang="fr-FR" sz="1600" dirty="0">
+              <a:solidFill>
+                <a:srgbClr val="000000"/>
+              </a:solidFill>
+            </a:endParaRPr>
+          </a:p>
+          <a:p>
+            <a:pPr lvl="1">
+              <a:buFont typeface="Arial"/>
+              <a:buChar char="•"/>
+            </a:pPr>
+            <a:r>
+              <a:rPr lang="fr-FR" sz="1600" dirty="0">
+                <a:solidFill>
+                  <a:srgbClr val="000000"/>
+                </a:solidFill>
+              </a:rPr>
+              <a:t>  Approfondissement de mes connaissances en web et de la préparation du projet (avant de commencer à coder)</a:t>
+            </a:r>
+          </a:p>
+          <a:p>
+            <a:pPr lvl="1"/>
+            <a:endParaRPr lang="fr-FR" sz="2000" dirty="0">
+              <a:solidFill>
+                <a:srgbClr val="000000"/>
+              </a:solidFill>
+            </a:endParaRPr>
+          </a:p>
+          <a:p>
             <a:pPr marL="457200" indent="-457200">
               <a:buFont typeface="Wingdings" charset="2"/>
               <a:buChar char="Ø"/>
@@ -18925,54 +19013,6 @@
             </a:endParaRPr>
           </a:p>
           <a:p>
-            <a:pPr marL="457200" indent="-457200">
-              <a:buFont typeface="Wingdings" charset="2"/>
-              <a:buChar char="Ø"/>
-            </a:pPr>
-            <a:endParaRPr lang="fr-FR" sz="2000" dirty="0">
-              <a:solidFill>
-                <a:schemeClr val="tx1"/>
-              </a:solidFill>
-            </a:endParaRPr>
-          </a:p>
-          <a:p>
-            <a:pPr marL="457200" indent="-457200">
-              <a:buFont typeface="Wingdings" charset="2"/>
-              <a:buChar char="Ø"/>
-            </a:pPr>
-            <a:endParaRPr lang="fr-FR" sz="2000" dirty="0">
-              <a:solidFill>
-                <a:schemeClr val="tx1"/>
-              </a:solidFill>
-            </a:endParaRPr>
-          </a:p>
-          <a:p>
-            <a:pPr marL="457200" indent="-457200">
-              <a:buFont typeface="Wingdings" charset="2"/>
-              <a:buChar char="Ø"/>
-            </a:pPr>
-            <a:endParaRPr lang="fr-FR" sz="2000" dirty="0">
-              <a:solidFill>
-                <a:schemeClr val="tx1"/>
-              </a:solidFill>
-            </a:endParaRPr>
-          </a:p>
-          <a:p>
-            <a:pPr marL="457200" indent="-457200">
-              <a:buFont typeface="Wingdings" charset="2"/>
-              <a:buChar char="Ø"/>
-            </a:pPr>
-            <a:endParaRPr lang="fr-FR" sz="2000" dirty="0">
-              <a:solidFill>
-                <a:schemeClr val="tx1"/>
-              </a:solidFill>
-            </a:endParaRPr>
-          </a:p>
-          <a:p>
-            <a:pPr marL="457200" indent="-457200">
-              <a:buFont typeface="Wingdings" charset="2"/>
-              <a:buChar char="Ø"/>
-            </a:pPr>
             <a:endParaRPr lang="fr-FR" sz="2000" dirty="0">
               <a:solidFill>
                 <a:schemeClr val="tx1"/>
@@ -19693,23 +19733,7 @@
                   <a:srgbClr val="000000"/>
                 </a:solidFill>
               </a:rPr>
-              <a:t>Template </a:t>
-            </a:r>
-            <a:r>
-              <a:rPr lang="fr-FR" sz="2000" dirty="0" err="1">
-                <a:solidFill>
-                  <a:srgbClr val="000000"/>
-                </a:solidFill>
-              </a:rPr>
-              <a:t>Bootstrap</a:t>
-            </a:r>
-            <a:r>
-              <a:rPr lang="fr-FR" sz="2000" dirty="0">
-                <a:solidFill>
-                  <a:srgbClr val="000000"/>
-                </a:solidFill>
-              </a:rPr>
-              <a:t> « </a:t>
+              <a:t>Template Bootstrap « </a:t>
             </a:r>
             <a:r>
               <a:rPr lang="fr-FR" sz="2000" dirty="0" err="1">
@@ -19752,12 +19776,149 @@
               </a:rPr>
               <a:t>html5up.net</a:t>
             </a:r>
+          </a:p>
+          <a:p>
+            <a:endParaRPr lang="fr-FR" sz="2000" dirty="0">
+              <a:solidFill>
+                <a:srgbClr val="000000"/>
+              </a:solidFill>
+            </a:endParaRPr>
           </a:p>
           <a:p>
             <a:pPr marL="457200" indent="-457200">
               <a:buFont typeface="Wingdings" charset="2"/>
               <a:buChar char="Ø"/>
             </a:pPr>
+            <a:r>
+              <a:rPr lang="fr-FR" sz="2000" dirty="0">
+                <a:solidFill>
+                  <a:srgbClr val="000000"/>
+                </a:solidFill>
+              </a:rPr>
+              <a:t>Login </a:t>
+            </a:r>
+            <a:r>
+              <a:rPr lang="fr-FR" sz="2000" dirty="0" err="1">
+                <a:solidFill>
+                  <a:srgbClr val="000000"/>
+                </a:solidFill>
+              </a:rPr>
+              <a:t>Verification</a:t>
+            </a:r>
+            <a:r>
+              <a:rPr lang="fr-FR" sz="2000" dirty="0">
+                <a:solidFill>
+                  <a:srgbClr val="000000"/>
+                </a:solidFill>
+              </a:rPr>
+              <a:t> by Session</a:t>
+            </a:r>
+            <a:br>
+              <a:rPr lang="fr-FR" sz="2000" dirty="0">
+                <a:solidFill>
+                  <a:srgbClr val="000000"/>
+                </a:solidFill>
+                <a:sym typeface="Wingdings"/>
+              </a:rPr>
+            </a:br>
+            <a:r>
+              <a:rPr lang="fr-FR" sz="2000" dirty="0">
+                <a:solidFill>
+                  <a:srgbClr val="000000"/>
+                </a:solidFill>
+                <a:sym typeface="Wingdings"/>
+              </a:rPr>
+              <a:t>Lien : </a:t>
+            </a:r>
+            <a:r>
+              <a:rPr lang="fr-FR" sz="2000" dirty="0">
+                <a:solidFill>
+                  <a:srgbClr val="000000"/>
+                </a:solidFill>
+              </a:rPr>
+              <a:t>sitepoint.com/users-php-sessions-mysql/</a:t>
+            </a:r>
+          </a:p>
+          <a:p>
+            <a:pPr marL="457200" indent="-457200">
+              <a:buFont typeface="Wingdings" charset="2"/>
+              <a:buChar char="Ø"/>
+            </a:pPr>
+            <a:endParaRPr lang="fr-FR" sz="2000" dirty="0">
+              <a:solidFill>
+                <a:srgbClr val="000000"/>
+              </a:solidFill>
+            </a:endParaRPr>
+          </a:p>
+          <a:p>
+            <a:pPr marL="457200" indent="-457200">
+              <a:buFont typeface="Wingdings" charset="2"/>
+              <a:buChar char="Ø"/>
+            </a:pPr>
+            <a:r>
+              <a:rPr lang="fr-FR" sz="2000" dirty="0">
+                <a:solidFill>
+                  <a:srgbClr val="000000"/>
+                </a:solidFill>
+                <a:sym typeface="Wingdings"/>
+              </a:rPr>
+              <a:t>Recherches quelconques</a:t>
+            </a:r>
+            <a:br>
+              <a:rPr lang="fr-FR" sz="2000" dirty="0">
+                <a:solidFill>
+                  <a:srgbClr val="000000"/>
+                </a:solidFill>
+                <a:sym typeface="Wingdings"/>
+              </a:rPr>
+            </a:br>
+            <a:r>
+              <a:rPr lang="fr-FR" sz="2000" dirty="0">
+                <a:solidFill>
+                  <a:srgbClr val="000000"/>
+                </a:solidFill>
+                <a:sym typeface="Wingdings"/>
+              </a:rPr>
+              <a:t>Liens : </a:t>
+            </a:r>
+            <a:r>
+              <a:rPr lang="fr-FR" sz="2000" dirty="0">
+                <a:solidFill>
+                  <a:srgbClr val="000000"/>
+                </a:solidFill>
+              </a:rPr>
+              <a:t>openclassroom.com</a:t>
+            </a:r>
+          </a:p>
+          <a:p>
+            <a:r>
+              <a:rPr lang="fr-FR" sz="2000" dirty="0">
+                <a:solidFill>
+                  <a:srgbClr val="000000"/>
+                </a:solidFill>
+              </a:rPr>
+              <a:t>		     stackoverflow.com</a:t>
+            </a:r>
+          </a:p>
+          <a:p>
+            <a:pPr marL="1371600" lvl="2" indent="-457200">
+              <a:buFont typeface="Wingdings" charset="2"/>
+              <a:buChar char="Ø"/>
+            </a:pPr>
+            <a:endParaRPr lang="fr-FR" sz="200" dirty="0">
+              <a:solidFill>
+                <a:srgbClr val="000000"/>
+              </a:solidFill>
+            </a:endParaRPr>
+          </a:p>
+          <a:p>
+            <a:endParaRPr lang="fr-FR" sz="2000" dirty="0">
+              <a:solidFill>
+                <a:srgbClr val="000000"/>
+              </a:solidFill>
+            </a:endParaRPr>
+          </a:p>
+          <a:p>
             <a:endParaRPr lang="fr-FR" sz="2000" dirty="0">
               <a:solidFill>
                 <a:srgbClr val="000000"/>
@@ -21749,7 +21910,7 @@
           </a:ln>
           <a:extLst>
             <a:ext uri="{53640926-AAD7-44d8-BBD7-CCE9431645EC}">
-              <a14:shadowObscured xmlns:a14="http://schemas.microsoft.com/office/drawing/2010/main" xmlns=""/>
+              <a14:shadowObscured xmlns="" xmlns:a14="http://schemas.microsoft.com/office/drawing/2010/main"/>
             </a:ext>
           </a:extLst>
         </p:spPr>
@@ -21784,10 +21945,10 @@
           </a:ln>
           <a:extLst>
             <a:ext uri="{53640926-AAD7-44d8-BBD7-CCE9431645EC}">
-              <a14:shadowObscured xmlns:a14="http://schemas.microsoft.com/office/drawing/2010/main" xmlns=""/>
+              <a14:shadowObscured xmlns="" xmlns:a14="http://schemas.microsoft.com/office/drawing/2010/main"/>
             </a:ext>
             <a:ext uri="{FAA26D3D-D897-4be2-8F04-BA451C77F1D7}">
-              <ma14:placeholderFlag xmlns:ma14="http://schemas.microsoft.com/office/mac/drawingml/2011/main" xmlns=""/>
+              <ma14:placeholderFlag xmlns="" xmlns:ma14="http://schemas.microsoft.com/office/mac/drawingml/2011/main"/>
             </a:ext>
           </a:extLst>
         </p:spPr>
@@ -21916,7 +22077,7 @@
           </a:prstGeom>
           <a:extLst>
             <a:ext uri="{FAA26D3D-D897-4be2-8F04-BA451C77F1D7}">
-              <ma14:placeholderFlag xmlns:ma14="http://schemas.microsoft.com/office/mac/drawingml/2011/main" xmlns=""/>
+              <ma14:placeholderFlag xmlns="" xmlns:ma14="http://schemas.microsoft.com/office/mac/drawingml/2011/main"/>
             </a:ext>
           </a:extLst>
         </p:spPr>
@@ -21949,7 +22110,7 @@
           </a:prstGeom>
           <a:extLst>
             <a:ext uri="{FAA26D3D-D897-4be2-8F04-BA451C77F1D7}">
-              <ma14:placeholderFlag xmlns:ma14="http://schemas.microsoft.com/office/mac/drawingml/2011/main" xmlns=""/>
+              <ma14:placeholderFlag xmlns="" xmlns:ma14="http://schemas.microsoft.com/office/mac/drawingml/2011/main"/>
             </a:ext>
           </a:extLst>
         </p:spPr>
@@ -22142,7 +22303,7 @@
           </a:prstGeom>
           <a:extLst>
             <a:ext uri="{FAA26D3D-D897-4be2-8F04-BA451C77F1D7}">
-              <ma14:placeholderFlag xmlns:ma14="http://schemas.microsoft.com/office/mac/drawingml/2011/main" xmlns=""/>
+              <ma14:placeholderFlag xmlns="" xmlns:ma14="http://schemas.microsoft.com/office/mac/drawingml/2011/main"/>
             </a:ext>
           </a:extLst>
         </p:spPr>
@@ -22175,7 +22336,7 @@
           </a:prstGeom>
           <a:extLst>
             <a:ext uri="{FAA26D3D-D897-4be2-8F04-BA451C77F1D7}">
-              <ma14:placeholderFlag xmlns:ma14="http://schemas.microsoft.com/office/mac/drawingml/2011/main" xmlns=""/>
+              <ma14:placeholderFlag xmlns="" xmlns:ma14="http://schemas.microsoft.com/office/mac/drawingml/2011/main"/>
             </a:ext>
           </a:extLst>
         </p:spPr>
@@ -22424,6 +22585,223 @@
             </a:lvl9pPr>
           </a:lstStyle>
           <a:p>
+            <a:endParaRPr lang="fr-FR" sz="2800" dirty="0">
+              <a:solidFill>
+                <a:schemeClr val="tx1">
+                  <a:lumMod val="50000"/>
+                  <a:lumOff val="50000"/>
+                </a:schemeClr>
+              </a:solidFill>
+            </a:endParaRPr>
+          </a:p>
+        </p:txBody>
+      </p:sp>
+      <p:sp>
+        <p:nvSpPr>
+          <p:cNvPr id="4" name="Titre 1">
+            <a:extLst>
+              <a:ext uri="{FF2B5EF4-FFF2-40B4-BE49-F238E27FC236}">
+                <a16:creationId xmlns:a16="http://schemas.microsoft.com/office/drawing/2014/main" id="{E9D92546-67AB-4345-A2B0-4739AEA2EE73}"/>
+              </a:ext>
+            </a:extLst>
+          </p:cNvPr>
+          <p:cNvSpPr txBox="1">
+            <a:spLocks/>
+          </p:cNvSpPr>
+          <p:nvPr/>
+        </p:nvSpPr>
+        <p:spPr>
+          <a:xfrm>
+            <a:off x="896890" y="2200356"/>
+            <a:ext cx="7831100" cy="4758681"/>
+          </a:xfrm>
+          <a:prstGeom prst="rect">
+            <a:avLst/>
+          </a:prstGeom>
+        </p:spPr>
+        <p:txBody>
+          <a:bodyPr vert="horz" lIns="91440" tIns="45720" rIns="91440" bIns="45720" rtlCol="0" anchor="t">
+            <a:normAutofit/>
+          </a:bodyPr>
+          <a:lstStyle>
+            <a:lvl1pPr algn="l" defTabSz="457200" rtl="0" eaLnBrk="1" latinLnBrk="0" hangingPunct="1">
+              <a:spcBef>
+                <a:spcPct val="0"/>
+              </a:spcBef>
+              <a:buNone/>
+              <a:defRPr sz="3600" kern="1200">
+                <a:solidFill>
+                  <a:schemeClr val="accent1"/>
+                </a:solidFill>
+                <a:latin typeface="+mj-lt"/>
+                <a:ea typeface="+mj-ea"/>
+                <a:cs typeface="+mj-cs"/>
+              </a:defRPr>
+            </a:lvl1pPr>
+            <a:lvl2pPr eaLnBrk="1" hangingPunct="1">
+              <a:defRPr>
+                <a:solidFill>
+                  <a:schemeClr val="tx2"/>
+                </a:solidFill>
+              </a:defRPr>
+            </a:lvl2pPr>
+            <a:lvl3pPr eaLnBrk="1" hangingPunct="1">
+              <a:defRPr>
+                <a:solidFill>
+                  <a:schemeClr val="tx2"/>
+                </a:solidFill>
+              </a:defRPr>
+            </a:lvl3pPr>
+            <a:lvl4pPr eaLnBrk="1" hangingPunct="1">
+              <a:defRPr>
+                <a:solidFill>
+                  <a:schemeClr val="tx2"/>
+                </a:solidFill>
+              </a:defRPr>
+            </a:lvl4pPr>
+            <a:lvl5pPr eaLnBrk="1" hangingPunct="1">
+              <a:defRPr>
+                <a:solidFill>
+                  <a:schemeClr val="tx2"/>
+                </a:solidFill>
+              </a:defRPr>
+            </a:lvl5pPr>
+            <a:lvl6pPr eaLnBrk="1" hangingPunct="1">
+              <a:defRPr>
+                <a:solidFill>
+                  <a:schemeClr val="tx2"/>
+                </a:solidFill>
+              </a:defRPr>
+            </a:lvl6pPr>
+            <a:lvl7pPr eaLnBrk="1" hangingPunct="1">
+              <a:defRPr>
+                <a:solidFill>
+                  <a:schemeClr val="tx2"/>
+                </a:solidFill>
+              </a:defRPr>
+            </a:lvl7pPr>
+            <a:lvl8pPr eaLnBrk="1" hangingPunct="1">
+              <a:defRPr>
+                <a:solidFill>
+                  <a:schemeClr val="tx2"/>
+                </a:solidFill>
+              </a:defRPr>
+            </a:lvl8pPr>
+            <a:lvl9pPr eaLnBrk="1" hangingPunct="1">
+              <a:defRPr>
+                <a:solidFill>
+                  <a:schemeClr val="tx2"/>
+                </a:solidFill>
+              </a:defRPr>
+            </a:lvl9pPr>
+          </a:lstStyle>
+          <a:p>
+            <a:pPr marL="457200" indent="-457200">
+              <a:buFontTx/>
+              <a:buChar char="-"/>
+            </a:pPr>
+            <a:r>
+              <a:rPr lang="fr-FR" sz="2800" dirty="0">
+                <a:solidFill>
+                  <a:schemeClr val="tx1">
+                    <a:lumMod val="50000"/>
+                    <a:lumOff val="50000"/>
+                  </a:schemeClr>
+                </a:solidFill>
+              </a:rPr>
+              <a:t>Intégralité des pages en .</a:t>
+            </a:r>
+            <a:r>
+              <a:rPr lang="fr-FR" sz="2800" dirty="0" err="1">
+                <a:solidFill>
+                  <a:schemeClr val="tx1">
+                    <a:lumMod val="50000"/>
+                    <a:lumOff val="50000"/>
+                  </a:schemeClr>
+                </a:solidFill>
+              </a:rPr>
+              <a:t>php</a:t>
+            </a:r>
+            <a:r>
+              <a:rPr lang="fr-FR" sz="2800" dirty="0">
+                <a:solidFill>
+                  <a:schemeClr val="tx1">
+                    <a:lumMod val="50000"/>
+                    <a:lumOff val="50000"/>
+                  </a:schemeClr>
+                </a:solidFill>
+              </a:rPr>
+              <a:t> </a:t>
+            </a:r>
+          </a:p>
+          <a:p>
+            <a:pPr marL="457200" indent="-457200">
+              <a:buFontTx/>
+              <a:buChar char="-"/>
+            </a:pPr>
+            <a:endParaRPr lang="fr-FR" sz="2800" dirty="0">
+              <a:solidFill>
+                <a:schemeClr val="tx1">
+                  <a:lumMod val="50000"/>
+                  <a:lumOff val="50000"/>
+                </a:schemeClr>
+              </a:solidFill>
+            </a:endParaRPr>
+          </a:p>
+          <a:p>
+            <a:pPr marL="457200" indent="-457200">
+              <a:buFontTx/>
+              <a:buChar char="-"/>
+            </a:pPr>
+            <a:r>
+              <a:rPr lang="fr-FR" sz="2800" dirty="0">
+                <a:solidFill>
+                  <a:schemeClr val="tx1">
+                    <a:lumMod val="50000"/>
+                    <a:lumOff val="50000"/>
+                  </a:schemeClr>
+                </a:solidFill>
+              </a:rPr>
+              <a:t>Images/vidéos stockés sur le serveur non dans la base de données</a:t>
+            </a:r>
+          </a:p>
+          <a:p>
+            <a:pPr marL="457200" indent="-457200">
+              <a:buFontTx/>
+              <a:buChar char="-"/>
+            </a:pPr>
+            <a:endParaRPr lang="fr-FR" sz="2800" dirty="0">
+              <a:solidFill>
+                <a:schemeClr val="tx1">
+                  <a:lumMod val="50000"/>
+                  <a:lumOff val="50000"/>
+                </a:schemeClr>
+              </a:solidFill>
+            </a:endParaRPr>
+          </a:p>
+          <a:p>
+            <a:r>
+              <a:rPr lang="fr-FR" sz="2800" dirty="0">
+                <a:solidFill>
+                  <a:schemeClr val="tx1">
+                    <a:lumMod val="50000"/>
+                    <a:lumOff val="50000"/>
+                  </a:schemeClr>
+                </a:solidFill>
+              </a:rPr>
+              <a:t>-   Vérification du login de l’utilisateur à 	chaque page via un </a:t>
+            </a:r>
+            <a:r>
+              <a:rPr lang="fr-FR" sz="2800" dirty="0" err="1">
+                <a:solidFill>
+                  <a:schemeClr val="tx1">
+                    <a:lumMod val="50000"/>
+                    <a:lumOff val="50000"/>
+                  </a:schemeClr>
+                </a:solidFill>
+              </a:rPr>
+              <a:t>include</a:t>
+            </a:r>
             <a:endParaRPr lang="fr-FR" sz="2800" dirty="0">
               <a:solidFill>
                 <a:schemeClr val="tx1">

--- a/Oral 05-05.pptx
+++ b/Oral 05-05.pptx
@@ -18401,7 +18401,7 @@
         </p:nvSpPr>
         <p:spPr>
           <a:xfrm>
-            <a:off x="1461265" y="2585690"/>
+            <a:off x="1506190" y="2585690"/>
             <a:ext cx="8640928" cy="916651"/>
           </a:xfrm>
         </p:spPr>
@@ -18695,6 +18695,10 @@
           </a:lstStyle>
           <a:p>
             <a:pPr algn="l"/>
+            <a:r>
+              <a:rPr lang="fr-FR" sz="2400" dirty="0"/>
+              <a:t/>
+            </a:r>
             <a:br>
               <a:rPr lang="fr-FR" sz="2400" dirty="0"/>
             </a:br>
@@ -18736,6 +18740,13 @@
   <p:clrMapOvr>
     <a:masterClrMapping/>
   </p:clrMapOvr>
+  <p:timing>
+    <p:tnLst>
+      <p:par>
+        <p:cTn id="1" dur="indefinite" restart="never" nodeType="tmRoot"/>
+      </p:par>
+    </p:tnLst>
+  </p:timing>
 </p:sld>
 </file>
 
@@ -18805,8 +18816,8 @@
         </p:nvSpPr>
         <p:spPr>
           <a:xfrm>
-            <a:off x="464327" y="1481666"/>
-            <a:ext cx="9409452" cy="4758681"/>
+            <a:off x="374175" y="1481666"/>
+            <a:ext cx="9491042" cy="4758681"/>
           </a:xfrm>
           <a:prstGeom prst="rect">
             <a:avLst/>
@@ -18924,15 +18935,31 @@
                   <a:srgbClr val="000000"/>
                 </a:solidFill>
               </a:rPr>
-              <a:t> 1</a:t>
-            </a:r>
-            <a:r>
-              <a:rPr lang="fr-FR" sz="1600" baseline="30000" dirty="0">
+              <a:t> </a:t>
+            </a:r>
+            <a:r>
+              <a:rPr lang="fr-FR" sz="1600" dirty="0" smtClean="0">
                 <a:solidFill>
                   <a:srgbClr val="000000"/>
                 </a:solidFill>
               </a:rPr>
-              <a:t>e</a:t>
+              <a:t>1</a:t>
+            </a:r>
+            <a:r>
+              <a:rPr lang="fr-FR" sz="1600" baseline="30000" dirty="0" smtClean="0">
+                <a:solidFill>
+                  <a:srgbClr val="000000"/>
+                </a:solidFill>
+              </a:rPr>
+              <a:t>ère</a:t>
+            </a:r>
+            <a:r>
+              <a:rPr lang="fr-FR" sz="1600" dirty="0" smtClean="0">
+                <a:solidFill>
+                  <a:srgbClr val="000000"/>
+                </a:solidFill>
+              </a:rPr>
+              <a:t> </a:t>
             </a:r>
             <a:r>
               <a:rPr lang="fr-FR" sz="1600" dirty="0">
@@ -18940,7 +18967,32 @@
                   <a:srgbClr val="000000"/>
                 </a:solidFill>
               </a:rPr>
-              <a:t> semaine intégralement sur un unique projet =&gt; très intéressant !</a:t>
+              <a:t>semaine intégralement sur un unique projet </a:t>
+            </a:r>
+            <a:r>
+              <a:rPr lang="fr-FR" sz="1600" dirty="0" smtClean="0">
+                <a:solidFill>
+                  <a:srgbClr val="000000"/>
+                </a:solidFill>
+                <a:sym typeface="Wingdings" panose="05000000000000000000" pitchFamily="2" charset="2"/>
+              </a:rPr>
+              <a:t></a:t>
+            </a:r>
+            <a:r>
+              <a:rPr lang="fr-FR" sz="1600" dirty="0" smtClean="0">
+                <a:solidFill>
+                  <a:srgbClr val="000000"/>
+                </a:solidFill>
+              </a:rPr>
+              <a:t> </a:t>
+            </a:r>
+            <a:r>
+              <a:rPr lang="fr-FR" sz="1600" dirty="0">
+                <a:solidFill>
+                  <a:srgbClr val="000000"/>
+                </a:solidFill>
+              </a:rPr>
+              <a:t>très intéressant </a:t>
             </a:r>
           </a:p>
           <a:p>
@@ -18995,7 +19047,7 @@
           </a:p>
           <a:p>
             <a:pPr lvl="1"/>
-            <a:endParaRPr lang="fr-FR" sz="2000" dirty="0">
+            <a:endParaRPr lang="fr-FR" sz="1600" dirty="0">
               <a:solidFill>
                 <a:srgbClr val="000000"/>
               </a:solidFill>
@@ -19069,8 +19121,21 @@
                   <a:srgbClr val="000000"/>
                 </a:solidFill>
               </a:rPr>
-              <a:t> Développement efficace de mes connaissances dans les langages web dans des conditions réelles.</a:t>
-            </a:r>
+              <a:t> Développement efficace de mes connaissances dans les langages web dans des conditions </a:t>
+            </a:r>
+            <a:r>
+              <a:rPr lang="fr-FR" sz="1600" dirty="0" smtClean="0">
+                <a:solidFill>
+                  <a:srgbClr val="000000"/>
+                </a:solidFill>
+              </a:rPr>
+              <a:t>réelles</a:t>
+            </a:r>
+            <a:endParaRPr lang="fr-FR" sz="1600" dirty="0">
+              <a:solidFill>
+                <a:srgbClr val="000000"/>
+              </a:solidFill>
+            </a:endParaRPr>
           </a:p>
           <a:p>
             <a:pPr lvl="1">
@@ -19094,7 +19159,15 @@
                   <a:srgbClr val="000000"/>
                 </a:solidFill>
               </a:rPr>
-              <a:t> Semaine très enrichissante car intensive avec une bonne cohésion d’équipe.</a:t>
+              <a:t> Semaine très enrichissante car intensive avec une bonne cohésion </a:t>
+            </a:r>
+            <a:r>
+              <a:rPr lang="fr-FR" sz="1600" dirty="0" smtClean="0">
+                <a:solidFill>
+                  <a:srgbClr val="000000"/>
+                </a:solidFill>
+              </a:rPr>
+              <a:t>d’équipe</a:t>
             </a:r>
             <a:endParaRPr lang="fr-FR" sz="2000" dirty="0">
               <a:solidFill>
@@ -19156,6 +19229,13 @@
   <p:clrMapOvr>
     <a:masterClrMapping/>
   </p:clrMapOvr>
+  <p:timing>
+    <p:tnLst>
+      <p:par>
+        <p:cTn id="1" dur="indefinite" restart="never" nodeType="tmRoot"/>
+      </p:par>
+    </p:tnLst>
+  </p:timing>
 </p:sld>
 </file>
 
@@ -19369,9 +19449,36 @@
                   <a:srgbClr val="000000"/>
                 </a:solidFill>
               </a:rPr>
-              <a:t> Fin de semaine de projet piscine difficile compte tenu de la fatigue mais très bonne expérience avec un bon esprit de groupe</a:t>
+              <a:t> Fin de semaine de projet piscine difficile compte tenu de la fatigue mais très bonne expérience avec un </a:t>
+            </a:r>
+            <a:r>
+              <a:rPr lang="fr-FR" sz="1600" dirty="0" smtClean="0">
+                <a:solidFill>
+                  <a:srgbClr val="000000"/>
+                </a:solidFill>
+              </a:rPr>
+              <a:t>très bon </a:t>
+            </a:r>
+            <a:r>
+              <a:rPr lang="fr-FR" sz="1600" dirty="0">
+                <a:solidFill>
+                  <a:srgbClr val="000000"/>
+                </a:solidFill>
+              </a:rPr>
+              <a:t>esprit de groupe</a:t>
             </a:r>
             <a:endParaRPr lang="fr-FR" sz="2000" dirty="0">
+              <a:solidFill>
+                <a:srgbClr val="000000"/>
+              </a:solidFill>
+            </a:endParaRPr>
+          </a:p>
+          <a:p>
+            <a:pPr marL="457200" indent="-457200">
+              <a:buFont typeface="Wingdings" charset="2"/>
+              <a:buChar char="Ø"/>
+            </a:pPr>
+            <a:endParaRPr lang="fr-FR" sz="2000" dirty="0" smtClean="0">
               <a:solidFill>
                 <a:srgbClr val="000000"/>
               </a:solidFill>
@@ -19412,6 +19519,14 @@
               </a:rPr>
               <a:t>Bilan collectif :</a:t>
             </a:r>
+            <a:r>
+              <a:rPr lang="fr-FR" sz="1600" dirty="0">
+                <a:solidFill>
+                  <a:srgbClr val="000000"/>
+                </a:solidFill>
+              </a:rPr>
+              <a:t/>
+            </a:r>
             <a:br>
               <a:rPr lang="fr-FR" sz="1600" dirty="0">
                 <a:solidFill>
@@ -19488,7 +19603,32 @@
                   <a:srgbClr val="000000"/>
                 </a:solidFill>
               </a:rPr>
-              <a:t> Contrainte de temps qui nous a conduit à faire des choix dans les fonctionnalités de notre site</a:t>
+              <a:t> Contrainte de temps </a:t>
+            </a:r>
+            <a:r>
+              <a:rPr lang="fr-FR" sz="1600" dirty="0" smtClean="0">
+                <a:solidFill>
+                  <a:srgbClr val="000000"/>
+                </a:solidFill>
+                <a:sym typeface="Wingdings" panose="05000000000000000000" pitchFamily="2" charset="2"/>
+              </a:rPr>
+              <a:t> </a:t>
+            </a:r>
+            <a:r>
+              <a:rPr lang="fr-FR" sz="1600" dirty="0" smtClean="0">
+                <a:solidFill>
+                  <a:srgbClr val="000000"/>
+                </a:solidFill>
+              </a:rPr>
+              <a:t>faire </a:t>
+            </a:r>
+            <a:r>
+              <a:rPr lang="fr-FR" sz="1600" dirty="0">
+                <a:solidFill>
+                  <a:srgbClr val="000000"/>
+                </a:solidFill>
+              </a:rPr>
+              <a:t>des choix dans les fonctionnalités de notre site</a:t>
             </a:r>
           </a:p>
           <a:p>
@@ -19570,6 +19710,13 @@
   <p:clrMapOvr>
     <a:masterClrMapping/>
   </p:clrMapOvr>
+  <p:timing>
+    <p:tnLst>
+      <p:par>
+        <p:cTn id="1" dur="indefinite" restart="never" nodeType="tmRoot"/>
+      </p:par>
+    </p:tnLst>
+  </p:timing>
 </p:sld>
 </file>
 
@@ -19639,7 +19786,7 @@
         </p:nvSpPr>
         <p:spPr>
           <a:xfrm>
-            <a:off x="628207" y="1645521"/>
+            <a:off x="653964" y="1774310"/>
             <a:ext cx="9218257" cy="4758681"/>
           </a:xfrm>
           <a:prstGeom prst="rect">
@@ -19751,6 +19898,15 @@
               </a:rPr>
               <a:t> by HTML 5 UP » </a:t>
             </a:r>
+            <a:r>
+              <a:rPr lang="fr-FR" sz="2000" dirty="0">
+                <a:solidFill>
+                  <a:srgbClr val="000000"/>
+                </a:solidFill>
+                <a:sym typeface="Wingdings"/>
+              </a:rPr>
+              <a:t/>
+            </a:r>
             <a:br>
               <a:rPr lang="fr-FR" sz="2000" dirty="0">
                 <a:solidFill>
@@ -19776,6 +19932,13 @@
               </a:rPr>
               <a:t>html5up.net</a:t>
             </a:r>
+          </a:p>
+          <a:p>
+            <a:endParaRPr lang="fr-FR" sz="2000" dirty="0" smtClean="0">
+              <a:solidFill>
+                <a:srgbClr val="000000"/>
+              </a:solidFill>
+            </a:endParaRPr>
           </a:p>
           <a:p>
             <a:endParaRPr lang="fr-FR" sz="2000" dirty="0">
@@ -19813,6 +19976,15 @@
               </a:rPr>
               <a:t> by Session</a:t>
             </a:r>
+            <a:r>
+              <a:rPr lang="fr-FR" sz="2000" dirty="0">
+                <a:solidFill>
+                  <a:srgbClr val="000000"/>
+                </a:solidFill>
+                <a:sym typeface="Wingdings"/>
+              </a:rPr>
+              <a:t/>
+            </a:r>
             <a:br>
               <a:rPr lang="fr-FR" sz="2000" dirty="0">
                 <a:solidFill>
@@ -19838,6 +20010,17 @@
               </a:rPr>
               <a:t>sitepoint.com/users-php-sessions-mysql/</a:t>
             </a:r>
+          </a:p>
+          <a:p>
+            <a:pPr marL="457200" indent="-457200">
+              <a:buFont typeface="Wingdings" charset="2"/>
+              <a:buChar char="Ø"/>
+            </a:pPr>
+            <a:endParaRPr lang="fr-FR" sz="2000" dirty="0" smtClean="0">
+              <a:solidFill>
+                <a:srgbClr val="000000"/>
+              </a:solidFill>
+            </a:endParaRPr>
           </a:p>
           <a:p>
             <a:pPr marL="457200" indent="-457200">
@@ -19965,6 +20148,13 @@
   <p:clrMapOvr>
     <a:masterClrMapping/>
   </p:clrMapOvr>
+  <p:timing>
+    <p:tnLst>
+      <p:par>
+        <p:cTn id="1" dur="indefinite" restart="never" nodeType="tmRoot"/>
+      </p:par>
+    </p:tnLst>
+  </p:timing>
 </p:sld>
 </file>
 
@@ -20113,11 +20303,8 @@
             </a:lvl9pPr>
           </a:lstStyle>
           <a:p>
-            <a:pPr marL="514350" indent="-514350">
-              <a:buAutoNum type="arabicParenR"/>
-            </a:pPr>
-            <a:r>
-              <a:rPr lang="fr-FR" sz="2800" dirty="0">
+            <a:r>
+              <a:rPr lang="fr-FR" sz="2800" dirty="0" smtClean="0">
                 <a:solidFill>
                   <a:schemeClr val="tx1">
                     <a:lumMod val="50000"/>
@@ -20125,7 +20312,18 @@
                   </a:schemeClr>
                 </a:solidFill>
               </a:rPr>
-              <a:t>Conception du back</a:t>
+              <a:t>1) Conception </a:t>
+            </a:r>
+            <a:r>
+              <a:rPr lang="fr-FR" sz="2800" dirty="0">
+                <a:solidFill>
+                  <a:schemeClr val="tx1">
+                    <a:lumMod val="50000"/>
+                    <a:lumOff val="50000"/>
+                  </a:schemeClr>
+                </a:solidFill>
+              </a:rPr>
+              <a:t>du back</a:t>
             </a:r>
           </a:p>
           <a:p>
@@ -20142,12 +20340,8 @@
             </a:endParaRPr>
           </a:p>
           <a:p>
-            <a:pPr marL="514350" indent="-514350">
-              <a:buFontTx/>
-              <a:buAutoNum type="arabicParenR"/>
-            </a:pPr>
-            <a:r>
-              <a:rPr lang="fr-FR" sz="2800" dirty="0">
+            <a:r>
+              <a:rPr lang="fr-FR" sz="2800" dirty="0" smtClean="0">
                 <a:solidFill>
                   <a:schemeClr val="tx1">
                     <a:lumMod val="50000"/>
@@ -20155,7 +20349,18 @@
                   </a:schemeClr>
                 </a:solidFill>
               </a:rPr>
-              <a:t>Design du front</a:t>
+              <a:t>2) Design </a:t>
+            </a:r>
+            <a:r>
+              <a:rPr lang="fr-FR" sz="2800" dirty="0">
+                <a:solidFill>
+                  <a:schemeClr val="tx1">
+                    <a:lumMod val="50000"/>
+                    <a:lumOff val="50000"/>
+                  </a:schemeClr>
+                </a:solidFill>
+              </a:rPr>
+              <a:t>du front</a:t>
             </a:r>
           </a:p>
           <a:p>
@@ -20169,11 +20374,8 @@
             </a:endParaRPr>
           </a:p>
           <a:p>
-            <a:pPr marL="514350" indent="-514350">
-              <a:buAutoNum type="arabicParenR"/>
-            </a:pPr>
-            <a:r>
-              <a:rPr lang="fr-FR" sz="2800" dirty="0">
+            <a:r>
+              <a:rPr lang="fr-FR" sz="2800" dirty="0" smtClean="0">
                 <a:solidFill>
                   <a:schemeClr val="tx1">
                     <a:lumMod val="50000"/>
@@ -20181,7 +20383,18 @@
                   </a:schemeClr>
                 </a:solidFill>
               </a:rPr>
-              <a:t>Spécifications fonctionnelles des pages web</a:t>
+              <a:t>3) Spécifications </a:t>
+            </a:r>
+            <a:r>
+              <a:rPr lang="fr-FR" sz="2800" dirty="0">
+                <a:solidFill>
+                  <a:schemeClr val="tx1">
+                    <a:lumMod val="50000"/>
+                    <a:lumOff val="50000"/>
+                  </a:schemeClr>
+                </a:solidFill>
+              </a:rPr>
+              <a:t>fonctionnelles des pages web</a:t>
             </a:r>
           </a:p>
           <a:p>
@@ -20198,11 +20411,8 @@
             </a:endParaRPr>
           </a:p>
           <a:p>
-            <a:pPr marL="514350" indent="-514350">
-              <a:buAutoNum type="arabicParenR"/>
-            </a:pPr>
-            <a:r>
-              <a:rPr lang="fr-FR" sz="2800" dirty="0">
+            <a:r>
+              <a:rPr lang="fr-FR" sz="2800" dirty="0" smtClean="0">
                 <a:solidFill>
                   <a:schemeClr val="tx1">
                     <a:lumMod val="50000"/>
@@ -20210,13 +20420,43 @@
                   </a:schemeClr>
                 </a:solidFill>
               </a:rPr>
-              <a:t>Versioning GIT</a:t>
-            </a:r>
-          </a:p>
-          <a:p>
-            <a:pPr marL="514350" indent="-514350">
-              <a:buAutoNum type="arabicParenR"/>
-            </a:pPr>
+              <a:t>4) </a:t>
+            </a:r>
+            <a:r>
+              <a:rPr lang="fr-FR" sz="2800" dirty="0" err="1" smtClean="0">
+                <a:solidFill>
+                  <a:schemeClr val="tx1">
+                    <a:lumMod val="50000"/>
+                    <a:lumOff val="50000"/>
+                  </a:schemeClr>
+                </a:solidFill>
+              </a:rPr>
+              <a:t>Versioning</a:t>
+            </a:r>
+            <a:r>
+              <a:rPr lang="fr-FR" sz="2800" dirty="0" smtClean="0">
+                <a:solidFill>
+                  <a:schemeClr val="tx1">
+                    <a:lumMod val="50000"/>
+                    <a:lumOff val="50000"/>
+                  </a:schemeClr>
+                </a:solidFill>
+              </a:rPr>
+              <a:t> </a:t>
+            </a:r>
+            <a:r>
+              <a:rPr lang="fr-FR" sz="2800" dirty="0">
+                <a:solidFill>
+                  <a:schemeClr val="tx1">
+                    <a:lumMod val="50000"/>
+                    <a:lumOff val="50000"/>
+                  </a:schemeClr>
+                </a:solidFill>
+              </a:rPr>
+              <a:t>GIT</a:t>
+            </a:r>
+          </a:p>
+          <a:p>
             <a:endParaRPr lang="fr-FR" sz="2800" dirty="0">
               <a:solidFill>
                 <a:schemeClr val="tx1">
@@ -20227,11 +20467,8 @@
             </a:endParaRPr>
           </a:p>
           <a:p>
-            <a:pPr marL="514350" indent="-514350">
-              <a:buAutoNum type="arabicParenR"/>
-            </a:pPr>
-            <a:r>
-              <a:rPr lang="fr-FR" sz="2800" dirty="0">
+            <a:r>
+              <a:rPr lang="fr-FR" sz="2800" dirty="0" smtClean="0">
                 <a:solidFill>
                   <a:schemeClr val="tx1">
                     <a:lumMod val="50000"/>
@@ -20239,13 +20476,21 @@
                   </a:schemeClr>
                 </a:solidFill>
               </a:rPr>
-              <a:t>Bilan individuel et collectif</a:t>
-            </a:r>
-          </a:p>
-          <a:p>
-            <a:pPr marL="514350" indent="-514350">
-              <a:buAutoNum type="arabicParenR"/>
-            </a:pPr>
+              <a:t>5) Bilan </a:t>
+            </a:r>
+            <a:r>
+              <a:rPr lang="fr-FR" sz="2800" dirty="0">
+                <a:solidFill>
+                  <a:schemeClr val="tx1">
+                    <a:lumMod val="50000"/>
+                    <a:lumOff val="50000"/>
+                  </a:schemeClr>
+                </a:solidFill>
+              </a:rPr>
+              <a:t>individuel et collectif</a:t>
+            </a:r>
+          </a:p>
+          <a:p>
             <a:endParaRPr lang="fr-FR" sz="2800" dirty="0">
               <a:solidFill>
                 <a:schemeClr val="tx1">
@@ -20256,11 +20501,8 @@
             </a:endParaRPr>
           </a:p>
           <a:p>
-            <a:pPr marL="514350" indent="-514350">
-              <a:buAutoNum type="arabicParenR"/>
-            </a:pPr>
-            <a:r>
-              <a:rPr lang="fr-FR" sz="2800" dirty="0">
+            <a:r>
+              <a:rPr lang="fr-FR" sz="2800" dirty="0" smtClean="0">
                 <a:solidFill>
                   <a:schemeClr val="tx1">
                     <a:lumMod val="50000"/>
@@ -20268,8 +20510,16 @@
                   </a:schemeClr>
                 </a:solidFill>
               </a:rPr>
-              <a:t>Sources</a:t>
-            </a:r>
+              <a:t>6) Sources</a:t>
+            </a:r>
+            <a:endParaRPr lang="fr-FR" sz="2800" dirty="0">
+              <a:solidFill>
+                <a:schemeClr val="tx1">
+                  <a:lumMod val="50000"/>
+                  <a:lumOff val="50000"/>
+                </a:schemeClr>
+              </a:solidFill>
+            </a:endParaRPr>
           </a:p>
         </p:txBody>
       </p:sp>
@@ -20283,6 +20533,13 @@
   <p:clrMapOvr>
     <a:masterClrMapping/>
   </p:clrMapOvr>
+  <p:timing>
+    <p:tnLst>
+      <p:par>
+        <p:cTn id="1" dur="indefinite" restart="never" nodeType="tmRoot"/>
+      </p:par>
+    </p:tnLst>
+  </p:timing>
 </p:sld>
 </file>
 
@@ -20712,6 +20969,13 @@
   <p:clrMapOvr>
     <a:masterClrMapping/>
   </p:clrMapOvr>
+  <p:timing>
+    <p:tnLst>
+      <p:par>
+        <p:cTn id="1" dur="indefinite" restart="never" nodeType="tmRoot"/>
+      </p:par>
+    </p:tnLst>
+  </p:timing>
 </p:sld>
 </file>
 
@@ -21828,6 +22092,13 @@
   <p:clrMapOvr>
     <a:masterClrMapping/>
   </p:clrMapOvr>
+  <p:timing>
+    <p:tnLst>
+      <p:par>
+        <p:cTn id="1" dur="indefinite" restart="never" nodeType="tmRoot"/>
+      </p:par>
+    </p:tnLst>
+  </p:timing>
 </p:sld>
 </file>
 
@@ -21910,7 +22181,7 @@
           </a:ln>
           <a:extLst>
             <a:ext uri="{53640926-AAD7-44d8-BBD7-CCE9431645EC}">
-              <a14:shadowObscured xmlns="" xmlns:a14="http://schemas.microsoft.com/office/drawing/2010/main"/>
+              <a14:shadowObscured xmlns:a14="http://schemas.microsoft.com/office/drawing/2010/main" xmlns=""/>
             </a:ext>
           </a:extLst>
         </p:spPr>
@@ -21945,10 +22216,10 @@
           </a:ln>
           <a:extLst>
             <a:ext uri="{53640926-AAD7-44d8-BBD7-CCE9431645EC}">
-              <a14:shadowObscured xmlns="" xmlns:a14="http://schemas.microsoft.com/office/drawing/2010/main"/>
+              <a14:shadowObscured xmlns:a14="http://schemas.microsoft.com/office/drawing/2010/main" xmlns=""/>
             </a:ext>
             <a:ext uri="{FAA26D3D-D897-4be2-8F04-BA451C77F1D7}">
-              <ma14:placeholderFlag xmlns="" xmlns:ma14="http://schemas.microsoft.com/office/mac/drawingml/2011/main"/>
+              <ma14:placeholderFlag xmlns:ma14="http://schemas.microsoft.com/office/mac/drawingml/2011/main" xmlns=""/>
             </a:ext>
           </a:extLst>
         </p:spPr>
@@ -22029,6 +22300,13 @@
   <p:clrMapOvr>
     <a:masterClrMapping/>
   </p:clrMapOvr>
+  <p:timing>
+    <p:tnLst>
+      <p:par>
+        <p:cTn id="1" dur="indefinite" restart="never" nodeType="tmRoot"/>
+      </p:par>
+    </p:tnLst>
+  </p:timing>
 </p:sld>
 </file>
 
@@ -22077,7 +22355,7 @@
           </a:prstGeom>
           <a:extLst>
             <a:ext uri="{FAA26D3D-D897-4be2-8F04-BA451C77F1D7}">
-              <ma14:placeholderFlag xmlns="" xmlns:ma14="http://schemas.microsoft.com/office/mac/drawingml/2011/main"/>
+              <ma14:placeholderFlag xmlns:ma14="http://schemas.microsoft.com/office/mac/drawingml/2011/main" xmlns=""/>
             </a:ext>
           </a:extLst>
         </p:spPr>
@@ -22110,7 +22388,7 @@
           </a:prstGeom>
           <a:extLst>
             <a:ext uri="{FAA26D3D-D897-4be2-8F04-BA451C77F1D7}">
-              <ma14:placeholderFlag xmlns="" xmlns:ma14="http://schemas.microsoft.com/office/mac/drawingml/2011/main"/>
+              <ma14:placeholderFlag xmlns:ma14="http://schemas.microsoft.com/office/mac/drawingml/2011/main" xmlns=""/>
             </a:ext>
           </a:extLst>
         </p:spPr>
@@ -22223,6 +22501,13 @@
   <p:clrMapOvr>
     <a:masterClrMapping/>
   </p:clrMapOvr>
+  <p:timing>
+    <p:tnLst>
+      <p:par>
+        <p:cTn id="1" dur="indefinite" restart="never" nodeType="tmRoot"/>
+      </p:par>
+    </p:tnLst>
+  </p:timing>
 </p:sld>
 </file>
 
@@ -22303,7 +22588,7 @@
           </a:prstGeom>
           <a:extLst>
             <a:ext uri="{FAA26D3D-D897-4be2-8F04-BA451C77F1D7}">
-              <ma14:placeholderFlag xmlns="" xmlns:ma14="http://schemas.microsoft.com/office/mac/drawingml/2011/main"/>
+              <ma14:placeholderFlag xmlns:ma14="http://schemas.microsoft.com/office/mac/drawingml/2011/main" xmlns=""/>
             </a:ext>
           </a:extLst>
         </p:spPr>
@@ -22336,7 +22621,7 @@
           </a:prstGeom>
           <a:extLst>
             <a:ext uri="{FAA26D3D-D897-4be2-8F04-BA451C77F1D7}">
-              <ma14:placeholderFlag xmlns="" xmlns:ma14="http://schemas.microsoft.com/office/mac/drawingml/2011/main"/>
+              <ma14:placeholderFlag xmlns:ma14="http://schemas.microsoft.com/office/mac/drawingml/2011/main" xmlns=""/>
             </a:ext>
           </a:extLst>
         </p:spPr>
@@ -22417,6 +22702,13 @@
   <p:clrMapOvr>
     <a:masterClrMapping/>
   </p:clrMapOvr>
+  <p:timing>
+    <p:tnLst>
+      <p:par>
+        <p:cTn id="1" dur="indefinite" restart="never" nodeType="tmRoot"/>
+      </p:par>
+    </p:tnLst>
+  </p:timing>
 </p:sld>
 </file>
 
@@ -22601,7 +22893,7 @@
           <p:cNvPr id="4" name="Titre 1">
             <a:extLst>
               <a:ext uri="{FF2B5EF4-FFF2-40B4-BE49-F238E27FC236}">
-                <a16:creationId xmlns:a16="http://schemas.microsoft.com/office/drawing/2014/main" id="{E9D92546-67AB-4345-A2B0-4739AEA2EE73}"/>
+                <a16:creationId xmlns:a16="http://schemas.microsoft.com/office/drawing/2014/main" xmlns="" id="{E9D92546-67AB-4345-A2B0-4739AEA2EE73}"/>
               </a:ext>
             </a:extLst>
           </p:cNvPr>
@@ -22612,8 +22904,8 @@
         </p:nvSpPr>
         <p:spPr>
           <a:xfrm>
-            <a:off x="896890" y="2200356"/>
-            <a:ext cx="7831100" cy="4758681"/>
+            <a:off x="639313" y="2099319"/>
+            <a:ext cx="9019842" cy="4758681"/>
           </a:xfrm>
           <a:prstGeom prst="rect">
             <a:avLst/>
@@ -22696,118 +22988,173 @@
             </a:lvl9pPr>
           </a:lstStyle>
           <a:p>
+            <a:pPr marL="342900" indent="-342900">
+              <a:buFont typeface="Wingdings" panose="05000000000000000000" pitchFamily="2" charset="2"/>
+              <a:buChar char="Ø"/>
+            </a:pPr>
+            <a:r>
+              <a:rPr lang="fr-FR" sz="2400" dirty="0" smtClean="0">
+                <a:solidFill>
+                  <a:schemeClr val="tx1"/>
+                </a:solidFill>
+              </a:rPr>
+              <a:t>Intégralité des pages en </a:t>
+            </a:r>
+            <a:r>
+              <a:rPr lang="fr-FR" sz="2400" dirty="0">
+                <a:solidFill>
+                  <a:schemeClr val="tx1"/>
+                </a:solidFill>
+              </a:rPr>
+              <a:t>.</a:t>
+            </a:r>
+            <a:r>
+              <a:rPr lang="fr-FR" sz="2400" dirty="0" err="1">
+                <a:solidFill>
+                  <a:schemeClr val="tx1"/>
+                </a:solidFill>
+              </a:rPr>
+              <a:t>php</a:t>
+            </a:r>
+            <a:r>
+              <a:rPr lang="fr-FR" sz="2400" dirty="0">
+                <a:solidFill>
+                  <a:schemeClr val="tx1"/>
+                </a:solidFill>
+              </a:rPr>
+              <a:t> </a:t>
+            </a:r>
+          </a:p>
+          <a:p>
             <a:pPr marL="457200" indent="-457200">
               <a:buFontTx/>
               <a:buChar char="-"/>
             </a:pPr>
-            <a:r>
-              <a:rPr lang="fr-FR" sz="2800" dirty="0">
-                <a:solidFill>
-                  <a:schemeClr val="tx1">
-                    <a:lumMod val="50000"/>
-                    <a:lumOff val="50000"/>
-                  </a:schemeClr>
-                </a:solidFill>
-              </a:rPr>
-              <a:t>Intégralité des pages en .</a:t>
-            </a:r>
-            <a:r>
-              <a:rPr lang="fr-FR" sz="2800" dirty="0" err="1">
-                <a:solidFill>
-                  <a:schemeClr val="tx1">
-                    <a:lumMod val="50000"/>
-                    <a:lumOff val="50000"/>
-                  </a:schemeClr>
-                </a:solidFill>
-              </a:rPr>
-              <a:t>php</a:t>
-            </a:r>
-            <a:r>
-              <a:rPr lang="fr-FR" sz="2800" dirty="0">
-                <a:solidFill>
-                  <a:schemeClr val="tx1">
-                    <a:lumMod val="50000"/>
-                    <a:lumOff val="50000"/>
-                  </a:schemeClr>
-                </a:solidFill>
-              </a:rPr>
-              <a:t> </a:t>
-            </a:r>
+            <a:endParaRPr lang="fr-FR" sz="2400" dirty="0" smtClean="0">
+              <a:solidFill>
+                <a:schemeClr val="tx1"/>
+              </a:solidFill>
+            </a:endParaRPr>
           </a:p>
           <a:p>
             <a:pPr marL="457200" indent="-457200">
               <a:buFontTx/>
               <a:buChar char="-"/>
             </a:pPr>
-            <a:endParaRPr lang="fr-FR" sz="2800" dirty="0">
+            <a:endParaRPr lang="fr-FR" sz="2400" dirty="0">
               <a:solidFill>
-                <a:schemeClr val="tx1">
-                  <a:lumMod val="50000"/>
-                  <a:lumOff val="50000"/>
-                </a:schemeClr>
+                <a:schemeClr val="tx1"/>
               </a:solidFill>
             </a:endParaRPr>
+          </a:p>
+          <a:p>
+            <a:pPr marL="342900" indent="-342900">
+              <a:buFont typeface="Wingdings" panose="05000000000000000000" pitchFamily="2" charset="2"/>
+              <a:buChar char="Ø"/>
+            </a:pPr>
+            <a:r>
+              <a:rPr lang="fr-FR" sz="2400" dirty="0" smtClean="0">
+                <a:solidFill>
+                  <a:schemeClr val="tx1"/>
+                </a:solidFill>
+              </a:rPr>
+              <a:t>Images et vidéos stockées </a:t>
+            </a:r>
+            <a:r>
+              <a:rPr lang="fr-FR" sz="2400" dirty="0">
+                <a:solidFill>
+                  <a:schemeClr val="tx1"/>
+                </a:solidFill>
+              </a:rPr>
+              <a:t>sur le </a:t>
+            </a:r>
+            <a:r>
+              <a:rPr lang="fr-FR" sz="2400" dirty="0" smtClean="0">
+                <a:solidFill>
+                  <a:schemeClr val="tx1"/>
+                </a:solidFill>
+              </a:rPr>
+              <a:t>serveur et </a:t>
+            </a:r>
+            <a:r>
+              <a:rPr lang="fr-FR" sz="2400" dirty="0">
+                <a:solidFill>
+                  <a:schemeClr val="tx1"/>
+                </a:solidFill>
+              </a:rPr>
+              <a:t>non dans la base de données</a:t>
+            </a:r>
           </a:p>
           <a:p>
             <a:pPr marL="457200" indent="-457200">
               <a:buFontTx/>
               <a:buChar char="-"/>
             </a:pPr>
-            <a:r>
-              <a:rPr lang="fr-FR" sz="2800" dirty="0">
-                <a:solidFill>
-                  <a:schemeClr val="tx1">
-                    <a:lumMod val="50000"/>
-                    <a:lumOff val="50000"/>
-                  </a:schemeClr>
-                </a:solidFill>
-              </a:rPr>
-              <a:t>Images/vidéos stockés sur le serveur non dans la base de données</a:t>
-            </a:r>
+            <a:endParaRPr lang="fr-FR" sz="2400" dirty="0" smtClean="0">
+              <a:solidFill>
+                <a:schemeClr val="tx1"/>
+              </a:solidFill>
+            </a:endParaRPr>
           </a:p>
           <a:p>
             <a:pPr marL="457200" indent="-457200">
               <a:buFontTx/>
               <a:buChar char="-"/>
             </a:pPr>
-            <a:endParaRPr lang="fr-FR" sz="2800" dirty="0">
+            <a:endParaRPr lang="fr-FR" sz="2400" dirty="0">
               <a:solidFill>
-                <a:schemeClr val="tx1">
-                  <a:lumMod val="50000"/>
-                  <a:lumOff val="50000"/>
-                </a:schemeClr>
+                <a:schemeClr val="tx1"/>
               </a:solidFill>
             </a:endParaRPr>
           </a:p>
           <a:p>
-            <a:r>
-              <a:rPr lang="fr-FR" sz="2800" dirty="0">
-                <a:solidFill>
-                  <a:schemeClr val="tx1">
-                    <a:lumMod val="50000"/>
-                    <a:lumOff val="50000"/>
-                  </a:schemeClr>
+            <a:pPr marL="342900" indent="-342900">
+              <a:buFont typeface="Wingdings" panose="05000000000000000000" pitchFamily="2" charset="2"/>
+              <a:buChar char="Ø"/>
+            </a:pPr>
+            <a:r>
+              <a:rPr lang="fr-FR" sz="2400" dirty="0" smtClean="0">
+                <a:solidFill>
+                  <a:schemeClr val="tx1"/>
                 </a:solidFill>
               </a:rPr>
-              <a:t>-   Vérification du login de l’utilisateur à 	chaque page via un </a:t>
-            </a:r>
-            <a:r>
-              <a:rPr lang="fr-FR" sz="2800" dirty="0" err="1">
-                <a:solidFill>
-                  <a:schemeClr val="tx1">
-                    <a:lumMod val="50000"/>
-                    <a:lumOff val="50000"/>
-                  </a:schemeClr>
+              <a:t>Vérification </a:t>
+            </a:r>
+            <a:r>
+              <a:rPr lang="fr-FR" sz="2400" dirty="0">
+                <a:solidFill>
+                  <a:schemeClr val="tx1"/>
+                </a:solidFill>
+              </a:rPr>
+              <a:t>du login de l’utilisateur à </a:t>
+            </a:r>
+            <a:r>
+              <a:rPr lang="fr-FR" sz="2400" dirty="0" smtClean="0">
+                <a:solidFill>
+                  <a:schemeClr val="tx1"/>
+                </a:solidFill>
+              </a:rPr>
+              <a:t>chaque </a:t>
+            </a:r>
+            <a:r>
+              <a:rPr lang="fr-FR" sz="2400" dirty="0">
+                <a:solidFill>
+                  <a:schemeClr val="tx1"/>
+                </a:solidFill>
+              </a:rPr>
+              <a:t>page via un </a:t>
+            </a:r>
+            <a:r>
+              <a:rPr lang="fr-FR" sz="2400" dirty="0" err="1">
+                <a:solidFill>
+                  <a:schemeClr val="tx1"/>
                 </a:solidFill>
               </a:rPr>
               <a:t>include</a:t>
             </a:r>
-            <a:endParaRPr lang="fr-FR" sz="2800" dirty="0">
+            <a:endParaRPr lang="fr-FR" sz="2400" dirty="0">
               <a:solidFill>
-                <a:schemeClr val="tx1">
-                  <a:lumMod val="50000"/>
-                  <a:lumOff val="50000"/>
-                </a:schemeClr>
+                <a:schemeClr val="tx1"/>
               </a:solidFill>
             </a:endParaRPr>
           </a:p>
@@ -22823,6 +23170,13 @@
   <p:clrMapOvr>
     <a:masterClrMapping/>
   </p:clrMapOvr>
+  <p:timing>
+    <p:tnLst>
+      <p:par>
+        <p:cTn id="1" dur="indefinite" restart="never" nodeType="tmRoot"/>
+      </p:par>
+    </p:tnLst>
+  </p:timing>
 </p:sld>
 </file>
 
@@ -22889,7 +23243,7 @@
         </p:nvSpPr>
         <p:spPr>
           <a:xfrm>
-            <a:off x="1925592" y="118037"/>
+            <a:off x="1892873" y="74315"/>
             <a:ext cx="8596484" cy="742200"/>
           </a:xfrm>
         </p:spPr>
@@ -22921,7 +23275,7 @@
         </p:nvSpPr>
         <p:spPr>
           <a:xfrm>
-            <a:off x="538499" y="6001996"/>
+            <a:off x="499862" y="6087639"/>
             <a:ext cx="9696092" cy="856004"/>
           </a:xfrm>
         </p:spPr>
@@ -22935,7 +23289,7 @@
               <a:buNone/>
             </a:pPr>
             <a:r>
-              <a:rPr lang="fr-FR" sz="1600" dirty="0">
+              <a:rPr lang="fr-FR" sz="1400" dirty="0">
                 <a:solidFill>
                   <a:schemeClr val="tx1">
                     <a:lumMod val="50000"/>
@@ -22946,7 +23300,7 @@
               <a:t>Lien du versioning GIT : </a:t>
             </a:r>
             <a:r>
-              <a:rPr lang="fr-FR" sz="1600" dirty="0" err="1">
+              <a:rPr lang="fr-FR" sz="1400" dirty="0" err="1">
                 <a:solidFill>
                   <a:schemeClr val="tx1">
                     <a:lumMod val="50000"/>
@@ -22957,7 +23311,7 @@
               <a:t>https</a:t>
             </a:r>
             <a:r>
-              <a:rPr lang="fr-FR" sz="1600" dirty="0">
+              <a:rPr lang="fr-FR" sz="1400" dirty="0">
                 <a:solidFill>
                   <a:schemeClr val="tx1">
                     <a:lumMod val="50000"/>
@@ -22968,7 +23322,7 @@
               <a:t>://</a:t>
             </a:r>
             <a:r>
-              <a:rPr lang="fr-FR" sz="1600" dirty="0" err="1">
+              <a:rPr lang="fr-FR" sz="1400" dirty="0" err="1">
                 <a:solidFill>
                   <a:schemeClr val="tx1">
                     <a:lumMod val="50000"/>
@@ -22979,7 +23333,7 @@
               <a:t>github.com</a:t>
             </a:r>
             <a:r>
-              <a:rPr lang="fr-FR" sz="1600" dirty="0">
+              <a:rPr lang="fr-FR" sz="1400" dirty="0">
                 <a:solidFill>
                   <a:schemeClr val="tx1">
                     <a:lumMod val="50000"/>
@@ -22990,7 +23344,7 @@
               <a:t>/</a:t>
             </a:r>
             <a:r>
-              <a:rPr lang="fr-FR" sz="1600" dirty="0" err="1">
+              <a:rPr lang="fr-FR" sz="1400" dirty="0" err="1">
                 <a:solidFill>
                   <a:schemeClr val="tx1">
                     <a:lumMod val="50000"/>
@@ -23001,7 +23355,7 @@
               <a:t>HugoFerreiraDosSantos</a:t>
             </a:r>
             <a:r>
-              <a:rPr lang="fr-FR" sz="1600" dirty="0">
+              <a:rPr lang="fr-FR" sz="1400" dirty="0">
                 <a:solidFill>
                   <a:schemeClr val="tx1">
                     <a:lumMod val="50000"/>
@@ -23012,7 +23366,7 @@
               <a:t>/Projet-Piscine</a:t>
             </a:r>
             <a:br>
-              <a:rPr lang="fr-FR" sz="1600" dirty="0">
+              <a:rPr lang="fr-FR" sz="1400" dirty="0">
                 <a:solidFill>
                   <a:schemeClr val="tx1">
                     <a:lumMod val="50000"/>
@@ -23022,7 +23376,7 @@
               </a:rPr>
             </a:br>
             <a:r>
-              <a:rPr lang="fr-FR" sz="1600" dirty="0">
+              <a:rPr lang="fr-FR" sz="1400" dirty="0">
                 <a:solidFill>
                   <a:schemeClr val="bg1">
                     <a:lumMod val="50000"/>
@@ -23032,7 +23386,7 @@
               <a:t>Login : </a:t>
             </a:r>
             <a:r>
-              <a:rPr lang="fr-FR" sz="1600" dirty="0" err="1">
+              <a:rPr lang="fr-FR" sz="1400" dirty="0" err="1">
                 <a:solidFill>
                   <a:schemeClr val="bg1">
                     <a:lumMod val="50000"/>
@@ -23042,7 +23396,7 @@
               <a:t>hugo.ferreira-dos-santos@edu.ece.fr</a:t>
             </a:r>
             <a:r>
-              <a:rPr lang="fr-FR" sz="1600" dirty="0">
+              <a:rPr lang="fr-FR" sz="1400" dirty="0">
                 <a:solidFill>
                   <a:schemeClr val="bg1">
                     <a:lumMod val="50000"/>
@@ -23052,7 +23406,7 @@
               <a:t> </a:t>
             </a:r>
             <a:br>
-              <a:rPr lang="fr-FR" sz="1600" dirty="0">
+              <a:rPr lang="fr-FR" sz="1400" dirty="0">
                 <a:solidFill>
                   <a:schemeClr val="bg1">
                     <a:lumMod val="50000"/>
@@ -23061,7 +23415,7 @@
               </a:rPr>
             </a:br>
             <a:r>
-              <a:rPr lang="fr-FR" sz="1600" dirty="0" err="1">
+              <a:rPr lang="fr-FR" sz="1400" dirty="0" err="1">
                 <a:solidFill>
                   <a:schemeClr val="bg1">
                     <a:lumMod val="50000"/>
@@ -23071,7 +23425,7 @@
               <a:t>Password</a:t>
             </a:r>
             <a:r>
-              <a:rPr lang="fr-FR" sz="1600" dirty="0">
+              <a:rPr lang="fr-FR" sz="1400" dirty="0">
                 <a:solidFill>
                   <a:schemeClr val="bg1">
                     <a:lumMod val="50000"/>
@@ -23104,8 +23458,8 @@
         </p:nvSpPr>
         <p:spPr>
           <a:xfrm>
-            <a:off x="3154692" y="955816"/>
-            <a:ext cx="6072847" cy="461665"/>
+            <a:off x="3764398" y="855562"/>
+            <a:ext cx="4769254" cy="461665"/>
           </a:xfrm>
           <a:prstGeom prst="rect">
             <a:avLst/>
@@ -23119,12 +23473,36 @@
           <a:lstStyle/>
           <a:p>
             <a:r>
+              <a:rPr lang="fr-FR" sz="2400" dirty="0" smtClean="0">
+                <a:solidFill>
+                  <a:srgbClr val="7F7F7F"/>
+                </a:solidFill>
+              </a:rPr>
+              <a:t>Extrait du </a:t>
+            </a:r>
+            <a:r>
+              <a:rPr lang="fr-FR" sz="2400" dirty="0" err="1" smtClean="0">
+                <a:solidFill>
+                  <a:srgbClr val="7F7F7F"/>
+                </a:solidFill>
+              </a:rPr>
+              <a:t>versioning</a:t>
+            </a:r>
+            <a:r>
+              <a:rPr lang="fr-FR" sz="2400" dirty="0" smtClean="0">
+                <a:solidFill>
+                  <a:srgbClr val="7F7F7F"/>
+                </a:solidFill>
+              </a:rPr>
+              <a:t> </a:t>
+            </a:r>
+            <a:r>
               <a:rPr lang="fr-FR" sz="2400" dirty="0">
                 <a:solidFill>
                   <a:srgbClr val="7F7F7F"/>
                 </a:solidFill>
               </a:rPr>
-              <a:t>Capture d’écran du versioning sous </a:t>
+              <a:t>sous </a:t>
             </a:r>
             <a:r>
               <a:rPr lang="fr-FR" sz="2400" dirty="0" err="1">
@@ -23142,6 +23520,35 @@
           </a:p>
         </p:txBody>
       </p:sp>
+      <p:pic>
+        <p:nvPicPr>
+          <p:cNvPr id="5" name="Image 4"/>
+          <p:cNvPicPr>
+            <a:picLocks noChangeAspect="1"/>
+          </p:cNvPicPr>
+          <p:nvPr/>
+        </p:nvPicPr>
+        <p:blipFill rotWithShape="1">
+          <a:blip r:embed="rId2">
+            <a:extLst>
+              <a:ext uri="{28A0092B-C50C-407E-A947-70E740481C1C}">
+                <a14:useLocalDpi xmlns:a14="http://schemas.microsoft.com/office/drawing/2010/main" val="0"/>
+              </a:ext>
+            </a:extLst>
+          </a:blip>
+          <a:srcRect t="8887" r="3521"/>
+          <a:stretch/>
+        </p:blipFill>
+        <p:spPr>
+          <a:xfrm>
+            <a:off x="4995728" y="1350718"/>
+            <a:ext cx="2306594" cy="4755800"/>
+          </a:xfrm>
+          <a:prstGeom prst="rect">
+            <a:avLst/>
+          </a:prstGeom>
+        </p:spPr>
+      </p:pic>
     </p:spTree>
     <p:extLst>
       <p:ext uri="{BB962C8B-B14F-4D97-AF65-F5344CB8AC3E}">
@@ -23152,6 +23559,13 @@
   <p:clrMapOvr>
     <a:masterClrMapping/>
   </p:clrMapOvr>
+  <p:timing>
+    <p:tnLst>
+      <p:par>
+        <p:cTn id="1" dur="indefinite" restart="never" nodeType="tmRoot"/>
+      </p:par>
+    </p:tnLst>
+  </p:timing>
 </p:sld>
 </file>
 
